--- a/materials/07_Dynamic_Analysis/Dynamic Analysis.pptx
+++ b/materials/07_Dynamic_Analysis/Dynamic Analysis.pptx
@@ -55,24 +55,24 @@
     <p:sldId id="783" r:id="rId43"/>
     <p:sldId id="441" r:id="rId44"/>
     <p:sldId id="832" r:id="rId45"/>
-    <p:sldId id="262" r:id="rId46"/>
-    <p:sldId id="785" r:id="rId47"/>
-    <p:sldId id="797" r:id="rId48"/>
-    <p:sldId id="463" r:id="rId49"/>
-    <p:sldId id="798" r:id="rId50"/>
-    <p:sldId id="799" r:id="rId51"/>
-    <p:sldId id="800" r:id="rId52"/>
-    <p:sldId id="496" r:id="rId53"/>
-    <p:sldId id="497" r:id="rId54"/>
-    <p:sldId id="498" r:id="rId55"/>
-    <p:sldId id="801" r:id="rId56"/>
-    <p:sldId id="802" r:id="rId57"/>
-    <p:sldId id="803" r:id="rId58"/>
-    <p:sldId id="526" r:id="rId59"/>
-    <p:sldId id="489" r:id="rId60"/>
-    <p:sldId id="488" r:id="rId61"/>
-    <p:sldId id="833" r:id="rId62"/>
-    <p:sldId id="834" r:id="rId63"/>
+    <p:sldId id="833" r:id="rId46"/>
+    <p:sldId id="834" r:id="rId47"/>
+    <p:sldId id="262" r:id="rId48"/>
+    <p:sldId id="785" r:id="rId49"/>
+    <p:sldId id="797" r:id="rId50"/>
+    <p:sldId id="463" r:id="rId51"/>
+    <p:sldId id="798" r:id="rId52"/>
+    <p:sldId id="799" r:id="rId53"/>
+    <p:sldId id="800" r:id="rId54"/>
+    <p:sldId id="496" r:id="rId55"/>
+    <p:sldId id="497" r:id="rId56"/>
+    <p:sldId id="498" r:id="rId57"/>
+    <p:sldId id="801" r:id="rId58"/>
+    <p:sldId id="802" r:id="rId59"/>
+    <p:sldId id="803" r:id="rId60"/>
+    <p:sldId id="526" r:id="rId61"/>
+    <p:sldId id="489" r:id="rId62"/>
+    <p:sldId id="488" r:id="rId63"/>
     <p:sldId id="836" r:id="rId64"/>
     <p:sldId id="837" r:id="rId65"/>
   </p:sldIdLst>
@@ -5785,7 +5785,7 @@
           </a:ln>
           <a:extLst>
             <a:ext uri="{C572A759-6A51-4108-AA02-DFA0A04FC94B}">
-              <ma14:wrappingTextBoxFlag xmlns="" xmlns:ma14="http://schemas.microsoft.com/office/mac/drawingml/2011/main" val="1"/>
+              <ma14:wrappingTextBoxFlag xmlns:ma14="http://schemas.microsoft.com/office/mac/drawingml/2011/main" xmlns="" val="1"/>
             </a:ext>
           </a:extLst>
         </p:spPr>
@@ -7910,7 +7910,7 @@
           </a:ln>
           <a:extLst>
             <a:ext uri="{C572A759-6A51-4108-AA02-DFA0A04FC94B}">
-              <ma14:wrappingTextBoxFlag xmlns="" xmlns:ma14="http://schemas.microsoft.com/office/mac/drawingml/2011/main" val="1"/>
+              <ma14:wrappingTextBoxFlag xmlns:ma14="http://schemas.microsoft.com/office/mac/drawingml/2011/main" xmlns="" val="1"/>
             </a:ext>
           </a:extLst>
         </p:spPr>
@@ -7949,7 +7949,7 @@
           </a:ln>
           <a:extLst>
             <a:ext uri="{C572A759-6A51-4108-AA02-DFA0A04FC94B}">
-              <ma14:wrappingTextBoxFlag xmlns="" xmlns:ma14="http://schemas.microsoft.com/office/mac/drawingml/2011/main" val="1"/>
+              <ma14:wrappingTextBoxFlag xmlns:ma14="http://schemas.microsoft.com/office/mac/drawingml/2011/main" xmlns="" val="1"/>
             </a:ext>
           </a:extLst>
         </p:spPr>
@@ -10086,7 +10086,7 @@
           </a:ln>
           <a:extLst>
             <a:ext uri="{C572A759-6A51-4108-AA02-DFA0A04FC94B}">
-              <ma14:wrappingTextBoxFlag xmlns="" xmlns:ma14="http://schemas.microsoft.com/office/mac/drawingml/2011/main" val="1"/>
+              <ma14:wrappingTextBoxFlag xmlns:ma14="http://schemas.microsoft.com/office/mac/drawingml/2011/main" xmlns="" val="1"/>
             </a:ext>
           </a:extLst>
         </p:spPr>
@@ -10125,7 +10125,7 @@
           </a:ln>
           <a:extLst>
             <a:ext uri="{C572A759-6A51-4108-AA02-DFA0A04FC94B}">
-              <ma14:wrappingTextBoxFlag xmlns="" xmlns:ma14="http://schemas.microsoft.com/office/mac/drawingml/2011/main" val="1"/>
+              <ma14:wrappingTextBoxFlag xmlns:ma14="http://schemas.microsoft.com/office/mac/drawingml/2011/main" xmlns="" val="1"/>
             </a:ext>
           </a:extLst>
         </p:spPr>
@@ -12284,7 +12284,7 @@
           </a:ln>
           <a:extLst>
             <a:ext uri="{C572A759-6A51-4108-AA02-DFA0A04FC94B}">
-              <ma14:wrappingTextBoxFlag xmlns="" xmlns:ma14="http://schemas.microsoft.com/office/mac/drawingml/2011/main" val="1"/>
+              <ma14:wrappingTextBoxFlag xmlns:ma14="http://schemas.microsoft.com/office/mac/drawingml/2011/main" xmlns="" val="1"/>
             </a:ext>
           </a:extLst>
         </p:spPr>
@@ -12323,7 +12323,7 @@
           </a:ln>
           <a:extLst>
             <a:ext uri="{C572A759-6A51-4108-AA02-DFA0A04FC94B}">
-              <ma14:wrappingTextBoxFlag xmlns="" xmlns:ma14="http://schemas.microsoft.com/office/mac/drawingml/2011/main" val="1"/>
+              <ma14:wrappingTextBoxFlag xmlns:ma14="http://schemas.microsoft.com/office/mac/drawingml/2011/main" xmlns="" val="1"/>
             </a:ext>
           </a:extLst>
         </p:spPr>
@@ -14819,7 +14819,7 @@
           </a:ln>
           <a:extLst>
             <a:ext uri="{C572A759-6A51-4108-AA02-DFA0A04FC94B}">
-              <ma14:wrappingTextBoxFlag xmlns="" xmlns:ma14="http://schemas.microsoft.com/office/mac/drawingml/2011/main" val="1"/>
+              <ma14:wrappingTextBoxFlag xmlns:ma14="http://schemas.microsoft.com/office/mac/drawingml/2011/main" xmlns="" val="1"/>
             </a:ext>
           </a:extLst>
         </p:spPr>
@@ -14858,7 +14858,7 @@
           </a:ln>
           <a:extLst>
             <a:ext uri="{C572A759-6A51-4108-AA02-DFA0A04FC94B}">
-              <ma14:wrappingTextBoxFlag xmlns="" xmlns:ma14="http://schemas.microsoft.com/office/mac/drawingml/2011/main" val="1"/>
+              <ma14:wrappingTextBoxFlag xmlns:ma14="http://schemas.microsoft.com/office/mac/drawingml/2011/main" xmlns="" val="1"/>
             </a:ext>
           </a:extLst>
         </p:spPr>
@@ -16987,7 +16987,7 @@
           </a:ln>
           <a:extLst>
             <a:ext uri="{C572A759-6A51-4108-AA02-DFA0A04FC94B}">
-              <ma14:wrappingTextBoxFlag xmlns="" xmlns:ma14="http://schemas.microsoft.com/office/mac/drawingml/2011/main" val="1"/>
+              <ma14:wrappingTextBoxFlag xmlns:ma14="http://schemas.microsoft.com/office/mac/drawingml/2011/main" xmlns="" val="1"/>
             </a:ext>
           </a:extLst>
         </p:spPr>
@@ -17026,7 +17026,7 @@
           </a:ln>
           <a:extLst>
             <a:ext uri="{C572A759-6A51-4108-AA02-DFA0A04FC94B}">
-              <ma14:wrappingTextBoxFlag xmlns="" xmlns:ma14="http://schemas.microsoft.com/office/mac/drawingml/2011/main" val="1"/>
+              <ma14:wrappingTextBoxFlag xmlns:ma14="http://schemas.microsoft.com/office/mac/drawingml/2011/main" xmlns="" val="1"/>
             </a:ext>
           </a:extLst>
         </p:spPr>
@@ -19261,7 +19261,7 @@
           </a:ln>
           <a:extLst>
             <a:ext uri="{C572A759-6A51-4108-AA02-DFA0A04FC94B}">
-              <ma14:wrappingTextBoxFlag xmlns="" xmlns:ma14="http://schemas.microsoft.com/office/mac/drawingml/2011/main" val="1"/>
+              <ma14:wrappingTextBoxFlag xmlns:ma14="http://schemas.microsoft.com/office/mac/drawingml/2011/main" xmlns="" val="1"/>
             </a:ext>
           </a:extLst>
         </p:spPr>
@@ -19300,7 +19300,7 @@
           </a:ln>
           <a:extLst>
             <a:ext uri="{C572A759-6A51-4108-AA02-DFA0A04FC94B}">
-              <ma14:wrappingTextBoxFlag xmlns="" xmlns:ma14="http://schemas.microsoft.com/office/mac/drawingml/2011/main" val="1"/>
+              <ma14:wrappingTextBoxFlag xmlns:ma14="http://schemas.microsoft.com/office/mac/drawingml/2011/main" xmlns="" val="1"/>
             </a:ext>
           </a:extLst>
         </p:spPr>
@@ -21437,7 +21437,7 @@
           </a:ln>
           <a:extLst>
             <a:ext uri="{C572A759-6A51-4108-AA02-DFA0A04FC94B}">
-              <ma14:wrappingTextBoxFlag xmlns="" xmlns:ma14="http://schemas.microsoft.com/office/mac/drawingml/2011/main" val="1"/>
+              <ma14:wrappingTextBoxFlag xmlns:ma14="http://schemas.microsoft.com/office/mac/drawingml/2011/main" xmlns="" val="1"/>
             </a:ext>
           </a:extLst>
         </p:spPr>
@@ -21476,7 +21476,7 @@
           </a:ln>
           <a:extLst>
             <a:ext uri="{C572A759-6A51-4108-AA02-DFA0A04FC94B}">
-              <ma14:wrappingTextBoxFlag xmlns="" xmlns:ma14="http://schemas.microsoft.com/office/mac/drawingml/2011/main" val="1"/>
+              <ma14:wrappingTextBoxFlag xmlns:ma14="http://schemas.microsoft.com/office/mac/drawingml/2011/main" xmlns="" val="1"/>
             </a:ext>
           </a:extLst>
         </p:spPr>
@@ -25139,7 +25139,7 @@
             </a:r>
             <a:r>
               <a:rPr lang="en-US" dirty="0"/>
-              <a:t> collects coverage information and mutates the input corpus to maximize coverage </a:t>
+              <a:t> collects coverage information and mutates the input corpus to maximize coverage</a:t>
             </a:r>
           </a:p>
         </p:txBody>
@@ -25177,7 +25177,13 @@
       </p:grpSpPr>
       <p:sp>
         <p:nvSpPr>
-          <p:cNvPr id="2" name="Title 1"/>
+          <p:cNvPr id="3" name="Title 2">
+            <a:extLst>
+              <a:ext uri="{FF2B5EF4-FFF2-40B4-BE49-F238E27FC236}">
+                <a16:creationId xmlns:a16="http://schemas.microsoft.com/office/drawing/2014/main" id="{3083A37A-E487-AAD3-B602-264401AF7680}"/>
+              </a:ext>
+            </a:extLst>
+          </p:cNvPr>
           <p:cNvSpPr>
             <a:spLocks noGrp="1"/>
           </p:cNvSpPr>
@@ -25185,101 +25191,108 @@
             <p:ph type="title"/>
           </p:nvPr>
         </p:nvSpPr>
-        <p:spPr/>
+        <p:spPr>
+          <a:xfrm>
+            <a:off x="457200" y="205979"/>
+            <a:ext cx="8229600" cy="857250"/>
+          </a:xfrm>
+        </p:spPr>
         <p:txBody>
           <a:bodyPr/>
           <a:lstStyle/>
           <a:p>
             <a:r>
-              <a:rPr lang="en-US" dirty="0" err="1"/>
-              <a:t>angr</a:t>
-            </a:r>
-            <a:endParaRPr lang="en-US" dirty="0"/>
-          </a:p>
-        </p:txBody>
-      </p:sp>
-      <p:sp>
-        <p:nvSpPr>
-          <p:cNvPr id="3" name="Content Placeholder 2"/>
+              <a:rPr lang="en-US" dirty="0"/>
+              <a:t>OSS-Fuzz</a:t>
+            </a:r>
+          </a:p>
+        </p:txBody>
+      </p:sp>
+      <p:sp>
+        <p:nvSpPr>
+          <p:cNvPr id="6" name="Text Placeholder 5">
+            <a:extLst>
+              <a:ext uri="{FF2B5EF4-FFF2-40B4-BE49-F238E27FC236}">
+                <a16:creationId xmlns:a16="http://schemas.microsoft.com/office/drawing/2014/main" id="{674B2FC9-ED63-AD6C-725A-8005E3D17758}"/>
+              </a:ext>
+            </a:extLst>
+          </p:cNvPr>
           <p:cNvSpPr>
             <a:spLocks noGrp="1"/>
           </p:cNvSpPr>
           <p:nvPr>
-            <p:ph idx="1"/>
+            <p:ph type="body" idx="1"/>
           </p:nvPr>
         </p:nvSpPr>
-        <p:spPr/>
+        <p:spPr>
+          <a:xfrm>
+            <a:off x="457200" y="1200150"/>
+            <a:ext cx="8229600" cy="3753890"/>
+          </a:xfrm>
+        </p:spPr>
         <p:txBody>
           <a:bodyPr/>
           <a:lstStyle/>
           <a:p>
             <a:r>
               <a:rPr lang="en-US" dirty="0"/>
-              <a:t>Framework for the analysis of binaries</a:t>
+              <a:t>OSS-Fuzz is a Google project to continuously fuzz open-source software</a:t>
             </a:r>
           </a:p>
           <a:p>
             <a:r>
               <a:rPr lang="en-US" dirty="0"/>
-              <a:t>Supports a number of architectures</a:t>
+              <a:t>OSS-Fuzz provides support for:</a:t>
             </a:r>
           </a:p>
           <a:p>
             <a:pPr lvl="1"/>
             <a:r>
+              <a:rPr lang="en-US" dirty="0" err="1"/>
+              <a:t>libFuzzer</a:t>
+            </a:r>
+            <a:endParaRPr lang="en-US" dirty="0"/>
+          </a:p>
+          <a:p>
+            <a:pPr lvl="1"/>
+            <a:r>
               <a:rPr lang="en-US" dirty="0"/>
-              <a:t>x86 (32 and 64), MIPS, ARM, PPC, etc.</a:t>
-            </a:r>
-          </a:p>
-          <a:p>
-            <a:pPr lvl="0"/>
-            <a:r>
-              <a:rPr lang="en-US" dirty="0">
-                <a:sym typeface="Calibri"/>
-              </a:rPr>
-              <a:t>http://angr.io </a:t>
-            </a:r>
-          </a:p>
-          <a:p>
-            <a:pPr lvl="0"/>
-            <a:r>
-              <a:rPr lang="en-US" dirty="0">
-                <a:sym typeface="Calibri"/>
-              </a:rPr>
-              <a:t>https://github.com/angr</a:t>
-            </a:r>
-          </a:p>
-          <a:p>
-            <a:pPr lvl="0"/>
-            <a:r>
-              <a:rPr lang="en-US" dirty="0">
-                <a:sym typeface="Calibri"/>
-              </a:rPr>
-              <a:t>angr@lists.cs.ucsb.edu</a:t>
-            </a:r>
-            <a:endParaRPr lang="en-US" dirty="0">
-              <a:sym typeface="Calibri"/>
-              <a:hlinkClick r:id="rId2"/>
-            </a:endParaRPr>
-          </a:p>
-          <a:p>
-            <a:pPr marL="0" indent="0">
-              <a:buNone/>
-            </a:pPr>
+              <a:t>AFL++</a:t>
+            </a:r>
+          </a:p>
+          <a:p>
+            <a:pPr lvl="1"/>
+            <a:r>
+              <a:rPr lang="en-US" dirty="0" err="1"/>
+              <a:t>Honggfuzz</a:t>
+            </a:r>
             <a:endParaRPr lang="en-US" dirty="0"/>
+          </a:p>
+          <a:p>
+            <a:r>
+              <a:rPr lang="en-US" dirty="0"/>
+              <a:t>Targets can be programs written in C/C++, Rust, Go, Python, Java/JVM, and JavaScript</a:t>
+            </a:r>
+          </a:p>
+          <a:p>
+            <a:r>
+              <a:rPr lang="en-US" dirty="0"/>
+              <a:t>Supported architectures are x86_64 and i386</a:t>
+            </a:r>
           </a:p>
         </p:txBody>
       </p:sp>
     </p:spTree>
     <p:extLst>
       <p:ext uri="{BB962C8B-B14F-4D97-AF65-F5344CB8AC3E}">
-        <p14:creationId xmlns:p14="http://schemas.microsoft.com/office/powerpoint/2010/main" val="548376521"/>
+        <p14:creationId xmlns:p14="http://schemas.microsoft.com/office/powerpoint/2010/main" val="2288798135"/>
       </p:ext>
     </p:extLst>
   </p:cSld>
   <p:clrMapOvr>
     <a:masterClrMapping/>
   </p:clrMapOvr>
+  <p:transition spd="med"/>
 </p:sld>
 </file>
 
@@ -25302,7 +25315,13 @@
       </p:grpSpPr>
       <p:sp>
         <p:nvSpPr>
-          <p:cNvPr id="4" name="Title 3"/>
+          <p:cNvPr id="2" name="Title 1">
+            <a:extLst>
+              <a:ext uri="{FF2B5EF4-FFF2-40B4-BE49-F238E27FC236}">
+                <a16:creationId xmlns:a16="http://schemas.microsoft.com/office/drawing/2014/main" id="{3A1A3BBF-E012-EACC-77AC-8A7883512DD6}"/>
+              </a:ext>
+            </a:extLst>
+          </p:cNvPr>
           <p:cNvSpPr>
             <a:spLocks noGrp="1"/>
           </p:cNvSpPr>
@@ -25316,585 +25335,123 @@
           <a:lstStyle/>
           <a:p>
             <a:r>
+              <a:rPr lang="en-US" dirty="0"/>
+              <a:t>Integrating a Project with OSS-Fuzz</a:t>
+            </a:r>
+          </a:p>
+        </p:txBody>
+      </p:sp>
+      <p:sp>
+        <p:nvSpPr>
+          <p:cNvPr id="3" name="Text Placeholder 2">
+            <a:extLst>
+              <a:ext uri="{FF2B5EF4-FFF2-40B4-BE49-F238E27FC236}">
+                <a16:creationId xmlns:a16="http://schemas.microsoft.com/office/drawing/2014/main" id="{EA3A73F4-13A3-A0E4-45EB-5C22ED420881}"/>
+              </a:ext>
+            </a:extLst>
+          </p:cNvPr>
+          <p:cNvSpPr>
+            <a:spLocks noGrp="1"/>
+          </p:cNvSpPr>
+          <p:nvPr>
+            <p:ph type="body" idx="1"/>
+          </p:nvPr>
+        </p:nvSpPr>
+        <p:spPr/>
+        <p:txBody>
+          <a:bodyPr/>
+          <a:lstStyle/>
+          <a:p>
+            <a:r>
+              <a:rPr lang="en-US" dirty="0"/>
+              <a:t>Write a number of fuzz targets (see </a:t>
+            </a:r>
+            <a:r>
               <a:rPr lang="en-US" dirty="0" err="1"/>
-              <a:t>angr</a:t>
+              <a:t>libFuzzer</a:t>
             </a:r>
             <a:r>
               <a:rPr lang="en-US" dirty="0"/>
-              <a:t> Components</a:t>
-            </a:r>
-          </a:p>
-        </p:txBody>
-      </p:sp>
-      <p:sp>
-        <p:nvSpPr>
-          <p:cNvPr id="5" name="Shape 157"/>
-          <p:cNvSpPr txBox="1"/>
-          <p:nvPr/>
-        </p:nvSpPr>
-        <p:spPr>
-          <a:xfrm>
-            <a:off x="1963540" y="2815198"/>
-            <a:ext cx="3147600" cy="621900"/>
-          </a:xfrm>
-          <a:prstGeom prst="rect">
-            <a:avLst/>
-          </a:prstGeom>
-          <a:noFill/>
-          <a:ln>
-            <a:noFill/>
-          </a:ln>
-        </p:spPr>
-        <p:txBody>
-          <a:bodyPr lIns="91425" tIns="91425" rIns="91425" bIns="91425" anchor="t" anchorCtr="0">
-            <a:noAutofit/>
-          </a:bodyPr>
-          <a:lstStyle/>
-          <a:p>
-            <a:pPr lvl="0" rtl="0">
-              <a:spcBef>
-                <a:spcPts val="0"/>
-              </a:spcBef>
-              <a:buNone/>
-            </a:pPr>
-            <a:r>
-              <a:rPr lang="en" sz="2000">
-                <a:latin typeface="Roboto Light"/>
-                <a:ea typeface="Calibri"/>
-                <a:cs typeface="Roboto Light"/>
-                <a:sym typeface="Calibri"/>
-              </a:rPr>
-              <a:t>Static Analysis Routines</a:t>
-            </a:r>
-          </a:p>
-        </p:txBody>
-      </p:sp>
-      <p:sp>
-        <p:nvSpPr>
-          <p:cNvPr id="6" name="Shape 158"/>
-          <p:cNvSpPr txBox="1"/>
-          <p:nvPr/>
-        </p:nvSpPr>
-        <p:spPr>
-          <a:xfrm>
-            <a:off x="1963540" y="3934530"/>
-            <a:ext cx="3180469" cy="621900"/>
-          </a:xfrm>
-          <a:prstGeom prst="rect">
-            <a:avLst/>
-          </a:prstGeom>
-          <a:noFill/>
-          <a:ln>
-            <a:noFill/>
-          </a:ln>
-        </p:spPr>
-        <p:txBody>
-          <a:bodyPr lIns="91425" tIns="91425" rIns="91425" bIns="91425" anchor="t" anchorCtr="0">
-            <a:noAutofit/>
-          </a:bodyPr>
-          <a:lstStyle/>
-          <a:p>
-            <a:pPr lvl="0" rtl="0">
-              <a:spcBef>
-                <a:spcPts val="0"/>
-              </a:spcBef>
-              <a:buNone/>
-            </a:pPr>
-            <a:r>
-              <a:rPr lang="en" sz="2000" dirty="0">
-                <a:latin typeface="Roboto Light"/>
-                <a:ea typeface="Calibri"/>
-                <a:cs typeface="Roboto Light"/>
-                <a:sym typeface="Calibri"/>
-              </a:rPr>
-              <a:t>Symbolic Execution Engine</a:t>
-            </a:r>
-          </a:p>
-        </p:txBody>
-      </p:sp>
-      <p:sp>
-        <p:nvSpPr>
-          <p:cNvPr id="7" name="Shape 159"/>
-          <p:cNvSpPr txBox="1"/>
-          <p:nvPr/>
-        </p:nvSpPr>
-        <p:spPr>
-          <a:xfrm>
-            <a:off x="5269483" y="2347011"/>
-            <a:ext cx="2658299" cy="621900"/>
-          </a:xfrm>
-          <a:prstGeom prst="rect">
-            <a:avLst/>
-          </a:prstGeom>
-          <a:noFill/>
-          <a:ln>
-            <a:noFill/>
-          </a:ln>
-        </p:spPr>
-        <p:txBody>
-          <a:bodyPr lIns="91425" tIns="91425" rIns="91425" bIns="91425" anchor="t" anchorCtr="0">
-            <a:noAutofit/>
-          </a:bodyPr>
-          <a:lstStyle/>
-          <a:p>
-            <a:pPr lvl="0" rtl="0">
-              <a:spcBef>
-                <a:spcPts val="0"/>
-              </a:spcBef>
-              <a:buNone/>
-            </a:pPr>
-            <a:r>
-              <a:rPr lang="en" sz="2000" dirty="0">
-                <a:latin typeface="Roboto Light"/>
-                <a:ea typeface="Calibri"/>
-                <a:cs typeface="Roboto Light"/>
-                <a:sym typeface="Calibri"/>
-              </a:rPr>
-              <a:t>Control-Flow Graph</a:t>
-            </a:r>
-          </a:p>
-        </p:txBody>
-      </p:sp>
-      <p:sp>
-        <p:nvSpPr>
-          <p:cNvPr id="8" name="Shape 160"/>
-          <p:cNvSpPr txBox="1"/>
-          <p:nvPr/>
-        </p:nvSpPr>
-        <p:spPr>
-          <a:xfrm>
-            <a:off x="5308559" y="2846200"/>
-            <a:ext cx="2603399" cy="621900"/>
-          </a:xfrm>
-          <a:prstGeom prst="rect">
-            <a:avLst/>
-          </a:prstGeom>
-          <a:noFill/>
-          <a:ln>
-            <a:noFill/>
-          </a:ln>
-        </p:spPr>
-        <p:txBody>
-          <a:bodyPr lIns="91425" tIns="91425" rIns="91425" bIns="91425" anchor="t" anchorCtr="0">
-            <a:noAutofit/>
-          </a:bodyPr>
-          <a:lstStyle/>
-          <a:p>
-            <a:pPr lvl="0" rtl="0">
-              <a:spcBef>
-                <a:spcPts val="0"/>
-              </a:spcBef>
-              <a:buNone/>
-            </a:pPr>
-            <a:r>
-              <a:rPr lang="en" sz="2000" dirty="0">
-                <a:latin typeface="Roboto Light"/>
-                <a:ea typeface="Calibri"/>
-                <a:cs typeface="Roboto Light"/>
-                <a:sym typeface="Calibri"/>
-              </a:rPr>
-              <a:t>Data-Flow Analysis</a:t>
-            </a:r>
-          </a:p>
-        </p:txBody>
-      </p:sp>
-      <p:sp>
-        <p:nvSpPr>
-          <p:cNvPr id="9" name="Shape 161"/>
-          <p:cNvSpPr txBox="1"/>
-          <p:nvPr/>
-        </p:nvSpPr>
-        <p:spPr>
-          <a:xfrm>
-            <a:off x="1963540" y="1725111"/>
-            <a:ext cx="1954200" cy="621900"/>
-          </a:xfrm>
-          <a:prstGeom prst="rect">
-            <a:avLst/>
-          </a:prstGeom>
-          <a:noFill/>
-          <a:ln>
-            <a:noFill/>
-          </a:ln>
-        </p:spPr>
-        <p:txBody>
-          <a:bodyPr lIns="91425" tIns="91425" rIns="91425" bIns="91425" anchor="t" anchorCtr="0">
-            <a:noAutofit/>
-          </a:bodyPr>
-          <a:lstStyle/>
-          <a:p>
-            <a:pPr lvl="0" rtl="0">
-              <a:spcBef>
-                <a:spcPts val="0"/>
-              </a:spcBef>
-              <a:buNone/>
-            </a:pPr>
-            <a:r>
-              <a:rPr lang="en" sz="2000" dirty="0">
-                <a:latin typeface="Roboto Light"/>
-                <a:ea typeface="Calibri"/>
-                <a:cs typeface="Roboto Light"/>
-                <a:sym typeface="Calibri"/>
-              </a:rPr>
-              <a:t>Binary Loader</a:t>
-            </a:r>
-          </a:p>
-        </p:txBody>
-      </p:sp>
-      <p:sp>
-        <p:nvSpPr>
-          <p:cNvPr id="10" name="Shape 162"/>
-          <p:cNvSpPr txBox="1"/>
-          <p:nvPr/>
-        </p:nvSpPr>
-        <p:spPr>
-          <a:xfrm>
-            <a:off x="5298790" y="3355158"/>
-            <a:ext cx="2546099" cy="621900"/>
-          </a:xfrm>
-          <a:prstGeom prst="rect">
-            <a:avLst/>
-          </a:prstGeom>
-          <a:noFill/>
-          <a:ln>
-            <a:noFill/>
-          </a:ln>
-        </p:spPr>
-        <p:txBody>
-          <a:bodyPr lIns="91425" tIns="91425" rIns="91425" bIns="91425" anchor="t" anchorCtr="0">
-            <a:noAutofit/>
-          </a:bodyPr>
-          <a:lstStyle/>
-          <a:p>
-            <a:pPr lvl="0" rtl="0">
-              <a:spcBef>
-                <a:spcPts val="0"/>
-              </a:spcBef>
-              <a:buNone/>
-            </a:pPr>
-            <a:r>
-              <a:rPr lang="en" sz="2000" dirty="0">
-                <a:latin typeface="Roboto Light"/>
-                <a:ea typeface="Calibri"/>
-                <a:cs typeface="Roboto Light"/>
-                <a:sym typeface="Calibri"/>
-              </a:rPr>
-              <a:t>Value-Set Analysis</a:t>
-            </a:r>
-          </a:p>
-        </p:txBody>
-      </p:sp>
-      <p:sp>
-        <p:nvSpPr>
-          <p:cNvPr id="11" name="Shape 163"/>
-          <p:cNvSpPr txBox="1"/>
-          <p:nvPr/>
-        </p:nvSpPr>
-        <p:spPr>
-          <a:xfrm>
-            <a:off x="744150" y="2772026"/>
-            <a:ext cx="827100" cy="621900"/>
-          </a:xfrm>
-          <a:prstGeom prst="rect">
-            <a:avLst/>
-          </a:prstGeom>
-          <a:noFill/>
-          <a:ln>
-            <a:noFill/>
-          </a:ln>
-        </p:spPr>
-        <p:txBody>
-          <a:bodyPr lIns="91425" tIns="91425" rIns="91425" bIns="91425" anchor="t" anchorCtr="0">
-            <a:noAutofit/>
-          </a:bodyPr>
-          <a:lstStyle/>
-          <a:p>
-            <a:pPr lvl="0" algn="ctr" rtl="0">
-              <a:spcBef>
-                <a:spcPts val="0"/>
-              </a:spcBef>
-              <a:buNone/>
-            </a:pPr>
-            <a:r>
-              <a:rPr lang="en" sz="2000">
-                <a:latin typeface="Roboto Light"/>
-                <a:ea typeface="Calibri"/>
-                <a:cs typeface="Roboto Light"/>
-                <a:sym typeface="Calibri"/>
-              </a:rPr>
-              <a:t>angr</a:t>
-            </a:r>
-          </a:p>
-        </p:txBody>
-      </p:sp>
-      <p:pic>
-        <p:nvPicPr>
-          <p:cNvPr id="12" name="Shape 164"/>
-          <p:cNvPicPr preferRelativeResize="0"/>
-          <p:nvPr/>
-        </p:nvPicPr>
-        <p:blipFill>
-          <a:blip r:embed="rId2">
-            <a:alphaModFix/>
-          </a:blip>
-          <a:stretch>
-            <a:fillRect/>
-          </a:stretch>
-        </p:blipFill>
-        <p:spPr>
-          <a:xfrm>
-            <a:off x="288150" y="2832114"/>
-            <a:ext cx="501725" cy="501725"/>
-          </a:xfrm>
-          <a:prstGeom prst="rect">
-            <a:avLst/>
-          </a:prstGeom>
-          <a:noFill/>
-          <a:ln>
-            <a:noFill/>
-          </a:ln>
-        </p:spPr>
-      </p:pic>
-      <p:sp>
-        <p:nvSpPr>
-          <p:cNvPr id="13" name="Shape 165"/>
-          <p:cNvSpPr/>
-          <p:nvPr/>
-        </p:nvSpPr>
-        <p:spPr>
-          <a:xfrm>
-            <a:off x="1565025" y="1959826"/>
-            <a:ext cx="329100" cy="2231100"/>
-          </a:xfrm>
-          <a:prstGeom prst="leftBrace">
-            <a:avLst>
-              <a:gd name="adj1" fmla="val 8333"/>
-              <a:gd name="adj2" fmla="val 50000"/>
-            </a:avLst>
-          </a:prstGeom>
-          <a:noFill/>
-          <a:ln w="19050" cap="flat" cmpd="sng">
-            <a:solidFill>
-              <a:schemeClr val="dk2"/>
-            </a:solidFill>
-            <a:prstDash val="solid"/>
-            <a:round/>
-            <a:headEnd type="none" w="med" len="med"/>
-            <a:tailEnd type="none" w="med" len="med"/>
-          </a:ln>
-        </p:spPr>
-        <p:txBody>
-          <a:bodyPr lIns="91425" tIns="91425" rIns="91425" bIns="91425" anchor="ctr" anchorCtr="0">
-            <a:noAutofit/>
-          </a:bodyPr>
-          <a:lstStyle/>
-          <a:p>
-            <a:pPr>
-              <a:spcBef>
-                <a:spcPts val="0"/>
-              </a:spcBef>
-              <a:buNone/>
-            </a:pPr>
-            <a:endParaRPr/>
-          </a:p>
-        </p:txBody>
-      </p:sp>
-      <p:sp>
-        <p:nvSpPr>
-          <p:cNvPr id="14" name="Shape 166"/>
-          <p:cNvSpPr/>
-          <p:nvPr/>
-        </p:nvSpPr>
-        <p:spPr>
-          <a:xfrm>
-            <a:off x="4886456" y="2630086"/>
-            <a:ext cx="329100" cy="936899"/>
-          </a:xfrm>
-          <a:prstGeom prst="leftBrace">
-            <a:avLst>
-              <a:gd name="adj1" fmla="val 8333"/>
-              <a:gd name="adj2" fmla="val 50000"/>
-            </a:avLst>
-          </a:prstGeom>
-          <a:noFill/>
-          <a:ln w="19050" cap="flat" cmpd="sng">
-            <a:solidFill>
-              <a:schemeClr val="dk2"/>
-            </a:solidFill>
-            <a:prstDash val="solid"/>
-            <a:round/>
-            <a:headEnd type="none" w="med" len="med"/>
-            <a:tailEnd type="none" w="med" len="med"/>
-          </a:ln>
-        </p:spPr>
-        <p:txBody>
-          <a:bodyPr lIns="91425" tIns="91425" rIns="91425" bIns="91425" anchor="ctr" anchorCtr="0">
-            <a:noAutofit/>
-          </a:bodyPr>
-          <a:lstStyle/>
-          <a:p>
-            <a:pPr>
-              <a:spcBef>
-                <a:spcPts val="0"/>
-              </a:spcBef>
-              <a:buNone/>
-            </a:pPr>
-            <a:endParaRPr/>
-          </a:p>
-        </p:txBody>
-      </p:sp>
-      <p:sp>
-        <p:nvSpPr>
-          <p:cNvPr id="21" name="Shape 166"/>
-          <p:cNvSpPr/>
-          <p:nvPr/>
-        </p:nvSpPr>
-        <p:spPr>
-          <a:xfrm>
-            <a:off x="5144009" y="3977058"/>
-            <a:ext cx="329100" cy="550140"/>
-          </a:xfrm>
-          <a:prstGeom prst="leftBrace">
-            <a:avLst>
-              <a:gd name="adj1" fmla="val 8333"/>
-              <a:gd name="adj2" fmla="val 50000"/>
-            </a:avLst>
-          </a:prstGeom>
-          <a:noFill/>
-          <a:ln w="19050" cap="flat" cmpd="sng">
-            <a:solidFill>
-              <a:schemeClr val="dk2"/>
-            </a:solidFill>
-            <a:prstDash val="solid"/>
-            <a:round/>
-            <a:headEnd type="none" w="med" len="med"/>
-            <a:tailEnd type="none" w="med" len="med"/>
-          </a:ln>
-        </p:spPr>
-        <p:txBody>
-          <a:bodyPr lIns="91425" tIns="91425" rIns="91425" bIns="91425" anchor="ctr" anchorCtr="0">
-            <a:noAutofit/>
-          </a:bodyPr>
-          <a:lstStyle/>
-          <a:p>
-            <a:pPr>
-              <a:spcBef>
-                <a:spcPts val="0"/>
-              </a:spcBef>
-              <a:buNone/>
-            </a:pPr>
-            <a:endParaRPr/>
-          </a:p>
-        </p:txBody>
-      </p:sp>
-      <p:sp>
-        <p:nvSpPr>
-          <p:cNvPr id="22" name="Shape 160"/>
-          <p:cNvSpPr txBox="1"/>
-          <p:nvPr/>
-        </p:nvSpPr>
-        <p:spPr>
-          <a:xfrm>
-            <a:off x="5482877" y="3809447"/>
-            <a:ext cx="3573199" cy="621900"/>
-          </a:xfrm>
-          <a:prstGeom prst="rect">
-            <a:avLst/>
-          </a:prstGeom>
-          <a:noFill/>
-          <a:ln>
-            <a:noFill/>
-          </a:ln>
-        </p:spPr>
-        <p:txBody>
-          <a:bodyPr lIns="91425" tIns="91425" rIns="91425" bIns="91425" anchor="t" anchorCtr="0">
-            <a:noAutofit/>
-          </a:bodyPr>
-          <a:lstStyle/>
-          <a:p>
-            <a:pPr lvl="0" rtl="0">
-              <a:spcBef>
-                <a:spcPts val="0"/>
-              </a:spcBef>
-              <a:buNone/>
-            </a:pPr>
-            <a:r>
-              <a:rPr lang="en-US" sz="2000" dirty="0">
-                <a:latin typeface="Roboto Light"/>
-                <a:ea typeface="Calibri"/>
-                <a:cs typeface="Roboto Light"/>
-                <a:sym typeface="Calibri"/>
-              </a:rPr>
-              <a:t>Forward Symbolic Execution</a:t>
-            </a:r>
-            <a:endParaRPr lang="en" sz="2000" dirty="0">
-              <a:latin typeface="Roboto Light"/>
-              <a:ea typeface="Calibri"/>
-              <a:cs typeface="Roboto Light"/>
-              <a:sym typeface="Calibri"/>
-            </a:endParaRPr>
-          </a:p>
-        </p:txBody>
-      </p:sp>
-      <p:sp>
-        <p:nvSpPr>
-          <p:cNvPr id="23" name="Shape 162"/>
-          <p:cNvSpPr txBox="1"/>
-          <p:nvPr/>
-        </p:nvSpPr>
-        <p:spPr>
-          <a:xfrm>
-            <a:off x="5473109" y="4279329"/>
-            <a:ext cx="3213691" cy="621900"/>
-          </a:xfrm>
-          <a:prstGeom prst="rect">
-            <a:avLst/>
-          </a:prstGeom>
-          <a:noFill/>
-          <a:ln>
-            <a:noFill/>
-          </a:ln>
-        </p:spPr>
-        <p:txBody>
-          <a:bodyPr lIns="91425" tIns="91425" rIns="91425" bIns="91425" anchor="t" anchorCtr="0">
-            <a:noAutofit/>
-          </a:bodyPr>
-          <a:lstStyle/>
-          <a:p>
-            <a:pPr lvl="0" rtl="0">
-              <a:spcBef>
-                <a:spcPts val="0"/>
-              </a:spcBef>
-              <a:buNone/>
-            </a:pPr>
-            <a:r>
-              <a:rPr lang="en-US" sz="2000" dirty="0">
-                <a:latin typeface="Roboto Light"/>
-                <a:ea typeface="Calibri"/>
-                <a:cs typeface="Roboto Light"/>
-                <a:sym typeface="Calibri"/>
-              </a:rPr>
-              <a:t>Under-constrained SE</a:t>
-            </a:r>
-            <a:endParaRPr lang="en" sz="2000" dirty="0">
-              <a:latin typeface="Roboto Light"/>
-              <a:ea typeface="Calibri"/>
-              <a:cs typeface="Roboto Light"/>
-              <a:sym typeface="Calibri"/>
-            </a:endParaRPr>
+              <a:t>)</a:t>
+            </a:r>
+          </a:p>
+          <a:p>
+            <a:r>
+              <a:rPr lang="en-US" dirty="0"/>
+              <a:t>Set up the code to be fuzzed in a standard(</a:t>
+            </a:r>
+            <a:r>
+              <a:rPr lang="en-US" dirty="0" err="1"/>
+              <a:t>ish</a:t>
+            </a:r>
+            <a:r>
+              <a:rPr lang="en-US" dirty="0"/>
+              <a:t>) fashion so that it can be built with different </a:t>
+            </a:r>
+            <a:r>
+              <a:rPr lang="en-US" dirty="0" err="1"/>
+              <a:t>fuzzers</a:t>
+            </a:r>
+            <a:r>
+              <a:rPr lang="en-US" dirty="0"/>
+              <a:t> and sanitizers</a:t>
+            </a:r>
+          </a:p>
+          <a:p>
+            <a:r>
+              <a:rPr lang="en-US" dirty="0"/>
+              <a:t>Provide a high-quality seed corpus</a:t>
+            </a:r>
+          </a:p>
+          <a:p>
+            <a:r>
+              <a:rPr lang="en-US" dirty="0"/>
+              <a:t>Provide a dictionary (if applicable)</a:t>
+            </a:r>
+          </a:p>
+          <a:p>
+            <a:r>
+              <a:rPr lang="en-US" dirty="0"/>
+              <a:t>Example: https://</a:t>
+            </a:r>
+            <a:r>
+              <a:rPr lang="en-US" dirty="0" err="1"/>
+              <a:t>github.com</a:t>
+            </a:r>
+            <a:r>
+              <a:rPr lang="en-US" dirty="0"/>
+              <a:t>/google/</a:t>
+            </a:r>
+            <a:r>
+              <a:rPr lang="en-US" dirty="0" err="1"/>
+              <a:t>oss</a:t>
+            </a:r>
+            <a:r>
+              <a:rPr lang="en-US" dirty="0"/>
+              <a:t>-fuzz/tree/master/projects/example/my-</a:t>
+            </a:r>
+            <a:r>
+              <a:rPr lang="en-US" dirty="0" err="1"/>
+              <a:t>api</a:t>
+            </a:r>
+            <a:r>
+              <a:rPr lang="en-US" dirty="0"/>
+              <a:t>-repo</a:t>
+            </a:r>
           </a:p>
         </p:txBody>
       </p:sp>
     </p:spTree>
     <p:extLst>
       <p:ext uri="{BB962C8B-B14F-4D97-AF65-F5344CB8AC3E}">
-        <p14:creationId xmlns:p14="http://schemas.microsoft.com/office/powerpoint/2010/main" val="2497398955"/>
+        <p14:creationId xmlns:p14="http://schemas.microsoft.com/office/powerpoint/2010/main" val="2503270855"/>
       </p:ext>
     </p:extLst>
   </p:cSld>
   <p:clrMapOvr>
     <a:masterClrMapping/>
   </p:clrMapOvr>
+  <p:transition spd="med"/>
 </p:sld>
 </file>
 
@@ -25927,15 +25484,14 @@
         </p:nvSpPr>
         <p:spPr/>
         <p:txBody>
-          <a:bodyPr>
-            <a:normAutofit fontScale="90000"/>
-          </a:bodyPr>
-          <a:lstStyle/>
-          <a:p>
-            <a:r>
-              <a:rPr lang="en-US" dirty="0"/>
-              <a:t>Combining Fuzzing with Symbolic Execution</a:t>
-            </a:r>
+          <a:bodyPr/>
+          <a:lstStyle/>
+          <a:p>
+            <a:r>
+              <a:rPr lang="en-US" dirty="0" err="1"/>
+              <a:t>angr</a:t>
+            </a:r>
+            <a:endParaRPr lang="en-US" dirty="0"/>
           </a:p>
         </p:txBody>
       </p:sp>
@@ -25956,22 +25512,57 @@
           <a:p>
             <a:r>
               <a:rPr lang="en-US" dirty="0"/>
-              <a:t>Dynamic analyses excel at producing general input</a:t>
+              <a:t>Framework for the analysis of binaries</a:t>
             </a:r>
           </a:p>
           <a:p>
             <a:r>
               <a:rPr lang="en-US" dirty="0"/>
-              <a:t>Symbolic execution is able to satisfy complex path predicates for specific input</a:t>
-            </a:r>
-          </a:p>
-          <a:p>
+              <a:t>Supports a number of architectures</a:t>
+            </a:r>
+          </a:p>
+          <a:p>
+            <a:pPr lvl="1"/>
             <a:r>
               <a:rPr lang="en-US" dirty="0"/>
-              <a:t>Key insight: Combine both techniques to leverage their strengths and mitigate their weaknesses</a:t>
-            </a:r>
-          </a:p>
-          <a:p>
+              <a:t>x86 (32 and 64), MIPS, ARM, PPC, etc.</a:t>
+            </a:r>
+          </a:p>
+          <a:p>
+            <a:pPr lvl="0"/>
+            <a:r>
+              <a:rPr lang="en-US" dirty="0">
+                <a:sym typeface="Calibri"/>
+              </a:rPr>
+              <a:t>http://angr.io </a:t>
+            </a:r>
+          </a:p>
+          <a:p>
+            <a:pPr lvl="0"/>
+            <a:r>
+              <a:rPr lang="en-US" dirty="0">
+                <a:sym typeface="Calibri"/>
+              </a:rPr>
+              <a:t>https://github.com/angr</a:t>
+            </a:r>
+          </a:p>
+          <a:p>
+            <a:pPr lvl="0"/>
+            <a:r>
+              <a:rPr lang="en-US" dirty="0">
+                <a:sym typeface="Calibri"/>
+              </a:rPr>
+              <a:t>angr@lists.cs.ucsb.edu</a:t>
+            </a:r>
+            <a:endParaRPr lang="en-US" dirty="0">
+              <a:sym typeface="Calibri"/>
+              <a:hlinkClick r:id="rId2"/>
+            </a:endParaRPr>
+          </a:p>
+          <a:p>
+            <a:pPr marL="0" indent="0">
+              <a:buNone/>
+            </a:pPr>
             <a:endParaRPr lang="en-US" dirty="0"/>
           </a:p>
         </p:txBody>
@@ -25979,7 +25570,7 @@
     </p:spTree>
     <p:extLst>
       <p:ext uri="{BB962C8B-B14F-4D97-AF65-F5344CB8AC3E}">
-        <p14:creationId xmlns:p14="http://schemas.microsoft.com/office/powerpoint/2010/main" val="2927987726"/>
+        <p14:creationId xmlns:p14="http://schemas.microsoft.com/office/powerpoint/2010/main" val="548376521"/>
       </p:ext>
     </p:extLst>
   </p:cSld>
@@ -26008,1319 +25599,593 @@
       </p:grpSpPr>
       <p:sp>
         <p:nvSpPr>
-          <p:cNvPr id="275" name="Shape 275"/>
-          <p:cNvSpPr/>
-          <p:nvPr/>
-        </p:nvSpPr>
-        <p:spPr>
-          <a:xfrm>
-            <a:off x="1448260" y="231229"/>
-            <a:ext cx="6247481" cy="4681044"/>
+          <p:cNvPr id="4" name="Title 3"/>
+          <p:cNvSpPr>
+            <a:spLocks noGrp="1"/>
+          </p:cNvSpPr>
+          <p:nvPr>
+            <p:ph type="title"/>
+          </p:nvPr>
+        </p:nvSpPr>
+        <p:spPr/>
+        <p:txBody>
+          <a:bodyPr/>
+          <a:lstStyle/>
+          <a:p>
+            <a:r>
+              <a:rPr lang="en-US" dirty="0" err="1"/>
+              <a:t>angr</a:t>
+            </a:r>
+            <a:r>
+              <a:rPr lang="en-US" dirty="0"/>
+              <a:t> Components</a:t>
+            </a:r>
+          </a:p>
+        </p:txBody>
+      </p:sp>
+      <p:sp>
+        <p:nvSpPr>
+          <p:cNvPr id="5" name="Shape 157"/>
+          <p:cNvSpPr txBox="1"/>
+          <p:nvPr/>
+        </p:nvSpPr>
+        <p:spPr>
+          <a:xfrm>
+            <a:off x="1963540" y="2815198"/>
+            <a:ext cx="3147600" cy="621900"/>
           </a:xfrm>
           <a:prstGeom prst="rect">
             <a:avLst/>
           </a:prstGeom>
-          <a:ln w="12700">
-            <a:miter lim="400000"/>
-          </a:ln>
-          <a:extLst>
-            <a:ext uri="{C572A759-6A51-4108-AA02-DFA0A04FC94B}">
-              <ma14:wrappingTextBoxFlag xmlns="" xmlns:ma14="http://schemas.microsoft.com/office/mac/drawingml/2011/main" val="1"/>
-            </a:ext>
-          </a:extLst>
-        </p:spPr>
-        <p:txBody>
-          <a:bodyPr lIns="31887" tIns="31887" rIns="31887" bIns="31887" anchor="ctr">
-            <a:spAutoFit/>
+          <a:noFill/>
+          <a:ln>
+            <a:noFill/>
+          </a:ln>
+        </p:spPr>
+        <p:txBody>
+          <a:bodyPr lIns="91425" tIns="91425" rIns="91425" bIns="91425" anchor="t" anchorCtr="0">
+            <a:noAutofit/>
           </a:bodyPr>
           <a:lstStyle/>
           <a:p>
-            <a:pPr defTabSz="286984">
-              <a:tabLst>
-                <a:tab pos="223210" algn="l"/>
-                <a:tab pos="446420" algn="l"/>
-                <a:tab pos="669630" algn="l"/>
-                <a:tab pos="892840" algn="l"/>
-                <a:tab pos="1116051" algn="l"/>
-                <a:tab pos="1339261" algn="l"/>
-                <a:tab pos="1562471" algn="l"/>
-                <a:tab pos="1785681" algn="l"/>
-                <a:tab pos="2008891" algn="l"/>
-                <a:tab pos="2232101" algn="l"/>
-                <a:tab pos="2455311" algn="l"/>
-                <a:tab pos="2678521" algn="l"/>
-              </a:tabLst>
-              <a:defRPr sz="2200">
-                <a:solidFill>
-                  <a:srgbClr val="34BD26"/>
-                </a:solidFill>
-                <a:latin typeface="Menlo"/>
-                <a:ea typeface="Menlo"/>
-                <a:cs typeface="Menlo"/>
-                <a:sym typeface="Menlo"/>
-              </a:defRPr>
-            </a:pPr>
-            <a:r>
-              <a:rPr sz="1200" dirty="0">
-                <a:solidFill>
-                  <a:srgbClr val="34BBC7"/>
-                </a:solidFill>
-                <a:latin typeface="Hack"/>
-                <a:cs typeface="Hack"/>
+            <a:pPr lvl="0" rtl="0">
+              <a:spcBef>
+                <a:spcPts val="0"/>
+              </a:spcBef>
+              <a:buNone/>
+            </a:pPr>
+            <a:r>
+              <a:rPr lang="en" sz="2000">
+                <a:latin typeface="Roboto Light"/>
+                <a:ea typeface="Calibri"/>
+                <a:cs typeface="Roboto Light"/>
+                <a:sym typeface="Calibri"/>
               </a:rPr>
-              <a:t>int</a:t>
-            </a:r>
-            <a:r>
-              <a:rPr sz="1200" dirty="0">
-                <a:solidFill>
-                  <a:srgbClr val="000000"/>
-                </a:solidFill>
-                <a:latin typeface="Hack"/>
-                <a:cs typeface="Hack"/>
+              <a:t>Static Analysis Routines</a:t>
+            </a:r>
+          </a:p>
+        </p:txBody>
+      </p:sp>
+      <p:sp>
+        <p:nvSpPr>
+          <p:cNvPr id="6" name="Shape 158"/>
+          <p:cNvSpPr txBox="1"/>
+          <p:nvPr/>
+        </p:nvSpPr>
+        <p:spPr>
+          <a:xfrm>
+            <a:off x="1963540" y="3934530"/>
+            <a:ext cx="3180469" cy="621900"/>
+          </a:xfrm>
+          <a:prstGeom prst="rect">
+            <a:avLst/>
+          </a:prstGeom>
+          <a:noFill/>
+          <a:ln>
+            <a:noFill/>
+          </a:ln>
+        </p:spPr>
+        <p:txBody>
+          <a:bodyPr lIns="91425" tIns="91425" rIns="91425" bIns="91425" anchor="t" anchorCtr="0">
+            <a:noAutofit/>
+          </a:bodyPr>
+          <a:lstStyle/>
+          <a:p>
+            <a:pPr lvl="0" rtl="0">
+              <a:spcBef>
+                <a:spcPts val="0"/>
+              </a:spcBef>
+              <a:buNone/>
+            </a:pPr>
+            <a:r>
+              <a:rPr lang="en" sz="2000" dirty="0">
+                <a:latin typeface="Roboto Light"/>
+                <a:ea typeface="Calibri"/>
+                <a:cs typeface="Roboto Light"/>
+                <a:sym typeface="Calibri"/>
               </a:rPr>
-              <a:t> </a:t>
-            </a:r>
-            <a:r>
-              <a:rPr sz="1200" dirty="0">
-                <a:latin typeface="Hack"/>
-                <a:cs typeface="Hack"/>
+              <a:t>Symbolic Execution Engine</a:t>
+            </a:r>
+          </a:p>
+        </p:txBody>
+      </p:sp>
+      <p:sp>
+        <p:nvSpPr>
+          <p:cNvPr id="7" name="Shape 159"/>
+          <p:cNvSpPr txBox="1"/>
+          <p:nvPr/>
+        </p:nvSpPr>
+        <p:spPr>
+          <a:xfrm>
+            <a:off x="5269483" y="2347011"/>
+            <a:ext cx="2658299" cy="621900"/>
+          </a:xfrm>
+          <a:prstGeom prst="rect">
+            <a:avLst/>
+          </a:prstGeom>
+          <a:noFill/>
+          <a:ln>
+            <a:noFill/>
+          </a:ln>
+        </p:spPr>
+        <p:txBody>
+          <a:bodyPr lIns="91425" tIns="91425" rIns="91425" bIns="91425" anchor="t" anchorCtr="0">
+            <a:noAutofit/>
+          </a:bodyPr>
+          <a:lstStyle/>
+          <a:p>
+            <a:pPr lvl="0" rtl="0">
+              <a:spcBef>
+                <a:spcPts val="0"/>
+              </a:spcBef>
+              <a:buNone/>
+            </a:pPr>
+            <a:r>
+              <a:rPr lang="en" sz="2000" dirty="0">
+                <a:latin typeface="Roboto Light"/>
+                <a:ea typeface="Calibri"/>
+                <a:cs typeface="Roboto Light"/>
+                <a:sym typeface="Calibri"/>
               </a:rPr>
-              <a:t>main</a:t>
-            </a:r>
-            <a:r>
-              <a:rPr sz="1200" dirty="0">
-                <a:solidFill>
-                  <a:srgbClr val="000000"/>
-                </a:solidFill>
-                <a:latin typeface="Hack"/>
-                <a:cs typeface="Hack"/>
+              <a:t>Control-Flow Graph</a:t>
+            </a:r>
+          </a:p>
+        </p:txBody>
+      </p:sp>
+      <p:sp>
+        <p:nvSpPr>
+          <p:cNvPr id="8" name="Shape 160"/>
+          <p:cNvSpPr txBox="1"/>
+          <p:nvPr/>
+        </p:nvSpPr>
+        <p:spPr>
+          <a:xfrm>
+            <a:off x="5308559" y="2846200"/>
+            <a:ext cx="2603399" cy="621900"/>
+          </a:xfrm>
+          <a:prstGeom prst="rect">
+            <a:avLst/>
+          </a:prstGeom>
+          <a:noFill/>
+          <a:ln>
+            <a:noFill/>
+          </a:ln>
+        </p:spPr>
+        <p:txBody>
+          <a:bodyPr lIns="91425" tIns="91425" rIns="91425" bIns="91425" anchor="t" anchorCtr="0">
+            <a:noAutofit/>
+          </a:bodyPr>
+          <a:lstStyle/>
+          <a:p>
+            <a:pPr lvl="0" rtl="0">
+              <a:spcBef>
+                <a:spcPts val="0"/>
+              </a:spcBef>
+              <a:buNone/>
+            </a:pPr>
+            <a:r>
+              <a:rPr lang="en" sz="2000" dirty="0">
+                <a:latin typeface="Roboto Light"/>
+                <a:ea typeface="Calibri"/>
+                <a:cs typeface="Roboto Light"/>
+                <a:sym typeface="Calibri"/>
               </a:rPr>
-              <a:t>(</a:t>
-            </a:r>
-            <a:r>
-              <a:rPr sz="1200" dirty="0">
-                <a:solidFill>
-                  <a:srgbClr val="34BBC7"/>
-                </a:solidFill>
-                <a:latin typeface="Hack"/>
-                <a:cs typeface="Hack"/>
+              <a:t>Data-Flow Analysis</a:t>
+            </a:r>
+          </a:p>
+        </p:txBody>
+      </p:sp>
+      <p:sp>
+        <p:nvSpPr>
+          <p:cNvPr id="9" name="Shape 161"/>
+          <p:cNvSpPr txBox="1"/>
+          <p:nvPr/>
+        </p:nvSpPr>
+        <p:spPr>
+          <a:xfrm>
+            <a:off x="1963540" y="1725111"/>
+            <a:ext cx="1954200" cy="621900"/>
+          </a:xfrm>
+          <a:prstGeom prst="rect">
+            <a:avLst/>
+          </a:prstGeom>
+          <a:noFill/>
+          <a:ln>
+            <a:noFill/>
+          </a:ln>
+        </p:spPr>
+        <p:txBody>
+          <a:bodyPr lIns="91425" tIns="91425" rIns="91425" bIns="91425" anchor="t" anchorCtr="0">
+            <a:noAutofit/>
+          </a:bodyPr>
+          <a:lstStyle/>
+          <a:p>
+            <a:pPr lvl="0" rtl="0">
+              <a:spcBef>
+                <a:spcPts val="0"/>
+              </a:spcBef>
+              <a:buNone/>
+            </a:pPr>
+            <a:r>
+              <a:rPr lang="en" sz="2000" dirty="0">
+                <a:latin typeface="Roboto Light"/>
+                <a:ea typeface="Calibri"/>
+                <a:cs typeface="Roboto Light"/>
+                <a:sym typeface="Calibri"/>
               </a:rPr>
-              <a:t>void</a:t>
-            </a:r>
-            <a:r>
-              <a:rPr sz="1200" dirty="0">
-                <a:solidFill>
-                  <a:srgbClr val="000000"/>
-                </a:solidFill>
-                <a:latin typeface="Hack"/>
-                <a:cs typeface="Hack"/>
+              <a:t>Binary Loader</a:t>
+            </a:r>
+          </a:p>
+        </p:txBody>
+      </p:sp>
+      <p:sp>
+        <p:nvSpPr>
+          <p:cNvPr id="10" name="Shape 162"/>
+          <p:cNvSpPr txBox="1"/>
+          <p:nvPr/>
+        </p:nvSpPr>
+        <p:spPr>
+          <a:xfrm>
+            <a:off x="5298790" y="3355158"/>
+            <a:ext cx="2546099" cy="621900"/>
+          </a:xfrm>
+          <a:prstGeom prst="rect">
+            <a:avLst/>
+          </a:prstGeom>
+          <a:noFill/>
+          <a:ln>
+            <a:noFill/>
+          </a:ln>
+        </p:spPr>
+        <p:txBody>
+          <a:bodyPr lIns="91425" tIns="91425" rIns="91425" bIns="91425" anchor="t" anchorCtr="0">
+            <a:noAutofit/>
+          </a:bodyPr>
+          <a:lstStyle/>
+          <a:p>
+            <a:pPr lvl="0" rtl="0">
+              <a:spcBef>
+                <a:spcPts val="0"/>
+              </a:spcBef>
+              <a:buNone/>
+            </a:pPr>
+            <a:r>
+              <a:rPr lang="en" sz="2000" dirty="0">
+                <a:latin typeface="Roboto Light"/>
+                <a:ea typeface="Calibri"/>
+                <a:cs typeface="Roboto Light"/>
+                <a:sym typeface="Calibri"/>
               </a:rPr>
-              <a:t>) {</a:t>
-            </a:r>
-          </a:p>
-          <a:p>
-            <a:pPr defTabSz="286984">
-              <a:tabLst>
-                <a:tab pos="223210" algn="l"/>
-                <a:tab pos="446420" algn="l"/>
-                <a:tab pos="669630" algn="l"/>
-                <a:tab pos="892840" algn="l"/>
-                <a:tab pos="1116051" algn="l"/>
-                <a:tab pos="1339261" algn="l"/>
-                <a:tab pos="1562471" algn="l"/>
-                <a:tab pos="1785681" algn="l"/>
-                <a:tab pos="2008891" algn="l"/>
-                <a:tab pos="2232101" algn="l"/>
-                <a:tab pos="2455311" algn="l"/>
-                <a:tab pos="2678521" algn="l"/>
-              </a:tabLst>
-              <a:defRPr sz="2200">
-                <a:latin typeface="Menlo"/>
-                <a:ea typeface="Menlo"/>
-                <a:cs typeface="Menlo"/>
-                <a:sym typeface="Menlo"/>
-              </a:defRPr>
-            </a:pPr>
-            <a:r>
-              <a:rPr sz="1200" dirty="0">
-                <a:latin typeface="Hack"/>
-                <a:cs typeface="Hack"/>
+              <a:t>Value-Set Analysis</a:t>
+            </a:r>
+          </a:p>
+        </p:txBody>
+      </p:sp>
+      <p:sp>
+        <p:nvSpPr>
+          <p:cNvPr id="11" name="Shape 163"/>
+          <p:cNvSpPr txBox="1"/>
+          <p:nvPr/>
+        </p:nvSpPr>
+        <p:spPr>
+          <a:xfrm>
+            <a:off x="744150" y="2772026"/>
+            <a:ext cx="827100" cy="621900"/>
+          </a:xfrm>
+          <a:prstGeom prst="rect">
+            <a:avLst/>
+          </a:prstGeom>
+          <a:noFill/>
+          <a:ln>
+            <a:noFill/>
+          </a:ln>
+        </p:spPr>
+        <p:txBody>
+          <a:bodyPr lIns="91425" tIns="91425" rIns="91425" bIns="91425" anchor="t" anchorCtr="0">
+            <a:noAutofit/>
+          </a:bodyPr>
+          <a:lstStyle/>
+          <a:p>
+            <a:pPr lvl="0" algn="ctr" rtl="0">
+              <a:spcBef>
+                <a:spcPts val="0"/>
+              </a:spcBef>
+              <a:buNone/>
+            </a:pPr>
+            <a:r>
+              <a:rPr lang="en" sz="2000">
+                <a:latin typeface="Roboto Light"/>
+                <a:ea typeface="Calibri"/>
+                <a:cs typeface="Roboto Light"/>
+                <a:sym typeface="Calibri"/>
               </a:rPr>
-              <a:t>    </a:t>
-            </a:r>
-            <a:r>
-              <a:rPr sz="1200" dirty="0">
-                <a:solidFill>
-                  <a:srgbClr val="34BBC7"/>
-                </a:solidFill>
-                <a:latin typeface="Hack"/>
-                <a:cs typeface="Hack"/>
+              <a:t>angr</a:t>
+            </a:r>
+          </a:p>
+        </p:txBody>
+      </p:sp>
+      <p:pic>
+        <p:nvPicPr>
+          <p:cNvPr id="12" name="Shape 164"/>
+          <p:cNvPicPr preferRelativeResize="0"/>
+          <p:nvPr/>
+        </p:nvPicPr>
+        <p:blipFill>
+          <a:blip r:embed="rId2">
+            <a:alphaModFix/>
+          </a:blip>
+          <a:stretch>
+            <a:fillRect/>
+          </a:stretch>
+        </p:blipFill>
+        <p:spPr>
+          <a:xfrm>
+            <a:off x="288150" y="2832114"/>
+            <a:ext cx="501725" cy="501725"/>
+          </a:xfrm>
+          <a:prstGeom prst="rect">
+            <a:avLst/>
+          </a:prstGeom>
+          <a:noFill/>
+          <a:ln>
+            <a:noFill/>
+          </a:ln>
+        </p:spPr>
+      </p:pic>
+      <p:sp>
+        <p:nvSpPr>
+          <p:cNvPr id="13" name="Shape 165"/>
+          <p:cNvSpPr/>
+          <p:nvPr/>
+        </p:nvSpPr>
+        <p:spPr>
+          <a:xfrm>
+            <a:off x="1565025" y="1959826"/>
+            <a:ext cx="329100" cy="2231100"/>
+          </a:xfrm>
+          <a:prstGeom prst="leftBrace">
+            <a:avLst>
+              <a:gd name="adj1" fmla="val 8333"/>
+              <a:gd name="adj2" fmla="val 50000"/>
+            </a:avLst>
+          </a:prstGeom>
+          <a:noFill/>
+          <a:ln w="19050" cap="flat" cmpd="sng">
+            <a:solidFill>
+              <a:schemeClr val="dk2"/>
+            </a:solidFill>
+            <a:prstDash val="solid"/>
+            <a:round/>
+            <a:headEnd type="none" w="med" len="med"/>
+            <a:tailEnd type="none" w="med" len="med"/>
+          </a:ln>
+        </p:spPr>
+        <p:txBody>
+          <a:bodyPr lIns="91425" tIns="91425" rIns="91425" bIns="91425" anchor="ctr" anchorCtr="0">
+            <a:noAutofit/>
+          </a:bodyPr>
+          <a:lstStyle/>
+          <a:p>
+            <a:pPr>
+              <a:spcBef>
+                <a:spcPts val="0"/>
+              </a:spcBef>
+              <a:buNone/>
+            </a:pPr>
+            <a:endParaRPr/>
+          </a:p>
+        </p:txBody>
+      </p:sp>
+      <p:sp>
+        <p:nvSpPr>
+          <p:cNvPr id="14" name="Shape 166"/>
+          <p:cNvSpPr/>
+          <p:nvPr/>
+        </p:nvSpPr>
+        <p:spPr>
+          <a:xfrm>
+            <a:off x="4886456" y="2630086"/>
+            <a:ext cx="329100" cy="936899"/>
+          </a:xfrm>
+          <a:prstGeom prst="leftBrace">
+            <a:avLst>
+              <a:gd name="adj1" fmla="val 8333"/>
+              <a:gd name="adj2" fmla="val 50000"/>
+            </a:avLst>
+          </a:prstGeom>
+          <a:noFill/>
+          <a:ln w="19050" cap="flat" cmpd="sng">
+            <a:solidFill>
+              <a:schemeClr val="dk2"/>
+            </a:solidFill>
+            <a:prstDash val="solid"/>
+            <a:round/>
+            <a:headEnd type="none" w="med" len="med"/>
+            <a:tailEnd type="none" w="med" len="med"/>
+          </a:ln>
+        </p:spPr>
+        <p:txBody>
+          <a:bodyPr lIns="91425" tIns="91425" rIns="91425" bIns="91425" anchor="ctr" anchorCtr="0">
+            <a:noAutofit/>
+          </a:bodyPr>
+          <a:lstStyle/>
+          <a:p>
+            <a:pPr>
+              <a:spcBef>
+                <a:spcPts val="0"/>
+              </a:spcBef>
+              <a:buNone/>
+            </a:pPr>
+            <a:endParaRPr/>
+          </a:p>
+        </p:txBody>
+      </p:sp>
+      <p:sp>
+        <p:nvSpPr>
+          <p:cNvPr id="21" name="Shape 166"/>
+          <p:cNvSpPr/>
+          <p:nvPr/>
+        </p:nvSpPr>
+        <p:spPr>
+          <a:xfrm>
+            <a:off x="5144009" y="3977058"/>
+            <a:ext cx="329100" cy="550140"/>
+          </a:xfrm>
+          <a:prstGeom prst="leftBrace">
+            <a:avLst>
+              <a:gd name="adj1" fmla="val 8333"/>
+              <a:gd name="adj2" fmla="val 50000"/>
+            </a:avLst>
+          </a:prstGeom>
+          <a:noFill/>
+          <a:ln w="19050" cap="flat" cmpd="sng">
+            <a:solidFill>
+              <a:schemeClr val="dk2"/>
+            </a:solidFill>
+            <a:prstDash val="solid"/>
+            <a:round/>
+            <a:headEnd type="none" w="med" len="med"/>
+            <a:tailEnd type="none" w="med" len="med"/>
+          </a:ln>
+        </p:spPr>
+        <p:txBody>
+          <a:bodyPr lIns="91425" tIns="91425" rIns="91425" bIns="91425" anchor="ctr" anchorCtr="0">
+            <a:noAutofit/>
+          </a:bodyPr>
+          <a:lstStyle/>
+          <a:p>
+            <a:pPr>
+              <a:spcBef>
+                <a:spcPts val="0"/>
+              </a:spcBef>
+              <a:buNone/>
+            </a:pPr>
+            <a:endParaRPr/>
+          </a:p>
+        </p:txBody>
+      </p:sp>
+      <p:sp>
+        <p:nvSpPr>
+          <p:cNvPr id="22" name="Shape 160"/>
+          <p:cNvSpPr txBox="1"/>
+          <p:nvPr/>
+        </p:nvSpPr>
+        <p:spPr>
+          <a:xfrm>
+            <a:off x="5482877" y="3809447"/>
+            <a:ext cx="3573199" cy="621900"/>
+          </a:xfrm>
+          <a:prstGeom prst="rect">
+            <a:avLst/>
+          </a:prstGeom>
+          <a:noFill/>
+          <a:ln>
+            <a:noFill/>
+          </a:ln>
+        </p:spPr>
+        <p:txBody>
+          <a:bodyPr lIns="91425" tIns="91425" rIns="91425" bIns="91425" anchor="t" anchorCtr="0">
+            <a:noAutofit/>
+          </a:bodyPr>
+          <a:lstStyle/>
+          <a:p>
+            <a:pPr lvl="0" rtl="0">
+              <a:spcBef>
+                <a:spcPts val="0"/>
+              </a:spcBef>
+              <a:buNone/>
+            </a:pPr>
+            <a:r>
+              <a:rPr lang="en-US" sz="2000" dirty="0">
+                <a:latin typeface="Roboto Light"/>
+                <a:ea typeface="Calibri"/>
+                <a:cs typeface="Roboto Light"/>
+                <a:sym typeface="Calibri"/>
               </a:rPr>
-              <a:t>config_t</a:t>
-            </a:r>
-            <a:r>
-              <a:rPr sz="1200" dirty="0">
-                <a:latin typeface="Hack"/>
-                <a:cs typeface="Hack"/>
+              <a:t>Forward Symbolic Execution</a:t>
+            </a:r>
+            <a:endParaRPr lang="en" sz="2000" dirty="0">
+              <a:latin typeface="Roboto Light"/>
+              <a:ea typeface="Calibri"/>
+              <a:cs typeface="Roboto Light"/>
+              <a:sym typeface="Calibri"/>
+            </a:endParaRPr>
+          </a:p>
+        </p:txBody>
+      </p:sp>
+      <p:sp>
+        <p:nvSpPr>
+          <p:cNvPr id="23" name="Shape 162"/>
+          <p:cNvSpPr txBox="1"/>
+          <p:nvPr/>
+        </p:nvSpPr>
+        <p:spPr>
+          <a:xfrm>
+            <a:off x="5473109" y="4279329"/>
+            <a:ext cx="3213691" cy="621900"/>
+          </a:xfrm>
+          <a:prstGeom prst="rect">
+            <a:avLst/>
+          </a:prstGeom>
+          <a:noFill/>
+          <a:ln>
+            <a:noFill/>
+          </a:ln>
+        </p:spPr>
+        <p:txBody>
+          <a:bodyPr lIns="91425" tIns="91425" rIns="91425" bIns="91425" anchor="t" anchorCtr="0">
+            <a:noAutofit/>
+          </a:bodyPr>
+          <a:lstStyle/>
+          <a:p>
+            <a:pPr lvl="0" rtl="0">
+              <a:spcBef>
+                <a:spcPts val="0"/>
+              </a:spcBef>
+              <a:buNone/>
+            </a:pPr>
+            <a:r>
+              <a:rPr lang="en-US" sz="2000" dirty="0">
+                <a:latin typeface="Roboto Light"/>
+                <a:ea typeface="Calibri"/>
+                <a:cs typeface="Roboto Light"/>
+                <a:sym typeface="Calibri"/>
               </a:rPr>
-              <a:t> *config = read_config();</a:t>
-            </a:r>
-          </a:p>
-          <a:p>
-            <a:pPr defTabSz="286984">
-              <a:tabLst>
-                <a:tab pos="223210" algn="l"/>
-                <a:tab pos="446420" algn="l"/>
-                <a:tab pos="669630" algn="l"/>
-                <a:tab pos="892840" algn="l"/>
-                <a:tab pos="1116051" algn="l"/>
-                <a:tab pos="1339261" algn="l"/>
-                <a:tab pos="1562471" algn="l"/>
-                <a:tab pos="1785681" algn="l"/>
-                <a:tab pos="2008891" algn="l"/>
-                <a:tab pos="2232101" algn="l"/>
-                <a:tab pos="2455311" algn="l"/>
-                <a:tab pos="2678521" algn="l"/>
-              </a:tabLst>
-              <a:defRPr sz="2200">
-                <a:latin typeface="Menlo"/>
-                <a:ea typeface="Menlo"/>
-                <a:cs typeface="Menlo"/>
-                <a:sym typeface="Menlo"/>
-              </a:defRPr>
-            </a:pPr>
-            <a:r>
-              <a:rPr sz="1200" dirty="0">
-                <a:latin typeface="Hack"/>
-                <a:cs typeface="Hack"/>
-              </a:rPr>
-              <a:t>    </a:t>
-            </a:r>
-            <a:r>
-              <a:rPr sz="1200" dirty="0">
-                <a:solidFill>
-                  <a:srgbClr val="5330E1"/>
-                </a:solidFill>
-                <a:latin typeface="Hack"/>
-                <a:cs typeface="Hack"/>
-              </a:rPr>
-              <a:t>if</a:t>
-            </a:r>
-            <a:r>
-              <a:rPr sz="1200" dirty="0">
-                <a:latin typeface="Hack"/>
-                <a:cs typeface="Hack"/>
-              </a:rPr>
-              <a:t> (config == </a:t>
-            </a:r>
-            <a:r>
-              <a:rPr sz="1200" dirty="0">
-                <a:solidFill>
-                  <a:srgbClr val="34BBC7"/>
-                </a:solidFill>
-                <a:latin typeface="Hack"/>
-                <a:cs typeface="Hack"/>
-              </a:rPr>
-              <a:t>NULL</a:t>
-            </a:r>
-            <a:r>
-              <a:rPr sz="1200" dirty="0">
-                <a:latin typeface="Hack"/>
-                <a:cs typeface="Hack"/>
-              </a:rPr>
-              <a:t>) {</a:t>
-            </a:r>
-          </a:p>
-          <a:p>
-            <a:pPr defTabSz="286984">
-              <a:tabLst>
-                <a:tab pos="223210" algn="l"/>
-                <a:tab pos="446420" algn="l"/>
-                <a:tab pos="669630" algn="l"/>
-                <a:tab pos="892840" algn="l"/>
-                <a:tab pos="1116051" algn="l"/>
-                <a:tab pos="1339261" algn="l"/>
-                <a:tab pos="1562471" algn="l"/>
-                <a:tab pos="1785681" algn="l"/>
-                <a:tab pos="2008891" algn="l"/>
-                <a:tab pos="2232101" algn="l"/>
-                <a:tab pos="2455311" algn="l"/>
-                <a:tab pos="2678521" algn="l"/>
-              </a:tabLst>
-              <a:defRPr sz="2200">
-                <a:solidFill>
-                  <a:srgbClr val="AFAD24"/>
-                </a:solidFill>
-                <a:latin typeface="Menlo"/>
-                <a:ea typeface="Menlo"/>
-                <a:cs typeface="Menlo"/>
-                <a:sym typeface="Menlo"/>
-              </a:defRPr>
-            </a:pPr>
-            <a:r>
-              <a:rPr sz="1200" dirty="0">
-                <a:solidFill>
-                  <a:srgbClr val="000000"/>
-                </a:solidFill>
-                <a:latin typeface="Hack"/>
-                <a:cs typeface="Hack"/>
-              </a:rPr>
-              <a:t>        puts(</a:t>
-            </a:r>
-            <a:r>
-              <a:rPr sz="1200" dirty="0">
-                <a:latin typeface="Hack"/>
-                <a:cs typeface="Hack"/>
-              </a:rPr>
-              <a:t>"Configuration syntax error"</a:t>
-            </a:r>
-            <a:r>
-              <a:rPr sz="1200" dirty="0">
-                <a:solidFill>
-                  <a:srgbClr val="000000"/>
-                </a:solidFill>
-                <a:latin typeface="Hack"/>
-                <a:cs typeface="Hack"/>
-              </a:rPr>
-              <a:t>);</a:t>
-            </a:r>
-          </a:p>
-          <a:p>
-            <a:pPr defTabSz="286984">
-              <a:tabLst>
-                <a:tab pos="223210" algn="l"/>
-                <a:tab pos="446420" algn="l"/>
-                <a:tab pos="669630" algn="l"/>
-                <a:tab pos="892840" algn="l"/>
-                <a:tab pos="1116051" algn="l"/>
-                <a:tab pos="1339261" algn="l"/>
-                <a:tab pos="1562471" algn="l"/>
-                <a:tab pos="1785681" algn="l"/>
-                <a:tab pos="2008891" algn="l"/>
-                <a:tab pos="2232101" algn="l"/>
-                <a:tab pos="2455311" algn="l"/>
-                <a:tab pos="2678521" algn="l"/>
-              </a:tabLst>
-              <a:defRPr sz="2200">
-                <a:latin typeface="Menlo"/>
-                <a:ea typeface="Menlo"/>
-                <a:cs typeface="Menlo"/>
-                <a:sym typeface="Menlo"/>
-              </a:defRPr>
-            </a:pPr>
-            <a:r>
-              <a:rPr sz="1200" dirty="0">
-                <a:latin typeface="Hack"/>
-                <a:cs typeface="Hack"/>
-              </a:rPr>
-              <a:t>        </a:t>
-            </a:r>
-            <a:r>
-              <a:rPr sz="1200" dirty="0">
-                <a:solidFill>
-                  <a:srgbClr val="5330E1"/>
-                </a:solidFill>
-                <a:latin typeface="Hack"/>
-                <a:cs typeface="Hack"/>
-              </a:rPr>
-              <a:t>return</a:t>
-            </a:r>
-            <a:r>
-              <a:rPr sz="1200" dirty="0">
-                <a:latin typeface="Hack"/>
-                <a:cs typeface="Hack"/>
-              </a:rPr>
-              <a:t> </a:t>
-            </a:r>
-            <a:r>
-              <a:rPr sz="1200" dirty="0">
-                <a:solidFill>
-                  <a:srgbClr val="5330E1"/>
-                </a:solidFill>
-                <a:latin typeface="Hack"/>
-                <a:cs typeface="Hack"/>
-              </a:rPr>
-              <a:t>1</a:t>
-            </a:r>
-            <a:r>
-              <a:rPr sz="1200" dirty="0">
-                <a:latin typeface="Hack"/>
-                <a:cs typeface="Hack"/>
-              </a:rPr>
-              <a:t>;</a:t>
-            </a:r>
-          </a:p>
-          <a:p>
-            <a:pPr defTabSz="286984">
-              <a:tabLst>
-                <a:tab pos="223210" algn="l"/>
-                <a:tab pos="446420" algn="l"/>
-                <a:tab pos="669630" algn="l"/>
-                <a:tab pos="892840" algn="l"/>
-                <a:tab pos="1116051" algn="l"/>
-                <a:tab pos="1339261" algn="l"/>
-                <a:tab pos="1562471" algn="l"/>
-                <a:tab pos="1785681" algn="l"/>
-                <a:tab pos="2008891" algn="l"/>
-                <a:tab pos="2232101" algn="l"/>
-                <a:tab pos="2455311" algn="l"/>
-                <a:tab pos="2678521" algn="l"/>
-              </a:tabLst>
-              <a:defRPr sz="2200">
-                <a:latin typeface="Menlo"/>
-                <a:ea typeface="Menlo"/>
-                <a:cs typeface="Menlo"/>
-                <a:sym typeface="Menlo"/>
-              </a:defRPr>
-            </a:pPr>
-            <a:r>
-              <a:rPr sz="1200" dirty="0">
-                <a:latin typeface="Hack"/>
-                <a:cs typeface="Hack"/>
-              </a:rPr>
-              <a:t>    }</a:t>
-            </a:r>
-          </a:p>
-          <a:p>
-            <a:pPr defTabSz="286984">
-              <a:tabLst>
-                <a:tab pos="223210" algn="l"/>
-                <a:tab pos="446420" algn="l"/>
-                <a:tab pos="669630" algn="l"/>
-                <a:tab pos="892840" algn="l"/>
-                <a:tab pos="1116051" algn="l"/>
-                <a:tab pos="1339261" algn="l"/>
-                <a:tab pos="1562471" algn="l"/>
-                <a:tab pos="1785681" algn="l"/>
-                <a:tab pos="2008891" algn="l"/>
-                <a:tab pos="2232101" algn="l"/>
-                <a:tab pos="2455311" algn="l"/>
-                <a:tab pos="2678521" algn="l"/>
-              </a:tabLst>
-              <a:defRPr sz="2200">
-                <a:latin typeface="Menlo"/>
-                <a:ea typeface="Menlo"/>
-                <a:cs typeface="Menlo"/>
-                <a:sym typeface="Menlo"/>
-              </a:defRPr>
-            </a:pPr>
-            <a:endParaRPr sz="1200" dirty="0">
-              <a:latin typeface="Hack"/>
-              <a:cs typeface="Hack"/>
+              <a:t>Under-constrained SE</a:t>
+            </a:r>
+            <a:endParaRPr lang="en" sz="2000" dirty="0">
+              <a:latin typeface="Roboto Light"/>
+              <a:ea typeface="Calibri"/>
+              <a:cs typeface="Roboto Light"/>
+              <a:sym typeface="Calibri"/>
             </a:endParaRPr>
-          </a:p>
-          <a:p>
-            <a:pPr defTabSz="286984">
-              <a:tabLst>
-                <a:tab pos="223210" algn="l"/>
-                <a:tab pos="446420" algn="l"/>
-                <a:tab pos="669630" algn="l"/>
-                <a:tab pos="892840" algn="l"/>
-                <a:tab pos="1116051" algn="l"/>
-                <a:tab pos="1339261" algn="l"/>
-                <a:tab pos="1562471" algn="l"/>
-                <a:tab pos="1785681" algn="l"/>
-                <a:tab pos="2008891" algn="l"/>
-                <a:tab pos="2232101" algn="l"/>
-                <a:tab pos="2455311" algn="l"/>
-                <a:tab pos="2678521" algn="l"/>
-              </a:tabLst>
-              <a:defRPr sz="2200">
-                <a:uFill>
-                  <a:solidFill>
-                    <a:srgbClr val="C33720"/>
-                  </a:solidFill>
-                </a:uFill>
-                <a:latin typeface="Menlo"/>
-                <a:ea typeface="Menlo"/>
-                <a:cs typeface="Menlo"/>
-                <a:sym typeface="Menlo"/>
-              </a:defRPr>
-            </a:pPr>
-            <a:r>
-              <a:rPr sz="1200" dirty="0">
-                <a:latin typeface="Hack"/>
-                <a:cs typeface="Hack"/>
-              </a:rPr>
-              <a:t>    </a:t>
-            </a:r>
-            <a:r>
-              <a:rPr sz="1200" dirty="0">
-                <a:solidFill>
-                  <a:srgbClr val="5330E1"/>
-                </a:solidFill>
-                <a:latin typeface="Hack"/>
-                <a:cs typeface="Hack"/>
-              </a:rPr>
-              <a:t>if</a:t>
-            </a:r>
-            <a:r>
-              <a:rPr sz="1200" dirty="0">
-                <a:latin typeface="Hack"/>
-                <a:cs typeface="Hack"/>
-              </a:rPr>
-              <a:t> (config-&gt;magic != MAGIC_NUMBER) {</a:t>
-            </a:r>
-          </a:p>
-          <a:p>
-            <a:pPr defTabSz="286984">
-              <a:tabLst>
-                <a:tab pos="223210" algn="l"/>
-                <a:tab pos="446420" algn="l"/>
-                <a:tab pos="669630" algn="l"/>
-                <a:tab pos="892840" algn="l"/>
-                <a:tab pos="1116051" algn="l"/>
-                <a:tab pos="1339261" algn="l"/>
-                <a:tab pos="1562471" algn="l"/>
-                <a:tab pos="1785681" algn="l"/>
-                <a:tab pos="2008891" algn="l"/>
-                <a:tab pos="2232101" algn="l"/>
-                <a:tab pos="2455311" algn="l"/>
-                <a:tab pos="2678521" algn="l"/>
-              </a:tabLst>
-              <a:defRPr sz="2200">
-                <a:solidFill>
-                  <a:srgbClr val="AFAD24"/>
-                </a:solidFill>
-                <a:uFill>
-                  <a:solidFill>
-                    <a:srgbClr val="C33720"/>
-                  </a:solidFill>
-                </a:uFill>
-                <a:latin typeface="Menlo"/>
-                <a:ea typeface="Menlo"/>
-                <a:cs typeface="Menlo"/>
-                <a:sym typeface="Menlo"/>
-              </a:defRPr>
-            </a:pPr>
-            <a:r>
-              <a:rPr sz="1200" dirty="0">
-                <a:solidFill>
-                  <a:srgbClr val="000000"/>
-                </a:solidFill>
-                <a:latin typeface="Hack"/>
-                <a:cs typeface="Hack"/>
-              </a:rPr>
-              <a:t>        puts(</a:t>
-            </a:r>
-            <a:r>
-              <a:rPr sz="1200" dirty="0">
-                <a:latin typeface="Hack"/>
-                <a:cs typeface="Hack"/>
-              </a:rPr>
-              <a:t>"Bad magic number"</a:t>
-            </a:r>
-            <a:r>
-              <a:rPr sz="1200" dirty="0">
-                <a:solidFill>
-                  <a:srgbClr val="000000"/>
-                </a:solidFill>
-                <a:latin typeface="Hack"/>
-                <a:cs typeface="Hack"/>
-              </a:rPr>
-              <a:t>);</a:t>
-            </a:r>
-          </a:p>
-          <a:p>
-            <a:pPr defTabSz="286984">
-              <a:tabLst>
-                <a:tab pos="223210" algn="l"/>
-                <a:tab pos="446420" algn="l"/>
-                <a:tab pos="669630" algn="l"/>
-                <a:tab pos="892840" algn="l"/>
-                <a:tab pos="1116051" algn="l"/>
-                <a:tab pos="1339261" algn="l"/>
-                <a:tab pos="1562471" algn="l"/>
-                <a:tab pos="1785681" algn="l"/>
-                <a:tab pos="2008891" algn="l"/>
-                <a:tab pos="2232101" algn="l"/>
-                <a:tab pos="2455311" algn="l"/>
-                <a:tab pos="2678521" algn="l"/>
-              </a:tabLst>
-              <a:defRPr sz="2200">
-                <a:uFill>
-                  <a:solidFill>
-                    <a:srgbClr val="C33720"/>
-                  </a:solidFill>
-                </a:uFill>
-                <a:latin typeface="Menlo"/>
-                <a:ea typeface="Menlo"/>
-                <a:cs typeface="Menlo"/>
-                <a:sym typeface="Menlo"/>
-              </a:defRPr>
-            </a:pPr>
-            <a:r>
-              <a:rPr sz="1200" dirty="0">
-                <a:latin typeface="Hack"/>
-                <a:cs typeface="Hack"/>
-              </a:rPr>
-              <a:t>        </a:t>
-            </a:r>
-            <a:r>
-              <a:rPr sz="1200" dirty="0">
-                <a:solidFill>
-                  <a:srgbClr val="5330E1"/>
-                </a:solidFill>
-                <a:latin typeface="Hack"/>
-                <a:cs typeface="Hack"/>
-              </a:rPr>
-              <a:t>return</a:t>
-            </a:r>
-            <a:r>
-              <a:rPr sz="1200" dirty="0">
-                <a:latin typeface="Hack"/>
-                <a:cs typeface="Hack"/>
-              </a:rPr>
-              <a:t> </a:t>
-            </a:r>
-            <a:r>
-              <a:rPr sz="1200" dirty="0">
-                <a:solidFill>
-                  <a:srgbClr val="5330E1"/>
-                </a:solidFill>
-                <a:latin typeface="Hack"/>
-                <a:cs typeface="Hack"/>
-              </a:rPr>
-              <a:t>2</a:t>
-            </a:r>
-            <a:r>
-              <a:rPr sz="1200" dirty="0">
-                <a:latin typeface="Hack"/>
-                <a:cs typeface="Hack"/>
-              </a:rPr>
-              <a:t>;</a:t>
-            </a:r>
-          </a:p>
-          <a:p>
-            <a:pPr defTabSz="286984">
-              <a:tabLst>
-                <a:tab pos="223210" algn="l"/>
-                <a:tab pos="446420" algn="l"/>
-                <a:tab pos="669630" algn="l"/>
-                <a:tab pos="892840" algn="l"/>
-                <a:tab pos="1116051" algn="l"/>
-                <a:tab pos="1339261" algn="l"/>
-                <a:tab pos="1562471" algn="l"/>
-                <a:tab pos="1785681" algn="l"/>
-                <a:tab pos="2008891" algn="l"/>
-                <a:tab pos="2232101" algn="l"/>
-                <a:tab pos="2455311" algn="l"/>
-                <a:tab pos="2678521" algn="l"/>
-              </a:tabLst>
-              <a:defRPr sz="2200">
-                <a:uFill>
-                  <a:solidFill>
-                    <a:srgbClr val="C33720"/>
-                  </a:solidFill>
-                </a:uFill>
-                <a:latin typeface="Menlo"/>
-                <a:ea typeface="Menlo"/>
-                <a:cs typeface="Menlo"/>
-                <a:sym typeface="Menlo"/>
-              </a:defRPr>
-            </a:pPr>
-            <a:r>
-              <a:rPr sz="1200" dirty="0">
-                <a:latin typeface="Hack"/>
-                <a:cs typeface="Hack"/>
-              </a:rPr>
-              <a:t>    }</a:t>
-            </a:r>
-          </a:p>
-          <a:p>
-            <a:pPr defTabSz="286984">
-              <a:tabLst>
-                <a:tab pos="223210" algn="l"/>
-                <a:tab pos="446420" algn="l"/>
-                <a:tab pos="669630" algn="l"/>
-                <a:tab pos="892840" algn="l"/>
-                <a:tab pos="1116051" algn="l"/>
-                <a:tab pos="1339261" algn="l"/>
-                <a:tab pos="1562471" algn="l"/>
-                <a:tab pos="1785681" algn="l"/>
-                <a:tab pos="2008891" algn="l"/>
-                <a:tab pos="2232101" algn="l"/>
-                <a:tab pos="2455311" algn="l"/>
-                <a:tab pos="2678521" algn="l"/>
-              </a:tabLst>
-              <a:defRPr sz="2200">
-                <a:uFill>
-                  <a:solidFill>
-                    <a:srgbClr val="C33720"/>
-                  </a:solidFill>
-                </a:uFill>
-                <a:latin typeface="Menlo"/>
-                <a:ea typeface="Menlo"/>
-                <a:cs typeface="Menlo"/>
-                <a:sym typeface="Menlo"/>
-              </a:defRPr>
-            </a:pPr>
-            <a:endParaRPr sz="1200" dirty="0">
-              <a:latin typeface="Hack"/>
-              <a:cs typeface="Hack"/>
-            </a:endParaRPr>
-          </a:p>
-          <a:p>
-            <a:pPr defTabSz="286984">
-              <a:tabLst>
-                <a:tab pos="223210" algn="l"/>
-                <a:tab pos="446420" algn="l"/>
-                <a:tab pos="669630" algn="l"/>
-                <a:tab pos="892840" algn="l"/>
-                <a:tab pos="1116051" algn="l"/>
-                <a:tab pos="1339261" algn="l"/>
-                <a:tab pos="1562471" algn="l"/>
-                <a:tab pos="1785681" algn="l"/>
-                <a:tab pos="2008891" algn="l"/>
-                <a:tab pos="2232101" algn="l"/>
-                <a:tab pos="2455311" algn="l"/>
-                <a:tab pos="2678521" algn="l"/>
-              </a:tabLst>
-              <a:defRPr sz="2200">
-                <a:uFill>
-                  <a:solidFill>
-                    <a:srgbClr val="C33720"/>
-                  </a:solidFill>
-                </a:uFill>
-                <a:latin typeface="Menlo"/>
-                <a:ea typeface="Menlo"/>
-                <a:cs typeface="Menlo"/>
-                <a:sym typeface="Menlo"/>
-              </a:defRPr>
-            </a:pPr>
-            <a:r>
-              <a:rPr sz="1200" dirty="0">
-                <a:latin typeface="Hack"/>
-                <a:cs typeface="Hack"/>
-              </a:rPr>
-              <a:t>    initialize(config);</a:t>
-            </a:r>
-          </a:p>
-          <a:p>
-            <a:pPr defTabSz="286984">
-              <a:tabLst>
-                <a:tab pos="223210" algn="l"/>
-                <a:tab pos="446420" algn="l"/>
-                <a:tab pos="669630" algn="l"/>
-                <a:tab pos="892840" algn="l"/>
-                <a:tab pos="1116051" algn="l"/>
-                <a:tab pos="1339261" algn="l"/>
-                <a:tab pos="1562471" algn="l"/>
-                <a:tab pos="1785681" algn="l"/>
-                <a:tab pos="2008891" algn="l"/>
-                <a:tab pos="2232101" algn="l"/>
-                <a:tab pos="2455311" algn="l"/>
-                <a:tab pos="2678521" algn="l"/>
-              </a:tabLst>
-              <a:defRPr sz="2200">
-                <a:uFill>
-                  <a:solidFill>
-                    <a:srgbClr val="C33720"/>
-                  </a:solidFill>
-                </a:uFill>
-                <a:latin typeface="Menlo"/>
-                <a:ea typeface="Menlo"/>
-                <a:cs typeface="Menlo"/>
-                <a:sym typeface="Menlo"/>
-              </a:defRPr>
-            </a:pPr>
-            <a:endParaRPr sz="1200" dirty="0">
-              <a:latin typeface="Hack"/>
-              <a:cs typeface="Hack"/>
-            </a:endParaRPr>
-          </a:p>
-          <a:p>
-            <a:pPr defTabSz="286984">
-              <a:tabLst>
-                <a:tab pos="223210" algn="l"/>
-                <a:tab pos="446420" algn="l"/>
-                <a:tab pos="669630" algn="l"/>
-                <a:tab pos="892840" algn="l"/>
-                <a:tab pos="1116051" algn="l"/>
-                <a:tab pos="1339261" algn="l"/>
-                <a:tab pos="1562471" algn="l"/>
-                <a:tab pos="1785681" algn="l"/>
-                <a:tab pos="2008891" algn="l"/>
-                <a:tab pos="2232101" algn="l"/>
-                <a:tab pos="2455311" algn="l"/>
-                <a:tab pos="2678521" algn="l"/>
-              </a:tabLst>
-              <a:defRPr sz="2200">
-                <a:uFill>
-                  <a:solidFill>
-                    <a:srgbClr val="C33720"/>
-                  </a:solidFill>
-                </a:uFill>
-                <a:latin typeface="Menlo"/>
-                <a:ea typeface="Menlo"/>
-                <a:cs typeface="Menlo"/>
-                <a:sym typeface="Menlo"/>
-              </a:defRPr>
-            </a:pPr>
-            <a:r>
-              <a:rPr sz="1200" dirty="0">
-                <a:latin typeface="Hack"/>
-                <a:cs typeface="Hack"/>
-              </a:rPr>
-              <a:t>    </a:t>
-            </a:r>
-            <a:r>
-              <a:rPr sz="1200" dirty="0">
-                <a:solidFill>
-                  <a:srgbClr val="34BBC7"/>
-                </a:solidFill>
-                <a:latin typeface="Hack"/>
-                <a:cs typeface="Hack"/>
-              </a:rPr>
-              <a:t>char</a:t>
-            </a:r>
-            <a:r>
-              <a:rPr sz="1200" dirty="0">
-                <a:latin typeface="Hack"/>
-                <a:cs typeface="Hack"/>
-              </a:rPr>
-              <a:t> *directive = config-&gt;directives[</a:t>
-            </a:r>
-            <a:r>
-              <a:rPr sz="1200" dirty="0">
-                <a:solidFill>
-                  <a:srgbClr val="5330E1"/>
-                </a:solidFill>
-                <a:latin typeface="Hack"/>
-                <a:cs typeface="Hack"/>
-              </a:rPr>
-              <a:t>0</a:t>
-            </a:r>
-            <a:r>
-              <a:rPr sz="1200" dirty="0">
-                <a:latin typeface="Hack"/>
-                <a:cs typeface="Hack"/>
-              </a:rPr>
-              <a:t>];</a:t>
-            </a:r>
-          </a:p>
-          <a:p>
-            <a:pPr defTabSz="286984">
-              <a:tabLst>
-                <a:tab pos="223210" algn="l"/>
-                <a:tab pos="446420" algn="l"/>
-                <a:tab pos="669630" algn="l"/>
-                <a:tab pos="892840" algn="l"/>
-                <a:tab pos="1116051" algn="l"/>
-                <a:tab pos="1339261" algn="l"/>
-                <a:tab pos="1562471" algn="l"/>
-                <a:tab pos="1785681" algn="l"/>
-                <a:tab pos="2008891" algn="l"/>
-                <a:tab pos="2232101" algn="l"/>
-                <a:tab pos="2455311" algn="l"/>
-                <a:tab pos="2678521" algn="l"/>
-              </a:tabLst>
-              <a:defRPr sz="2200">
-                <a:uFill>
-                  <a:solidFill>
-                    <a:srgbClr val="C33720"/>
-                  </a:solidFill>
-                </a:uFill>
-                <a:latin typeface="Menlo"/>
-                <a:ea typeface="Menlo"/>
-                <a:cs typeface="Menlo"/>
-                <a:sym typeface="Menlo"/>
-              </a:defRPr>
-            </a:pPr>
-            <a:r>
-              <a:rPr sz="1200" dirty="0">
-                <a:latin typeface="Hack"/>
-                <a:cs typeface="Hack"/>
-              </a:rPr>
-              <a:t>    </a:t>
-            </a:r>
-            <a:r>
-              <a:rPr sz="1200" dirty="0">
-                <a:solidFill>
-                  <a:srgbClr val="5330E1"/>
-                </a:solidFill>
-                <a:latin typeface="Hack"/>
-                <a:cs typeface="Hack"/>
-              </a:rPr>
-              <a:t>if</a:t>
-            </a:r>
-            <a:r>
-              <a:rPr sz="1200" dirty="0">
-                <a:latin typeface="Hack"/>
-                <a:cs typeface="Hack"/>
-              </a:rPr>
-              <a:t> (!strcmp(directive, </a:t>
-            </a:r>
-            <a:r>
-              <a:rPr sz="1200" dirty="0">
-                <a:solidFill>
-                  <a:srgbClr val="AFAD24"/>
-                </a:solidFill>
-                <a:latin typeface="Hack"/>
-                <a:cs typeface="Hack"/>
-              </a:rPr>
-              <a:t>"crashstring"</a:t>
-            </a:r>
-            <a:r>
-              <a:rPr sz="1200" dirty="0">
-                <a:latin typeface="Hack"/>
-                <a:cs typeface="Hack"/>
-              </a:rPr>
-              <a:t>)) {</a:t>
-            </a:r>
-          </a:p>
-          <a:p>
-            <a:pPr defTabSz="286984">
-              <a:tabLst>
-                <a:tab pos="223210" algn="l"/>
-                <a:tab pos="446420" algn="l"/>
-                <a:tab pos="669630" algn="l"/>
-                <a:tab pos="892840" algn="l"/>
-                <a:tab pos="1116051" algn="l"/>
-                <a:tab pos="1339261" algn="l"/>
-                <a:tab pos="1562471" algn="l"/>
-                <a:tab pos="1785681" algn="l"/>
-                <a:tab pos="2008891" algn="l"/>
-                <a:tab pos="2232101" algn="l"/>
-                <a:tab pos="2455311" algn="l"/>
-                <a:tab pos="2678521" algn="l"/>
-              </a:tabLst>
-              <a:defRPr sz="2200">
-                <a:uFill>
-                  <a:solidFill>
-                    <a:srgbClr val="C33720"/>
-                  </a:solidFill>
-                </a:uFill>
-                <a:latin typeface="Menlo"/>
-                <a:ea typeface="Menlo"/>
-                <a:cs typeface="Menlo"/>
-                <a:sym typeface="Menlo"/>
-              </a:defRPr>
-            </a:pPr>
-            <a:r>
-              <a:rPr sz="1200" dirty="0">
-                <a:latin typeface="Hack"/>
-                <a:cs typeface="Hack"/>
-              </a:rPr>
-              <a:t>        program_bug();</a:t>
-            </a:r>
-          </a:p>
-          <a:p>
-            <a:pPr defTabSz="286984">
-              <a:tabLst>
-                <a:tab pos="223210" algn="l"/>
-                <a:tab pos="446420" algn="l"/>
-                <a:tab pos="669630" algn="l"/>
-                <a:tab pos="892840" algn="l"/>
-                <a:tab pos="1116051" algn="l"/>
-                <a:tab pos="1339261" algn="l"/>
-                <a:tab pos="1562471" algn="l"/>
-                <a:tab pos="1785681" algn="l"/>
-                <a:tab pos="2008891" algn="l"/>
-                <a:tab pos="2232101" algn="l"/>
-                <a:tab pos="2455311" algn="l"/>
-                <a:tab pos="2678521" algn="l"/>
-              </a:tabLst>
-              <a:defRPr sz="2200">
-                <a:uFill>
-                  <a:solidFill>
-                    <a:srgbClr val="C33720"/>
-                  </a:solidFill>
-                </a:uFill>
-                <a:latin typeface="Menlo"/>
-                <a:ea typeface="Menlo"/>
-                <a:cs typeface="Menlo"/>
-                <a:sym typeface="Menlo"/>
-              </a:defRPr>
-            </a:pPr>
-            <a:r>
-              <a:rPr sz="1200" dirty="0">
-                <a:latin typeface="Hack"/>
-                <a:cs typeface="Hack"/>
-              </a:rPr>
-              <a:t>    } </a:t>
-            </a:r>
-            <a:r>
-              <a:rPr sz="1200" dirty="0">
-                <a:solidFill>
-                  <a:srgbClr val="5330E1"/>
-                </a:solidFill>
-                <a:latin typeface="Hack"/>
-                <a:cs typeface="Hack"/>
-              </a:rPr>
-              <a:t>else</a:t>
-            </a:r>
-            <a:r>
-              <a:rPr sz="1200" dirty="0">
-                <a:latin typeface="Hack"/>
-                <a:cs typeface="Hack"/>
-              </a:rPr>
-              <a:t> </a:t>
-            </a:r>
-            <a:r>
-              <a:rPr sz="1200" dirty="0">
-                <a:solidFill>
-                  <a:srgbClr val="5330E1"/>
-                </a:solidFill>
-                <a:latin typeface="Hack"/>
-                <a:cs typeface="Hack"/>
-              </a:rPr>
-              <a:t>if</a:t>
-            </a:r>
-            <a:r>
-              <a:rPr sz="1200" dirty="0">
-                <a:latin typeface="Hack"/>
-                <a:cs typeface="Hack"/>
-              </a:rPr>
-              <a:t> (!strcmp(directive, </a:t>
-            </a:r>
-            <a:r>
-              <a:rPr sz="1200" dirty="0">
-                <a:solidFill>
-                  <a:srgbClr val="AFAD24"/>
-                </a:solidFill>
-                <a:latin typeface="Hack"/>
-                <a:cs typeface="Hack"/>
-              </a:rPr>
-              <a:t>"set_option"</a:t>
-            </a:r>
-            <a:r>
-              <a:rPr sz="1200" dirty="0">
-                <a:latin typeface="Hack"/>
-                <a:cs typeface="Hack"/>
-              </a:rPr>
-              <a:t>)) {</a:t>
-            </a:r>
-          </a:p>
-          <a:p>
-            <a:pPr defTabSz="286984">
-              <a:tabLst>
-                <a:tab pos="223210" algn="l"/>
-                <a:tab pos="446420" algn="l"/>
-                <a:tab pos="669630" algn="l"/>
-                <a:tab pos="892840" algn="l"/>
-                <a:tab pos="1116051" algn="l"/>
-                <a:tab pos="1339261" algn="l"/>
-                <a:tab pos="1562471" algn="l"/>
-                <a:tab pos="1785681" algn="l"/>
-                <a:tab pos="2008891" algn="l"/>
-                <a:tab pos="2232101" algn="l"/>
-                <a:tab pos="2455311" algn="l"/>
-                <a:tab pos="2678521" algn="l"/>
-              </a:tabLst>
-              <a:defRPr sz="2200">
-                <a:uFill>
-                  <a:solidFill>
-                    <a:srgbClr val="C33720"/>
-                  </a:solidFill>
-                </a:uFill>
-                <a:latin typeface="Menlo"/>
-                <a:ea typeface="Menlo"/>
-                <a:cs typeface="Menlo"/>
-                <a:sym typeface="Menlo"/>
-              </a:defRPr>
-            </a:pPr>
-            <a:r>
-              <a:rPr sz="1200" dirty="0">
-                <a:latin typeface="Hack"/>
-                <a:cs typeface="Hack"/>
-              </a:rPr>
-              <a:t>        set_option(config-&gt;directives[</a:t>
-            </a:r>
-            <a:r>
-              <a:rPr sz="1200" dirty="0">
-                <a:solidFill>
-                  <a:srgbClr val="5330E1"/>
-                </a:solidFill>
-                <a:latin typeface="Hack"/>
-                <a:cs typeface="Hack"/>
-              </a:rPr>
-              <a:t>1</a:t>
-            </a:r>
-            <a:r>
-              <a:rPr sz="1200" dirty="0">
-                <a:latin typeface="Hack"/>
-                <a:cs typeface="Hack"/>
-              </a:rPr>
-              <a:t>]);</a:t>
-            </a:r>
-          </a:p>
-          <a:p>
-            <a:pPr defTabSz="286984">
-              <a:tabLst>
-                <a:tab pos="223210" algn="l"/>
-                <a:tab pos="446420" algn="l"/>
-                <a:tab pos="669630" algn="l"/>
-                <a:tab pos="892840" algn="l"/>
-                <a:tab pos="1116051" algn="l"/>
-                <a:tab pos="1339261" algn="l"/>
-                <a:tab pos="1562471" algn="l"/>
-                <a:tab pos="1785681" algn="l"/>
-                <a:tab pos="2008891" algn="l"/>
-                <a:tab pos="2232101" algn="l"/>
-                <a:tab pos="2455311" algn="l"/>
-                <a:tab pos="2678521" algn="l"/>
-              </a:tabLst>
-              <a:defRPr sz="2200">
-                <a:uFill>
-                  <a:solidFill>
-                    <a:srgbClr val="C33720"/>
-                  </a:solidFill>
-                </a:uFill>
-                <a:latin typeface="Menlo"/>
-                <a:ea typeface="Menlo"/>
-                <a:cs typeface="Menlo"/>
-                <a:sym typeface="Menlo"/>
-              </a:defRPr>
-            </a:pPr>
-            <a:r>
-              <a:rPr sz="1200" dirty="0">
-                <a:latin typeface="Hack"/>
-                <a:cs typeface="Hack"/>
-              </a:rPr>
-              <a:t>    } </a:t>
-            </a:r>
-            <a:r>
-              <a:rPr sz="1200" dirty="0">
-                <a:solidFill>
-                  <a:srgbClr val="5330E1"/>
-                </a:solidFill>
-                <a:latin typeface="Hack"/>
-                <a:cs typeface="Hack"/>
-              </a:rPr>
-              <a:t>else</a:t>
-            </a:r>
-            <a:r>
-              <a:rPr sz="1200" dirty="0">
-                <a:latin typeface="Hack"/>
-                <a:cs typeface="Hack"/>
-              </a:rPr>
-              <a:t> {</a:t>
-            </a:r>
-          </a:p>
-          <a:p>
-            <a:pPr defTabSz="286984">
-              <a:tabLst>
-                <a:tab pos="223210" algn="l"/>
-                <a:tab pos="446420" algn="l"/>
-                <a:tab pos="669630" algn="l"/>
-                <a:tab pos="892840" algn="l"/>
-                <a:tab pos="1116051" algn="l"/>
-                <a:tab pos="1339261" algn="l"/>
-                <a:tab pos="1562471" algn="l"/>
-                <a:tab pos="1785681" algn="l"/>
-                <a:tab pos="2008891" algn="l"/>
-                <a:tab pos="2232101" algn="l"/>
-                <a:tab pos="2455311" algn="l"/>
-                <a:tab pos="2678521" algn="l"/>
-              </a:tabLst>
-              <a:defRPr sz="2200">
-                <a:uFill>
-                  <a:solidFill>
-                    <a:srgbClr val="C33720"/>
-                  </a:solidFill>
-                </a:uFill>
-                <a:latin typeface="Menlo"/>
-                <a:ea typeface="Menlo"/>
-                <a:cs typeface="Menlo"/>
-                <a:sym typeface="Menlo"/>
-              </a:defRPr>
-            </a:pPr>
-            <a:r>
-              <a:rPr sz="1200" dirty="0">
-                <a:latin typeface="Hack"/>
-                <a:cs typeface="Hack"/>
-              </a:rPr>
-              <a:t>        do_default();</a:t>
-            </a:r>
-          </a:p>
-          <a:p>
-            <a:pPr defTabSz="286984">
-              <a:tabLst>
-                <a:tab pos="223210" algn="l"/>
-                <a:tab pos="446420" algn="l"/>
-                <a:tab pos="669630" algn="l"/>
-                <a:tab pos="892840" algn="l"/>
-                <a:tab pos="1116051" algn="l"/>
-                <a:tab pos="1339261" algn="l"/>
-                <a:tab pos="1562471" algn="l"/>
-                <a:tab pos="1785681" algn="l"/>
-                <a:tab pos="2008891" algn="l"/>
-                <a:tab pos="2232101" algn="l"/>
-                <a:tab pos="2455311" algn="l"/>
-                <a:tab pos="2678521" algn="l"/>
-              </a:tabLst>
-              <a:defRPr sz="2200">
-                <a:uFill>
-                  <a:solidFill>
-                    <a:srgbClr val="C33720"/>
-                  </a:solidFill>
-                </a:uFill>
-                <a:latin typeface="Menlo"/>
-                <a:ea typeface="Menlo"/>
-                <a:cs typeface="Menlo"/>
-                <a:sym typeface="Menlo"/>
-              </a:defRPr>
-            </a:pPr>
-            <a:r>
-              <a:rPr sz="1200" dirty="0">
-                <a:latin typeface="Hack"/>
-                <a:cs typeface="Hack"/>
-              </a:rPr>
-              <a:t>    }</a:t>
-            </a:r>
-          </a:p>
-          <a:p>
-            <a:pPr defTabSz="286984">
-              <a:tabLst>
-                <a:tab pos="223210" algn="l"/>
-                <a:tab pos="446420" algn="l"/>
-                <a:tab pos="669630" algn="l"/>
-                <a:tab pos="892840" algn="l"/>
-                <a:tab pos="1116051" algn="l"/>
-                <a:tab pos="1339261" algn="l"/>
-                <a:tab pos="1562471" algn="l"/>
-                <a:tab pos="1785681" algn="l"/>
-                <a:tab pos="2008891" algn="l"/>
-                <a:tab pos="2232101" algn="l"/>
-                <a:tab pos="2455311" algn="l"/>
-                <a:tab pos="2678521" algn="l"/>
-              </a:tabLst>
-              <a:defRPr sz="2200">
-                <a:uFill>
-                  <a:solidFill>
-                    <a:srgbClr val="C33720"/>
-                  </a:solidFill>
-                </a:uFill>
-                <a:latin typeface="Menlo"/>
-                <a:ea typeface="Menlo"/>
-                <a:cs typeface="Menlo"/>
-                <a:sym typeface="Menlo"/>
-              </a:defRPr>
-            </a:pPr>
-            <a:endParaRPr sz="1200" dirty="0">
-              <a:latin typeface="Hack"/>
-              <a:cs typeface="Hack"/>
-            </a:endParaRPr>
-          </a:p>
-          <a:p>
-            <a:pPr defTabSz="286984">
-              <a:tabLst>
-                <a:tab pos="223210" algn="l"/>
-                <a:tab pos="446420" algn="l"/>
-                <a:tab pos="669630" algn="l"/>
-                <a:tab pos="892840" algn="l"/>
-                <a:tab pos="1116051" algn="l"/>
-                <a:tab pos="1339261" algn="l"/>
-                <a:tab pos="1562471" algn="l"/>
-                <a:tab pos="1785681" algn="l"/>
-                <a:tab pos="2008891" algn="l"/>
-                <a:tab pos="2232101" algn="l"/>
-                <a:tab pos="2455311" algn="l"/>
-                <a:tab pos="2678521" algn="l"/>
-              </a:tabLst>
-              <a:defRPr sz="2200">
-                <a:solidFill>
-                  <a:srgbClr val="5330E1"/>
-                </a:solidFill>
-                <a:uFill>
-                  <a:solidFill>
-                    <a:srgbClr val="C33720"/>
-                  </a:solidFill>
-                </a:uFill>
-                <a:latin typeface="Menlo"/>
-                <a:ea typeface="Menlo"/>
-                <a:cs typeface="Menlo"/>
-                <a:sym typeface="Menlo"/>
-              </a:defRPr>
-            </a:pPr>
-            <a:r>
-              <a:rPr sz="1200" dirty="0">
-                <a:solidFill>
-                  <a:srgbClr val="000000"/>
-                </a:solidFill>
-                <a:latin typeface="Hack"/>
-                <a:cs typeface="Hack"/>
-              </a:rPr>
-              <a:t>    </a:t>
-            </a:r>
-            <a:r>
-              <a:rPr sz="1200" dirty="0">
-                <a:latin typeface="Hack"/>
-                <a:cs typeface="Hack"/>
-              </a:rPr>
-              <a:t>return</a:t>
-            </a:r>
-            <a:r>
-              <a:rPr sz="1200" dirty="0">
-                <a:solidFill>
-                  <a:srgbClr val="000000"/>
-                </a:solidFill>
-                <a:latin typeface="Hack"/>
-                <a:cs typeface="Hack"/>
-              </a:rPr>
-              <a:t> </a:t>
-            </a:r>
-            <a:r>
-              <a:rPr sz="1200" dirty="0">
-                <a:latin typeface="Hack"/>
-                <a:cs typeface="Hack"/>
-              </a:rPr>
-              <a:t>0</a:t>
-            </a:r>
-            <a:r>
-              <a:rPr sz="1200" dirty="0">
-                <a:solidFill>
-                  <a:srgbClr val="000000"/>
-                </a:solidFill>
-                <a:latin typeface="Hack"/>
-                <a:cs typeface="Hack"/>
-              </a:rPr>
-              <a:t>;</a:t>
-            </a:r>
-          </a:p>
-          <a:p>
-            <a:pPr defTabSz="286984">
-              <a:tabLst>
-                <a:tab pos="223210" algn="l"/>
-                <a:tab pos="446420" algn="l"/>
-                <a:tab pos="669630" algn="l"/>
-                <a:tab pos="892840" algn="l"/>
-                <a:tab pos="1116051" algn="l"/>
-                <a:tab pos="1339261" algn="l"/>
-                <a:tab pos="1562471" algn="l"/>
-                <a:tab pos="1785681" algn="l"/>
-                <a:tab pos="2008891" algn="l"/>
-                <a:tab pos="2232101" algn="l"/>
-                <a:tab pos="2455311" algn="l"/>
-                <a:tab pos="2678521" algn="l"/>
-              </a:tabLst>
-              <a:defRPr sz="2200">
-                <a:uFill>
-                  <a:solidFill>
-                    <a:srgbClr val="C33720"/>
-                  </a:solidFill>
-                </a:uFill>
-                <a:latin typeface="Menlo"/>
-                <a:ea typeface="Menlo"/>
-                <a:cs typeface="Menlo"/>
-                <a:sym typeface="Menlo"/>
-              </a:defRPr>
-            </a:pPr>
-            <a:r>
-              <a:rPr sz="1200" dirty="0">
-                <a:latin typeface="Hack"/>
-                <a:cs typeface="Hack"/>
-              </a:rPr>
-              <a:t>}</a:t>
-            </a:r>
           </a:p>
         </p:txBody>
       </p:sp>
     </p:spTree>
     <p:extLst>
       <p:ext uri="{BB962C8B-B14F-4D97-AF65-F5344CB8AC3E}">
-        <p14:creationId xmlns:p14="http://schemas.microsoft.com/office/powerpoint/2010/main" val="3028207602"/>
+        <p14:creationId xmlns:p14="http://schemas.microsoft.com/office/powerpoint/2010/main" val="2497398955"/>
       </p:ext>
     </p:extLst>
   </p:cSld>
@@ -27335,7 +26200,7 @@
   <p:cSld>
     <p:spTree>
       <p:nvGrpSpPr>
-        <p:cNvPr id="1" name="Shape 301"/>
+        <p:cNvPr id="1" name=""/>
         <p:cNvGrpSpPr/>
         <p:nvPr/>
       </p:nvGrpSpPr>
@@ -27365,17 +26230,16 @@
           <a:lstStyle/>
           <a:p>
             <a:r>
-              <a:rPr lang="en"/>
-              <a:t>Assisting Fuzzing with Symbolic Execution</a:t>
-            </a:r>
-            <a:endParaRPr lang="en-US" dirty="0"/>
-          </a:p>
-        </p:txBody>
-      </p:sp>
-      <p:sp>
-        <p:nvSpPr>
-          <p:cNvPr id="302" name="Shape 302"/>
-          <p:cNvSpPr txBox="1">
+              <a:rPr lang="en-US" dirty="0"/>
+              <a:t>Combining Fuzzing with Symbolic Execution</a:t>
+            </a:r>
+          </a:p>
+        </p:txBody>
+      </p:sp>
+      <p:sp>
+        <p:nvSpPr>
+          <p:cNvPr id="3" name="Content Placeholder 2"/>
+          <p:cNvSpPr>
             <a:spLocks noGrp="1"/>
           </p:cNvSpPr>
           <p:nvPr>
@@ -27384,310 +26248,35 @@
         </p:nvSpPr>
         <p:spPr/>
         <p:txBody>
-          <a:bodyPr>
-            <a:normAutofit fontScale="92500" lnSpcReduction="10000"/>
-          </a:bodyPr>
-          <a:lstStyle/>
-          <a:p>
-            <a:pPr lvl="0"/>
-            <a:r>
-              <a:rPr lang="en" dirty="0"/>
-              <a:t>Monitors AFL checking for stagnant path discovery</a:t>
-            </a:r>
-          </a:p>
-          <a:p>
-            <a:pPr lvl="0"/>
-            <a:r>
-              <a:rPr lang="en" dirty="0"/>
-              <a:t>Discovers new paths by symbolically executing AFL’s path queue</a:t>
-            </a:r>
-          </a:p>
-          <a:p>
-            <a:pPr lvl="0"/>
-            <a:r>
-              <a:rPr lang="en" dirty="0"/>
-              <a:t>Dumps new inputs generated by angr into AFL’s ‘sync’ directory</a:t>
-            </a:r>
-          </a:p>
-          <a:p>
-            <a:endParaRPr lang="en" dirty="0"/>
-          </a:p>
-          <a:p>
-            <a:endParaRPr lang="en" dirty="0"/>
-          </a:p>
-          <a:p>
-            <a:endParaRPr lang="en" dirty="0"/>
-          </a:p>
-          <a:p>
-            <a:endParaRPr lang="en" dirty="0"/>
-          </a:p>
-          <a:p>
-            <a:endParaRPr lang="en" dirty="0"/>
-          </a:p>
-          <a:p>
-            <a:endParaRPr lang="en" dirty="0"/>
-          </a:p>
-          <a:p>
-            <a:endParaRPr lang="en" dirty="0"/>
-          </a:p>
-          <a:p>
-            <a:r>
-              <a:rPr lang="en" dirty="0"/>
-              <a:t>Responsible for ~20% additional vulnerabilities</a:t>
-            </a:r>
-          </a:p>
-          <a:p>
-            <a:pPr lvl="0"/>
-            <a:endParaRPr lang="en" dirty="0"/>
-          </a:p>
-        </p:txBody>
-      </p:sp>
-      <p:sp>
-        <p:nvSpPr>
-          <p:cNvPr id="303" name="Shape 303"/>
-          <p:cNvSpPr/>
-          <p:nvPr/>
-        </p:nvSpPr>
-        <p:spPr>
-          <a:xfrm>
-            <a:off x="3589850" y="2298694"/>
-            <a:ext cx="1227600" cy="565199"/>
-          </a:xfrm>
-          <a:prstGeom prst="roundRect">
-            <a:avLst>
-              <a:gd name="adj" fmla="val 16667"/>
-            </a:avLst>
-          </a:prstGeom>
-          <a:noFill/>
-          <a:ln w="19050" cap="flat" cmpd="sng">
-            <a:solidFill>
-              <a:srgbClr val="1155CC"/>
-            </a:solidFill>
-            <a:prstDash val="solid"/>
-            <a:round/>
-            <a:headEnd type="none" w="med" len="med"/>
-            <a:tailEnd type="none" w="med" len="med"/>
-          </a:ln>
-        </p:spPr>
-        <p:txBody>
-          <a:bodyPr lIns="91425" tIns="91425" rIns="91425" bIns="91425" anchor="ctr" anchorCtr="0">
-            <a:noAutofit/>
-          </a:bodyPr>
-          <a:lstStyle/>
-          <a:p>
-            <a:pPr algn="ctr">
-              <a:spcBef>
-                <a:spcPts val="0"/>
-              </a:spcBef>
-              <a:buNone/>
-            </a:pPr>
-            <a:r>
-              <a:rPr lang="en" sz="2400">
-                <a:latin typeface="Roboto Light"/>
-                <a:cs typeface="Roboto Light"/>
-              </a:rPr>
-              <a:t>AFL</a:t>
-            </a:r>
-          </a:p>
-        </p:txBody>
-      </p:sp>
-      <p:sp>
-        <p:nvSpPr>
-          <p:cNvPr id="304" name="Shape 304"/>
-          <p:cNvSpPr/>
-          <p:nvPr/>
-        </p:nvSpPr>
-        <p:spPr>
-          <a:xfrm>
-            <a:off x="3589850" y="3390901"/>
-            <a:ext cx="1227600" cy="565199"/>
-          </a:xfrm>
-          <a:prstGeom prst="roundRect">
-            <a:avLst>
-              <a:gd name="adj" fmla="val 16667"/>
-            </a:avLst>
-          </a:prstGeom>
-          <a:noFill/>
-          <a:ln w="19050" cap="flat" cmpd="sng">
-            <a:solidFill>
-              <a:srgbClr val="6AA84F"/>
-            </a:solidFill>
-            <a:prstDash val="solid"/>
-            <a:round/>
-            <a:headEnd type="none" w="med" len="med"/>
-            <a:tailEnd type="none" w="med" len="med"/>
-          </a:ln>
-        </p:spPr>
-        <p:txBody>
-          <a:bodyPr lIns="91425" tIns="91425" rIns="91425" bIns="91425" anchor="ctr" anchorCtr="0">
-            <a:noAutofit/>
-          </a:bodyPr>
-          <a:lstStyle/>
-          <a:p>
-            <a:pPr lvl="0" algn="ctr" rtl="0">
-              <a:spcBef>
-                <a:spcPts val="0"/>
-              </a:spcBef>
-              <a:buNone/>
-            </a:pPr>
-            <a:r>
-              <a:rPr lang="en" sz="2400">
-                <a:latin typeface="Roboto Light"/>
-                <a:cs typeface="Roboto Light"/>
-              </a:rPr>
-              <a:t>angr</a:t>
-            </a:r>
-          </a:p>
-        </p:txBody>
-      </p:sp>
-      <p:cxnSp>
-        <p:nvCxnSpPr>
-          <p:cNvPr id="305" name="Shape 305"/>
-          <p:cNvCxnSpPr>
-            <a:stCxn id="303" idx="1"/>
-            <a:endCxn id="304" idx="1"/>
-          </p:cNvCxnSpPr>
-          <p:nvPr/>
-        </p:nvCxnSpPr>
-        <p:spPr>
-          <a:xfrm>
-            <a:off x="3589850" y="2581293"/>
-            <a:ext cx="600" cy="1092150"/>
-          </a:xfrm>
-          <a:prstGeom prst="curvedConnector3">
-            <a:avLst>
-              <a:gd name="adj1" fmla="val -39687500"/>
-            </a:avLst>
-          </a:prstGeom>
-          <a:noFill/>
-          <a:ln w="28575" cap="flat" cmpd="sng">
-            <a:solidFill>
-              <a:srgbClr val="000000"/>
-            </a:solidFill>
-            <a:prstDash val="solid"/>
-            <a:round/>
-            <a:headEnd type="none" w="lg" len="lg"/>
-            <a:tailEnd type="triangle" w="lg" len="lg"/>
-          </a:ln>
-        </p:spPr>
-      </p:cxnSp>
-      <p:cxnSp>
-        <p:nvCxnSpPr>
-          <p:cNvPr id="306" name="Shape 306"/>
-          <p:cNvCxnSpPr>
-            <a:stCxn id="303" idx="3"/>
-            <a:endCxn id="304" idx="3"/>
-          </p:cNvCxnSpPr>
-          <p:nvPr/>
-        </p:nvCxnSpPr>
-        <p:spPr>
-          <a:xfrm>
-            <a:off x="4817450" y="2581293"/>
-            <a:ext cx="600" cy="1092150"/>
-          </a:xfrm>
-          <a:prstGeom prst="curvedConnector3">
-            <a:avLst>
-              <a:gd name="adj1" fmla="val 39687500"/>
-            </a:avLst>
-          </a:prstGeom>
-          <a:noFill/>
-          <a:ln w="28575" cap="flat" cmpd="sng">
-            <a:solidFill>
-              <a:srgbClr val="000000"/>
-            </a:solidFill>
-            <a:prstDash val="solid"/>
-            <a:round/>
-            <a:headEnd type="triangle" w="lg" len="lg"/>
-            <a:tailEnd type="none" w="lg" len="lg"/>
-          </a:ln>
-        </p:spPr>
-      </p:cxnSp>
-      <p:sp>
-        <p:nvSpPr>
-          <p:cNvPr id="307" name="Shape 307"/>
-          <p:cNvSpPr txBox="1"/>
-          <p:nvPr/>
-        </p:nvSpPr>
-        <p:spPr>
-          <a:xfrm>
-            <a:off x="1193801" y="2844807"/>
-            <a:ext cx="2396099" cy="457199"/>
-          </a:xfrm>
-          <a:prstGeom prst="rect">
-            <a:avLst/>
-          </a:prstGeom>
-          <a:noFill/>
-          <a:ln>
-            <a:noFill/>
-          </a:ln>
-        </p:spPr>
-        <p:txBody>
-          <a:bodyPr lIns="91425" tIns="91425" rIns="91425" bIns="91425" anchor="t" anchorCtr="0">
-            <a:noAutofit/>
-          </a:bodyPr>
-          <a:lstStyle/>
-          <a:p>
-            <a:pPr>
-              <a:spcBef>
-                <a:spcPts val="0"/>
-              </a:spcBef>
-              <a:buNone/>
-            </a:pPr>
-            <a:r>
-              <a:rPr lang="en" dirty="0">
-                <a:latin typeface="Roboto Light"/>
-                <a:cs typeface="Roboto Light"/>
-              </a:rPr>
-              <a:t>paths discovered through random mutation</a:t>
-            </a:r>
-          </a:p>
-        </p:txBody>
-      </p:sp>
-      <p:sp>
-        <p:nvSpPr>
-          <p:cNvPr id="308" name="Shape 308"/>
-          <p:cNvSpPr txBox="1"/>
-          <p:nvPr/>
-        </p:nvSpPr>
-        <p:spPr>
-          <a:xfrm>
-            <a:off x="5206926" y="2844807"/>
-            <a:ext cx="2396099" cy="457199"/>
-          </a:xfrm>
-          <a:prstGeom prst="rect">
-            <a:avLst/>
-          </a:prstGeom>
-          <a:noFill/>
-          <a:ln>
-            <a:noFill/>
-          </a:ln>
-        </p:spPr>
-        <p:txBody>
-          <a:bodyPr lIns="91425" tIns="91425" rIns="91425" bIns="91425" anchor="t" anchorCtr="0">
-            <a:noAutofit/>
-          </a:bodyPr>
-          <a:lstStyle/>
-          <a:p>
-            <a:pPr lvl="0" rtl="0">
-              <a:spcBef>
-                <a:spcPts val="0"/>
-              </a:spcBef>
-              <a:buNone/>
-            </a:pPr>
-            <a:r>
-              <a:rPr lang="en">
-                <a:latin typeface="Roboto Light"/>
-                <a:cs typeface="Roboto Light"/>
-              </a:rPr>
-              <a:t>paths discovered through symbolic execution</a:t>
-            </a:r>
+          <a:bodyPr/>
+          <a:lstStyle/>
+          <a:p>
+            <a:r>
+              <a:rPr lang="en-US" dirty="0"/>
+              <a:t>Dynamic analyses excel at producing general input</a:t>
+            </a:r>
+          </a:p>
+          <a:p>
+            <a:r>
+              <a:rPr lang="en-US" dirty="0"/>
+              <a:t>Symbolic execution is able to satisfy complex path predicates for specific input</a:t>
+            </a:r>
+          </a:p>
+          <a:p>
+            <a:r>
+              <a:rPr lang="en-US" dirty="0"/>
+              <a:t>Key insight: Combine both techniques to leverage their strengths and mitigate their weaknesses</a:t>
+            </a:r>
+          </a:p>
+          <a:p>
+            <a:endParaRPr lang="en-US" dirty="0"/>
           </a:p>
         </p:txBody>
       </p:sp>
     </p:spTree>
     <p:extLst>
       <p:ext uri="{BB962C8B-B14F-4D97-AF65-F5344CB8AC3E}">
-        <p14:creationId xmlns:p14="http://schemas.microsoft.com/office/powerpoint/2010/main" val="4248311138"/>
+        <p14:creationId xmlns:p14="http://schemas.microsoft.com/office/powerpoint/2010/main" val="2927987726"/>
       </p:ext>
     </p:extLst>
   </p:cSld>
@@ -28447,6 +27036,1714 @@
 </file>
 
 <file path=ppt/slides/slide50.xml><?xml version="1.0" encoding="utf-8"?>
+<p:sld xmlns:a="http://schemas.openxmlformats.org/drawingml/2006/main" xmlns:r="http://schemas.openxmlformats.org/officeDocument/2006/relationships" xmlns:p="http://schemas.openxmlformats.org/presentationml/2006/main" show="0">
+  <p:cSld>
+    <p:spTree>
+      <p:nvGrpSpPr>
+        <p:cNvPr id="1" name=""/>
+        <p:cNvGrpSpPr/>
+        <p:nvPr/>
+      </p:nvGrpSpPr>
+      <p:grpSpPr>
+        <a:xfrm>
+          <a:off x="0" y="0"/>
+          <a:ext cx="0" cy="0"/>
+          <a:chOff x="0" y="0"/>
+          <a:chExt cx="0" cy="0"/>
+        </a:xfrm>
+      </p:grpSpPr>
+      <p:sp>
+        <p:nvSpPr>
+          <p:cNvPr id="275" name="Shape 275"/>
+          <p:cNvSpPr/>
+          <p:nvPr/>
+        </p:nvSpPr>
+        <p:spPr>
+          <a:xfrm>
+            <a:off x="1448260" y="231229"/>
+            <a:ext cx="6247481" cy="4681044"/>
+          </a:xfrm>
+          <a:prstGeom prst="rect">
+            <a:avLst/>
+          </a:prstGeom>
+          <a:ln w="12700">
+            <a:miter lim="400000"/>
+          </a:ln>
+          <a:extLst>
+            <a:ext uri="{C572A759-6A51-4108-AA02-DFA0A04FC94B}">
+              <ma14:wrappingTextBoxFlag xmlns:ma14="http://schemas.microsoft.com/office/mac/drawingml/2011/main" xmlns="" val="1"/>
+            </a:ext>
+          </a:extLst>
+        </p:spPr>
+        <p:txBody>
+          <a:bodyPr lIns="31887" tIns="31887" rIns="31887" bIns="31887" anchor="ctr">
+            <a:spAutoFit/>
+          </a:bodyPr>
+          <a:lstStyle/>
+          <a:p>
+            <a:pPr defTabSz="286984">
+              <a:tabLst>
+                <a:tab pos="223210" algn="l"/>
+                <a:tab pos="446420" algn="l"/>
+                <a:tab pos="669630" algn="l"/>
+                <a:tab pos="892840" algn="l"/>
+                <a:tab pos="1116051" algn="l"/>
+                <a:tab pos="1339261" algn="l"/>
+                <a:tab pos="1562471" algn="l"/>
+                <a:tab pos="1785681" algn="l"/>
+                <a:tab pos="2008891" algn="l"/>
+                <a:tab pos="2232101" algn="l"/>
+                <a:tab pos="2455311" algn="l"/>
+                <a:tab pos="2678521" algn="l"/>
+              </a:tabLst>
+              <a:defRPr sz="2200">
+                <a:solidFill>
+                  <a:srgbClr val="34BD26"/>
+                </a:solidFill>
+                <a:latin typeface="Menlo"/>
+                <a:ea typeface="Menlo"/>
+                <a:cs typeface="Menlo"/>
+                <a:sym typeface="Menlo"/>
+              </a:defRPr>
+            </a:pPr>
+            <a:r>
+              <a:rPr sz="1200" dirty="0">
+                <a:solidFill>
+                  <a:srgbClr val="34BBC7"/>
+                </a:solidFill>
+                <a:latin typeface="Hack"/>
+                <a:cs typeface="Hack"/>
+              </a:rPr>
+              <a:t>int</a:t>
+            </a:r>
+            <a:r>
+              <a:rPr sz="1200" dirty="0">
+                <a:solidFill>
+                  <a:srgbClr val="000000"/>
+                </a:solidFill>
+                <a:latin typeface="Hack"/>
+                <a:cs typeface="Hack"/>
+              </a:rPr>
+              <a:t> </a:t>
+            </a:r>
+            <a:r>
+              <a:rPr sz="1200" dirty="0">
+                <a:latin typeface="Hack"/>
+                <a:cs typeface="Hack"/>
+              </a:rPr>
+              <a:t>main</a:t>
+            </a:r>
+            <a:r>
+              <a:rPr sz="1200" dirty="0">
+                <a:solidFill>
+                  <a:srgbClr val="000000"/>
+                </a:solidFill>
+                <a:latin typeface="Hack"/>
+                <a:cs typeface="Hack"/>
+              </a:rPr>
+              <a:t>(</a:t>
+            </a:r>
+            <a:r>
+              <a:rPr sz="1200" dirty="0">
+                <a:solidFill>
+                  <a:srgbClr val="34BBC7"/>
+                </a:solidFill>
+                <a:latin typeface="Hack"/>
+                <a:cs typeface="Hack"/>
+              </a:rPr>
+              <a:t>void</a:t>
+            </a:r>
+            <a:r>
+              <a:rPr sz="1200" dirty="0">
+                <a:solidFill>
+                  <a:srgbClr val="000000"/>
+                </a:solidFill>
+                <a:latin typeface="Hack"/>
+                <a:cs typeface="Hack"/>
+              </a:rPr>
+              <a:t>) {</a:t>
+            </a:r>
+          </a:p>
+          <a:p>
+            <a:pPr defTabSz="286984">
+              <a:tabLst>
+                <a:tab pos="223210" algn="l"/>
+                <a:tab pos="446420" algn="l"/>
+                <a:tab pos="669630" algn="l"/>
+                <a:tab pos="892840" algn="l"/>
+                <a:tab pos="1116051" algn="l"/>
+                <a:tab pos="1339261" algn="l"/>
+                <a:tab pos="1562471" algn="l"/>
+                <a:tab pos="1785681" algn="l"/>
+                <a:tab pos="2008891" algn="l"/>
+                <a:tab pos="2232101" algn="l"/>
+                <a:tab pos="2455311" algn="l"/>
+                <a:tab pos="2678521" algn="l"/>
+              </a:tabLst>
+              <a:defRPr sz="2200">
+                <a:latin typeface="Menlo"/>
+                <a:ea typeface="Menlo"/>
+                <a:cs typeface="Menlo"/>
+                <a:sym typeface="Menlo"/>
+              </a:defRPr>
+            </a:pPr>
+            <a:r>
+              <a:rPr sz="1200" dirty="0">
+                <a:latin typeface="Hack"/>
+                <a:cs typeface="Hack"/>
+              </a:rPr>
+              <a:t>    </a:t>
+            </a:r>
+            <a:r>
+              <a:rPr sz="1200" dirty="0">
+                <a:solidFill>
+                  <a:srgbClr val="34BBC7"/>
+                </a:solidFill>
+                <a:latin typeface="Hack"/>
+                <a:cs typeface="Hack"/>
+              </a:rPr>
+              <a:t>config_t</a:t>
+            </a:r>
+            <a:r>
+              <a:rPr sz="1200" dirty="0">
+                <a:latin typeface="Hack"/>
+                <a:cs typeface="Hack"/>
+              </a:rPr>
+              <a:t> *config = read_config();</a:t>
+            </a:r>
+          </a:p>
+          <a:p>
+            <a:pPr defTabSz="286984">
+              <a:tabLst>
+                <a:tab pos="223210" algn="l"/>
+                <a:tab pos="446420" algn="l"/>
+                <a:tab pos="669630" algn="l"/>
+                <a:tab pos="892840" algn="l"/>
+                <a:tab pos="1116051" algn="l"/>
+                <a:tab pos="1339261" algn="l"/>
+                <a:tab pos="1562471" algn="l"/>
+                <a:tab pos="1785681" algn="l"/>
+                <a:tab pos="2008891" algn="l"/>
+                <a:tab pos="2232101" algn="l"/>
+                <a:tab pos="2455311" algn="l"/>
+                <a:tab pos="2678521" algn="l"/>
+              </a:tabLst>
+              <a:defRPr sz="2200">
+                <a:latin typeface="Menlo"/>
+                <a:ea typeface="Menlo"/>
+                <a:cs typeface="Menlo"/>
+                <a:sym typeface="Menlo"/>
+              </a:defRPr>
+            </a:pPr>
+            <a:r>
+              <a:rPr sz="1200" dirty="0">
+                <a:latin typeface="Hack"/>
+                <a:cs typeface="Hack"/>
+              </a:rPr>
+              <a:t>    </a:t>
+            </a:r>
+            <a:r>
+              <a:rPr sz="1200" dirty="0">
+                <a:solidFill>
+                  <a:srgbClr val="5330E1"/>
+                </a:solidFill>
+                <a:latin typeface="Hack"/>
+                <a:cs typeface="Hack"/>
+              </a:rPr>
+              <a:t>if</a:t>
+            </a:r>
+            <a:r>
+              <a:rPr sz="1200" dirty="0">
+                <a:latin typeface="Hack"/>
+                <a:cs typeface="Hack"/>
+              </a:rPr>
+              <a:t> (config == </a:t>
+            </a:r>
+            <a:r>
+              <a:rPr sz="1200" dirty="0">
+                <a:solidFill>
+                  <a:srgbClr val="34BBC7"/>
+                </a:solidFill>
+                <a:latin typeface="Hack"/>
+                <a:cs typeface="Hack"/>
+              </a:rPr>
+              <a:t>NULL</a:t>
+            </a:r>
+            <a:r>
+              <a:rPr sz="1200" dirty="0">
+                <a:latin typeface="Hack"/>
+                <a:cs typeface="Hack"/>
+              </a:rPr>
+              <a:t>) {</a:t>
+            </a:r>
+          </a:p>
+          <a:p>
+            <a:pPr defTabSz="286984">
+              <a:tabLst>
+                <a:tab pos="223210" algn="l"/>
+                <a:tab pos="446420" algn="l"/>
+                <a:tab pos="669630" algn="l"/>
+                <a:tab pos="892840" algn="l"/>
+                <a:tab pos="1116051" algn="l"/>
+                <a:tab pos="1339261" algn="l"/>
+                <a:tab pos="1562471" algn="l"/>
+                <a:tab pos="1785681" algn="l"/>
+                <a:tab pos="2008891" algn="l"/>
+                <a:tab pos="2232101" algn="l"/>
+                <a:tab pos="2455311" algn="l"/>
+                <a:tab pos="2678521" algn="l"/>
+              </a:tabLst>
+              <a:defRPr sz="2200">
+                <a:solidFill>
+                  <a:srgbClr val="AFAD24"/>
+                </a:solidFill>
+                <a:latin typeface="Menlo"/>
+                <a:ea typeface="Menlo"/>
+                <a:cs typeface="Menlo"/>
+                <a:sym typeface="Menlo"/>
+              </a:defRPr>
+            </a:pPr>
+            <a:r>
+              <a:rPr sz="1200" dirty="0">
+                <a:solidFill>
+                  <a:srgbClr val="000000"/>
+                </a:solidFill>
+                <a:latin typeface="Hack"/>
+                <a:cs typeface="Hack"/>
+              </a:rPr>
+              <a:t>        puts(</a:t>
+            </a:r>
+            <a:r>
+              <a:rPr sz="1200" dirty="0">
+                <a:latin typeface="Hack"/>
+                <a:cs typeface="Hack"/>
+              </a:rPr>
+              <a:t>"Configuration syntax error"</a:t>
+            </a:r>
+            <a:r>
+              <a:rPr sz="1200" dirty="0">
+                <a:solidFill>
+                  <a:srgbClr val="000000"/>
+                </a:solidFill>
+                <a:latin typeface="Hack"/>
+                <a:cs typeface="Hack"/>
+              </a:rPr>
+              <a:t>);</a:t>
+            </a:r>
+          </a:p>
+          <a:p>
+            <a:pPr defTabSz="286984">
+              <a:tabLst>
+                <a:tab pos="223210" algn="l"/>
+                <a:tab pos="446420" algn="l"/>
+                <a:tab pos="669630" algn="l"/>
+                <a:tab pos="892840" algn="l"/>
+                <a:tab pos="1116051" algn="l"/>
+                <a:tab pos="1339261" algn="l"/>
+                <a:tab pos="1562471" algn="l"/>
+                <a:tab pos="1785681" algn="l"/>
+                <a:tab pos="2008891" algn="l"/>
+                <a:tab pos="2232101" algn="l"/>
+                <a:tab pos="2455311" algn="l"/>
+                <a:tab pos="2678521" algn="l"/>
+              </a:tabLst>
+              <a:defRPr sz="2200">
+                <a:latin typeface="Menlo"/>
+                <a:ea typeface="Menlo"/>
+                <a:cs typeface="Menlo"/>
+                <a:sym typeface="Menlo"/>
+              </a:defRPr>
+            </a:pPr>
+            <a:r>
+              <a:rPr sz="1200" dirty="0">
+                <a:latin typeface="Hack"/>
+                <a:cs typeface="Hack"/>
+              </a:rPr>
+              <a:t>        </a:t>
+            </a:r>
+            <a:r>
+              <a:rPr sz="1200" dirty="0">
+                <a:solidFill>
+                  <a:srgbClr val="5330E1"/>
+                </a:solidFill>
+                <a:latin typeface="Hack"/>
+                <a:cs typeface="Hack"/>
+              </a:rPr>
+              <a:t>return</a:t>
+            </a:r>
+            <a:r>
+              <a:rPr sz="1200" dirty="0">
+                <a:latin typeface="Hack"/>
+                <a:cs typeface="Hack"/>
+              </a:rPr>
+              <a:t> </a:t>
+            </a:r>
+            <a:r>
+              <a:rPr sz="1200" dirty="0">
+                <a:solidFill>
+                  <a:srgbClr val="5330E1"/>
+                </a:solidFill>
+                <a:latin typeface="Hack"/>
+                <a:cs typeface="Hack"/>
+              </a:rPr>
+              <a:t>1</a:t>
+            </a:r>
+            <a:r>
+              <a:rPr sz="1200" dirty="0">
+                <a:latin typeface="Hack"/>
+                <a:cs typeface="Hack"/>
+              </a:rPr>
+              <a:t>;</a:t>
+            </a:r>
+          </a:p>
+          <a:p>
+            <a:pPr defTabSz="286984">
+              <a:tabLst>
+                <a:tab pos="223210" algn="l"/>
+                <a:tab pos="446420" algn="l"/>
+                <a:tab pos="669630" algn="l"/>
+                <a:tab pos="892840" algn="l"/>
+                <a:tab pos="1116051" algn="l"/>
+                <a:tab pos="1339261" algn="l"/>
+                <a:tab pos="1562471" algn="l"/>
+                <a:tab pos="1785681" algn="l"/>
+                <a:tab pos="2008891" algn="l"/>
+                <a:tab pos="2232101" algn="l"/>
+                <a:tab pos="2455311" algn="l"/>
+                <a:tab pos="2678521" algn="l"/>
+              </a:tabLst>
+              <a:defRPr sz="2200">
+                <a:latin typeface="Menlo"/>
+                <a:ea typeface="Menlo"/>
+                <a:cs typeface="Menlo"/>
+                <a:sym typeface="Menlo"/>
+              </a:defRPr>
+            </a:pPr>
+            <a:r>
+              <a:rPr sz="1200" dirty="0">
+                <a:latin typeface="Hack"/>
+                <a:cs typeface="Hack"/>
+              </a:rPr>
+              <a:t>    }</a:t>
+            </a:r>
+          </a:p>
+          <a:p>
+            <a:pPr defTabSz="286984">
+              <a:tabLst>
+                <a:tab pos="223210" algn="l"/>
+                <a:tab pos="446420" algn="l"/>
+                <a:tab pos="669630" algn="l"/>
+                <a:tab pos="892840" algn="l"/>
+                <a:tab pos="1116051" algn="l"/>
+                <a:tab pos="1339261" algn="l"/>
+                <a:tab pos="1562471" algn="l"/>
+                <a:tab pos="1785681" algn="l"/>
+                <a:tab pos="2008891" algn="l"/>
+                <a:tab pos="2232101" algn="l"/>
+                <a:tab pos="2455311" algn="l"/>
+                <a:tab pos="2678521" algn="l"/>
+              </a:tabLst>
+              <a:defRPr sz="2200">
+                <a:latin typeface="Menlo"/>
+                <a:ea typeface="Menlo"/>
+                <a:cs typeface="Menlo"/>
+                <a:sym typeface="Menlo"/>
+              </a:defRPr>
+            </a:pPr>
+            <a:endParaRPr sz="1200" dirty="0">
+              <a:latin typeface="Hack"/>
+              <a:cs typeface="Hack"/>
+            </a:endParaRPr>
+          </a:p>
+          <a:p>
+            <a:pPr defTabSz="286984">
+              <a:tabLst>
+                <a:tab pos="223210" algn="l"/>
+                <a:tab pos="446420" algn="l"/>
+                <a:tab pos="669630" algn="l"/>
+                <a:tab pos="892840" algn="l"/>
+                <a:tab pos="1116051" algn="l"/>
+                <a:tab pos="1339261" algn="l"/>
+                <a:tab pos="1562471" algn="l"/>
+                <a:tab pos="1785681" algn="l"/>
+                <a:tab pos="2008891" algn="l"/>
+                <a:tab pos="2232101" algn="l"/>
+                <a:tab pos="2455311" algn="l"/>
+                <a:tab pos="2678521" algn="l"/>
+              </a:tabLst>
+              <a:defRPr sz="2200">
+                <a:uFill>
+                  <a:solidFill>
+                    <a:srgbClr val="C33720"/>
+                  </a:solidFill>
+                </a:uFill>
+                <a:latin typeface="Menlo"/>
+                <a:ea typeface="Menlo"/>
+                <a:cs typeface="Menlo"/>
+                <a:sym typeface="Menlo"/>
+              </a:defRPr>
+            </a:pPr>
+            <a:r>
+              <a:rPr sz="1200" dirty="0">
+                <a:latin typeface="Hack"/>
+                <a:cs typeface="Hack"/>
+              </a:rPr>
+              <a:t>    </a:t>
+            </a:r>
+            <a:r>
+              <a:rPr sz="1200" dirty="0">
+                <a:solidFill>
+                  <a:srgbClr val="5330E1"/>
+                </a:solidFill>
+                <a:latin typeface="Hack"/>
+                <a:cs typeface="Hack"/>
+              </a:rPr>
+              <a:t>if</a:t>
+            </a:r>
+            <a:r>
+              <a:rPr sz="1200" dirty="0">
+                <a:latin typeface="Hack"/>
+                <a:cs typeface="Hack"/>
+              </a:rPr>
+              <a:t> (config-&gt;magic != MAGIC_NUMBER) {</a:t>
+            </a:r>
+          </a:p>
+          <a:p>
+            <a:pPr defTabSz="286984">
+              <a:tabLst>
+                <a:tab pos="223210" algn="l"/>
+                <a:tab pos="446420" algn="l"/>
+                <a:tab pos="669630" algn="l"/>
+                <a:tab pos="892840" algn="l"/>
+                <a:tab pos="1116051" algn="l"/>
+                <a:tab pos="1339261" algn="l"/>
+                <a:tab pos="1562471" algn="l"/>
+                <a:tab pos="1785681" algn="l"/>
+                <a:tab pos="2008891" algn="l"/>
+                <a:tab pos="2232101" algn="l"/>
+                <a:tab pos="2455311" algn="l"/>
+                <a:tab pos="2678521" algn="l"/>
+              </a:tabLst>
+              <a:defRPr sz="2200">
+                <a:solidFill>
+                  <a:srgbClr val="AFAD24"/>
+                </a:solidFill>
+                <a:uFill>
+                  <a:solidFill>
+                    <a:srgbClr val="C33720"/>
+                  </a:solidFill>
+                </a:uFill>
+                <a:latin typeface="Menlo"/>
+                <a:ea typeface="Menlo"/>
+                <a:cs typeface="Menlo"/>
+                <a:sym typeface="Menlo"/>
+              </a:defRPr>
+            </a:pPr>
+            <a:r>
+              <a:rPr sz="1200" dirty="0">
+                <a:solidFill>
+                  <a:srgbClr val="000000"/>
+                </a:solidFill>
+                <a:latin typeface="Hack"/>
+                <a:cs typeface="Hack"/>
+              </a:rPr>
+              <a:t>        puts(</a:t>
+            </a:r>
+            <a:r>
+              <a:rPr sz="1200" dirty="0">
+                <a:latin typeface="Hack"/>
+                <a:cs typeface="Hack"/>
+              </a:rPr>
+              <a:t>"Bad magic number"</a:t>
+            </a:r>
+            <a:r>
+              <a:rPr sz="1200" dirty="0">
+                <a:solidFill>
+                  <a:srgbClr val="000000"/>
+                </a:solidFill>
+                <a:latin typeface="Hack"/>
+                <a:cs typeface="Hack"/>
+              </a:rPr>
+              <a:t>);</a:t>
+            </a:r>
+          </a:p>
+          <a:p>
+            <a:pPr defTabSz="286984">
+              <a:tabLst>
+                <a:tab pos="223210" algn="l"/>
+                <a:tab pos="446420" algn="l"/>
+                <a:tab pos="669630" algn="l"/>
+                <a:tab pos="892840" algn="l"/>
+                <a:tab pos="1116051" algn="l"/>
+                <a:tab pos="1339261" algn="l"/>
+                <a:tab pos="1562471" algn="l"/>
+                <a:tab pos="1785681" algn="l"/>
+                <a:tab pos="2008891" algn="l"/>
+                <a:tab pos="2232101" algn="l"/>
+                <a:tab pos="2455311" algn="l"/>
+                <a:tab pos="2678521" algn="l"/>
+              </a:tabLst>
+              <a:defRPr sz="2200">
+                <a:uFill>
+                  <a:solidFill>
+                    <a:srgbClr val="C33720"/>
+                  </a:solidFill>
+                </a:uFill>
+                <a:latin typeface="Menlo"/>
+                <a:ea typeface="Menlo"/>
+                <a:cs typeface="Menlo"/>
+                <a:sym typeface="Menlo"/>
+              </a:defRPr>
+            </a:pPr>
+            <a:r>
+              <a:rPr sz="1200" dirty="0">
+                <a:latin typeface="Hack"/>
+                <a:cs typeface="Hack"/>
+              </a:rPr>
+              <a:t>        </a:t>
+            </a:r>
+            <a:r>
+              <a:rPr sz="1200" dirty="0">
+                <a:solidFill>
+                  <a:srgbClr val="5330E1"/>
+                </a:solidFill>
+                <a:latin typeface="Hack"/>
+                <a:cs typeface="Hack"/>
+              </a:rPr>
+              <a:t>return</a:t>
+            </a:r>
+            <a:r>
+              <a:rPr sz="1200" dirty="0">
+                <a:latin typeface="Hack"/>
+                <a:cs typeface="Hack"/>
+              </a:rPr>
+              <a:t> </a:t>
+            </a:r>
+            <a:r>
+              <a:rPr sz="1200" dirty="0">
+                <a:solidFill>
+                  <a:srgbClr val="5330E1"/>
+                </a:solidFill>
+                <a:latin typeface="Hack"/>
+                <a:cs typeface="Hack"/>
+              </a:rPr>
+              <a:t>2</a:t>
+            </a:r>
+            <a:r>
+              <a:rPr sz="1200" dirty="0">
+                <a:latin typeface="Hack"/>
+                <a:cs typeface="Hack"/>
+              </a:rPr>
+              <a:t>;</a:t>
+            </a:r>
+          </a:p>
+          <a:p>
+            <a:pPr defTabSz="286984">
+              <a:tabLst>
+                <a:tab pos="223210" algn="l"/>
+                <a:tab pos="446420" algn="l"/>
+                <a:tab pos="669630" algn="l"/>
+                <a:tab pos="892840" algn="l"/>
+                <a:tab pos="1116051" algn="l"/>
+                <a:tab pos="1339261" algn="l"/>
+                <a:tab pos="1562471" algn="l"/>
+                <a:tab pos="1785681" algn="l"/>
+                <a:tab pos="2008891" algn="l"/>
+                <a:tab pos="2232101" algn="l"/>
+                <a:tab pos="2455311" algn="l"/>
+                <a:tab pos="2678521" algn="l"/>
+              </a:tabLst>
+              <a:defRPr sz="2200">
+                <a:uFill>
+                  <a:solidFill>
+                    <a:srgbClr val="C33720"/>
+                  </a:solidFill>
+                </a:uFill>
+                <a:latin typeface="Menlo"/>
+                <a:ea typeface="Menlo"/>
+                <a:cs typeface="Menlo"/>
+                <a:sym typeface="Menlo"/>
+              </a:defRPr>
+            </a:pPr>
+            <a:r>
+              <a:rPr sz="1200" dirty="0">
+                <a:latin typeface="Hack"/>
+                <a:cs typeface="Hack"/>
+              </a:rPr>
+              <a:t>    }</a:t>
+            </a:r>
+          </a:p>
+          <a:p>
+            <a:pPr defTabSz="286984">
+              <a:tabLst>
+                <a:tab pos="223210" algn="l"/>
+                <a:tab pos="446420" algn="l"/>
+                <a:tab pos="669630" algn="l"/>
+                <a:tab pos="892840" algn="l"/>
+                <a:tab pos="1116051" algn="l"/>
+                <a:tab pos="1339261" algn="l"/>
+                <a:tab pos="1562471" algn="l"/>
+                <a:tab pos="1785681" algn="l"/>
+                <a:tab pos="2008891" algn="l"/>
+                <a:tab pos="2232101" algn="l"/>
+                <a:tab pos="2455311" algn="l"/>
+                <a:tab pos="2678521" algn="l"/>
+              </a:tabLst>
+              <a:defRPr sz="2200">
+                <a:uFill>
+                  <a:solidFill>
+                    <a:srgbClr val="C33720"/>
+                  </a:solidFill>
+                </a:uFill>
+                <a:latin typeface="Menlo"/>
+                <a:ea typeface="Menlo"/>
+                <a:cs typeface="Menlo"/>
+                <a:sym typeface="Menlo"/>
+              </a:defRPr>
+            </a:pPr>
+            <a:endParaRPr sz="1200" dirty="0">
+              <a:latin typeface="Hack"/>
+              <a:cs typeface="Hack"/>
+            </a:endParaRPr>
+          </a:p>
+          <a:p>
+            <a:pPr defTabSz="286984">
+              <a:tabLst>
+                <a:tab pos="223210" algn="l"/>
+                <a:tab pos="446420" algn="l"/>
+                <a:tab pos="669630" algn="l"/>
+                <a:tab pos="892840" algn="l"/>
+                <a:tab pos="1116051" algn="l"/>
+                <a:tab pos="1339261" algn="l"/>
+                <a:tab pos="1562471" algn="l"/>
+                <a:tab pos="1785681" algn="l"/>
+                <a:tab pos="2008891" algn="l"/>
+                <a:tab pos="2232101" algn="l"/>
+                <a:tab pos="2455311" algn="l"/>
+                <a:tab pos="2678521" algn="l"/>
+              </a:tabLst>
+              <a:defRPr sz="2200">
+                <a:uFill>
+                  <a:solidFill>
+                    <a:srgbClr val="C33720"/>
+                  </a:solidFill>
+                </a:uFill>
+                <a:latin typeface="Menlo"/>
+                <a:ea typeface="Menlo"/>
+                <a:cs typeface="Menlo"/>
+                <a:sym typeface="Menlo"/>
+              </a:defRPr>
+            </a:pPr>
+            <a:r>
+              <a:rPr sz="1200" dirty="0">
+                <a:latin typeface="Hack"/>
+                <a:cs typeface="Hack"/>
+              </a:rPr>
+              <a:t>    initialize(config);</a:t>
+            </a:r>
+          </a:p>
+          <a:p>
+            <a:pPr defTabSz="286984">
+              <a:tabLst>
+                <a:tab pos="223210" algn="l"/>
+                <a:tab pos="446420" algn="l"/>
+                <a:tab pos="669630" algn="l"/>
+                <a:tab pos="892840" algn="l"/>
+                <a:tab pos="1116051" algn="l"/>
+                <a:tab pos="1339261" algn="l"/>
+                <a:tab pos="1562471" algn="l"/>
+                <a:tab pos="1785681" algn="l"/>
+                <a:tab pos="2008891" algn="l"/>
+                <a:tab pos="2232101" algn="l"/>
+                <a:tab pos="2455311" algn="l"/>
+                <a:tab pos="2678521" algn="l"/>
+              </a:tabLst>
+              <a:defRPr sz="2200">
+                <a:uFill>
+                  <a:solidFill>
+                    <a:srgbClr val="C33720"/>
+                  </a:solidFill>
+                </a:uFill>
+                <a:latin typeface="Menlo"/>
+                <a:ea typeface="Menlo"/>
+                <a:cs typeface="Menlo"/>
+                <a:sym typeface="Menlo"/>
+              </a:defRPr>
+            </a:pPr>
+            <a:endParaRPr sz="1200" dirty="0">
+              <a:latin typeface="Hack"/>
+              <a:cs typeface="Hack"/>
+            </a:endParaRPr>
+          </a:p>
+          <a:p>
+            <a:pPr defTabSz="286984">
+              <a:tabLst>
+                <a:tab pos="223210" algn="l"/>
+                <a:tab pos="446420" algn="l"/>
+                <a:tab pos="669630" algn="l"/>
+                <a:tab pos="892840" algn="l"/>
+                <a:tab pos="1116051" algn="l"/>
+                <a:tab pos="1339261" algn="l"/>
+                <a:tab pos="1562471" algn="l"/>
+                <a:tab pos="1785681" algn="l"/>
+                <a:tab pos="2008891" algn="l"/>
+                <a:tab pos="2232101" algn="l"/>
+                <a:tab pos="2455311" algn="l"/>
+                <a:tab pos="2678521" algn="l"/>
+              </a:tabLst>
+              <a:defRPr sz="2200">
+                <a:uFill>
+                  <a:solidFill>
+                    <a:srgbClr val="C33720"/>
+                  </a:solidFill>
+                </a:uFill>
+                <a:latin typeface="Menlo"/>
+                <a:ea typeface="Menlo"/>
+                <a:cs typeface="Menlo"/>
+                <a:sym typeface="Menlo"/>
+              </a:defRPr>
+            </a:pPr>
+            <a:r>
+              <a:rPr sz="1200" dirty="0">
+                <a:latin typeface="Hack"/>
+                <a:cs typeface="Hack"/>
+              </a:rPr>
+              <a:t>    </a:t>
+            </a:r>
+            <a:r>
+              <a:rPr sz="1200" dirty="0">
+                <a:solidFill>
+                  <a:srgbClr val="34BBC7"/>
+                </a:solidFill>
+                <a:latin typeface="Hack"/>
+                <a:cs typeface="Hack"/>
+              </a:rPr>
+              <a:t>char</a:t>
+            </a:r>
+            <a:r>
+              <a:rPr sz="1200" dirty="0">
+                <a:latin typeface="Hack"/>
+                <a:cs typeface="Hack"/>
+              </a:rPr>
+              <a:t> *directive = config-&gt;directives[</a:t>
+            </a:r>
+            <a:r>
+              <a:rPr sz="1200" dirty="0">
+                <a:solidFill>
+                  <a:srgbClr val="5330E1"/>
+                </a:solidFill>
+                <a:latin typeface="Hack"/>
+                <a:cs typeface="Hack"/>
+              </a:rPr>
+              <a:t>0</a:t>
+            </a:r>
+            <a:r>
+              <a:rPr sz="1200" dirty="0">
+                <a:latin typeface="Hack"/>
+                <a:cs typeface="Hack"/>
+              </a:rPr>
+              <a:t>];</a:t>
+            </a:r>
+          </a:p>
+          <a:p>
+            <a:pPr defTabSz="286984">
+              <a:tabLst>
+                <a:tab pos="223210" algn="l"/>
+                <a:tab pos="446420" algn="l"/>
+                <a:tab pos="669630" algn="l"/>
+                <a:tab pos="892840" algn="l"/>
+                <a:tab pos="1116051" algn="l"/>
+                <a:tab pos="1339261" algn="l"/>
+                <a:tab pos="1562471" algn="l"/>
+                <a:tab pos="1785681" algn="l"/>
+                <a:tab pos="2008891" algn="l"/>
+                <a:tab pos="2232101" algn="l"/>
+                <a:tab pos="2455311" algn="l"/>
+                <a:tab pos="2678521" algn="l"/>
+              </a:tabLst>
+              <a:defRPr sz="2200">
+                <a:uFill>
+                  <a:solidFill>
+                    <a:srgbClr val="C33720"/>
+                  </a:solidFill>
+                </a:uFill>
+                <a:latin typeface="Menlo"/>
+                <a:ea typeface="Menlo"/>
+                <a:cs typeface="Menlo"/>
+                <a:sym typeface="Menlo"/>
+              </a:defRPr>
+            </a:pPr>
+            <a:r>
+              <a:rPr sz="1200" dirty="0">
+                <a:latin typeface="Hack"/>
+                <a:cs typeface="Hack"/>
+              </a:rPr>
+              <a:t>    </a:t>
+            </a:r>
+            <a:r>
+              <a:rPr sz="1200" dirty="0">
+                <a:solidFill>
+                  <a:srgbClr val="5330E1"/>
+                </a:solidFill>
+                <a:latin typeface="Hack"/>
+                <a:cs typeface="Hack"/>
+              </a:rPr>
+              <a:t>if</a:t>
+            </a:r>
+            <a:r>
+              <a:rPr sz="1200" dirty="0">
+                <a:latin typeface="Hack"/>
+                <a:cs typeface="Hack"/>
+              </a:rPr>
+              <a:t> (!strcmp(directive, </a:t>
+            </a:r>
+            <a:r>
+              <a:rPr sz="1200" dirty="0">
+                <a:solidFill>
+                  <a:srgbClr val="AFAD24"/>
+                </a:solidFill>
+                <a:latin typeface="Hack"/>
+                <a:cs typeface="Hack"/>
+              </a:rPr>
+              <a:t>"crashstring"</a:t>
+            </a:r>
+            <a:r>
+              <a:rPr sz="1200" dirty="0">
+                <a:latin typeface="Hack"/>
+                <a:cs typeface="Hack"/>
+              </a:rPr>
+              <a:t>)) {</a:t>
+            </a:r>
+          </a:p>
+          <a:p>
+            <a:pPr defTabSz="286984">
+              <a:tabLst>
+                <a:tab pos="223210" algn="l"/>
+                <a:tab pos="446420" algn="l"/>
+                <a:tab pos="669630" algn="l"/>
+                <a:tab pos="892840" algn="l"/>
+                <a:tab pos="1116051" algn="l"/>
+                <a:tab pos="1339261" algn="l"/>
+                <a:tab pos="1562471" algn="l"/>
+                <a:tab pos="1785681" algn="l"/>
+                <a:tab pos="2008891" algn="l"/>
+                <a:tab pos="2232101" algn="l"/>
+                <a:tab pos="2455311" algn="l"/>
+                <a:tab pos="2678521" algn="l"/>
+              </a:tabLst>
+              <a:defRPr sz="2200">
+                <a:uFill>
+                  <a:solidFill>
+                    <a:srgbClr val="C33720"/>
+                  </a:solidFill>
+                </a:uFill>
+                <a:latin typeface="Menlo"/>
+                <a:ea typeface="Menlo"/>
+                <a:cs typeface="Menlo"/>
+                <a:sym typeface="Menlo"/>
+              </a:defRPr>
+            </a:pPr>
+            <a:r>
+              <a:rPr sz="1200" dirty="0">
+                <a:latin typeface="Hack"/>
+                <a:cs typeface="Hack"/>
+              </a:rPr>
+              <a:t>        program_bug();</a:t>
+            </a:r>
+          </a:p>
+          <a:p>
+            <a:pPr defTabSz="286984">
+              <a:tabLst>
+                <a:tab pos="223210" algn="l"/>
+                <a:tab pos="446420" algn="l"/>
+                <a:tab pos="669630" algn="l"/>
+                <a:tab pos="892840" algn="l"/>
+                <a:tab pos="1116051" algn="l"/>
+                <a:tab pos="1339261" algn="l"/>
+                <a:tab pos="1562471" algn="l"/>
+                <a:tab pos="1785681" algn="l"/>
+                <a:tab pos="2008891" algn="l"/>
+                <a:tab pos="2232101" algn="l"/>
+                <a:tab pos="2455311" algn="l"/>
+                <a:tab pos="2678521" algn="l"/>
+              </a:tabLst>
+              <a:defRPr sz="2200">
+                <a:uFill>
+                  <a:solidFill>
+                    <a:srgbClr val="C33720"/>
+                  </a:solidFill>
+                </a:uFill>
+                <a:latin typeface="Menlo"/>
+                <a:ea typeface="Menlo"/>
+                <a:cs typeface="Menlo"/>
+                <a:sym typeface="Menlo"/>
+              </a:defRPr>
+            </a:pPr>
+            <a:r>
+              <a:rPr sz="1200" dirty="0">
+                <a:latin typeface="Hack"/>
+                <a:cs typeface="Hack"/>
+              </a:rPr>
+              <a:t>    } </a:t>
+            </a:r>
+            <a:r>
+              <a:rPr sz="1200" dirty="0">
+                <a:solidFill>
+                  <a:srgbClr val="5330E1"/>
+                </a:solidFill>
+                <a:latin typeface="Hack"/>
+                <a:cs typeface="Hack"/>
+              </a:rPr>
+              <a:t>else</a:t>
+            </a:r>
+            <a:r>
+              <a:rPr sz="1200" dirty="0">
+                <a:latin typeface="Hack"/>
+                <a:cs typeface="Hack"/>
+              </a:rPr>
+              <a:t> </a:t>
+            </a:r>
+            <a:r>
+              <a:rPr sz="1200" dirty="0">
+                <a:solidFill>
+                  <a:srgbClr val="5330E1"/>
+                </a:solidFill>
+                <a:latin typeface="Hack"/>
+                <a:cs typeface="Hack"/>
+              </a:rPr>
+              <a:t>if</a:t>
+            </a:r>
+            <a:r>
+              <a:rPr sz="1200" dirty="0">
+                <a:latin typeface="Hack"/>
+                <a:cs typeface="Hack"/>
+              </a:rPr>
+              <a:t> (!strcmp(directive, </a:t>
+            </a:r>
+            <a:r>
+              <a:rPr sz="1200" dirty="0">
+                <a:solidFill>
+                  <a:srgbClr val="AFAD24"/>
+                </a:solidFill>
+                <a:latin typeface="Hack"/>
+                <a:cs typeface="Hack"/>
+              </a:rPr>
+              <a:t>"set_option"</a:t>
+            </a:r>
+            <a:r>
+              <a:rPr sz="1200" dirty="0">
+                <a:latin typeface="Hack"/>
+                <a:cs typeface="Hack"/>
+              </a:rPr>
+              <a:t>)) {</a:t>
+            </a:r>
+          </a:p>
+          <a:p>
+            <a:pPr defTabSz="286984">
+              <a:tabLst>
+                <a:tab pos="223210" algn="l"/>
+                <a:tab pos="446420" algn="l"/>
+                <a:tab pos="669630" algn="l"/>
+                <a:tab pos="892840" algn="l"/>
+                <a:tab pos="1116051" algn="l"/>
+                <a:tab pos="1339261" algn="l"/>
+                <a:tab pos="1562471" algn="l"/>
+                <a:tab pos="1785681" algn="l"/>
+                <a:tab pos="2008891" algn="l"/>
+                <a:tab pos="2232101" algn="l"/>
+                <a:tab pos="2455311" algn="l"/>
+                <a:tab pos="2678521" algn="l"/>
+              </a:tabLst>
+              <a:defRPr sz="2200">
+                <a:uFill>
+                  <a:solidFill>
+                    <a:srgbClr val="C33720"/>
+                  </a:solidFill>
+                </a:uFill>
+                <a:latin typeface="Menlo"/>
+                <a:ea typeface="Menlo"/>
+                <a:cs typeface="Menlo"/>
+                <a:sym typeface="Menlo"/>
+              </a:defRPr>
+            </a:pPr>
+            <a:r>
+              <a:rPr sz="1200" dirty="0">
+                <a:latin typeface="Hack"/>
+                <a:cs typeface="Hack"/>
+              </a:rPr>
+              <a:t>        set_option(config-&gt;directives[</a:t>
+            </a:r>
+            <a:r>
+              <a:rPr sz="1200" dirty="0">
+                <a:solidFill>
+                  <a:srgbClr val="5330E1"/>
+                </a:solidFill>
+                <a:latin typeface="Hack"/>
+                <a:cs typeface="Hack"/>
+              </a:rPr>
+              <a:t>1</a:t>
+            </a:r>
+            <a:r>
+              <a:rPr sz="1200" dirty="0">
+                <a:latin typeface="Hack"/>
+                <a:cs typeface="Hack"/>
+              </a:rPr>
+              <a:t>]);</a:t>
+            </a:r>
+          </a:p>
+          <a:p>
+            <a:pPr defTabSz="286984">
+              <a:tabLst>
+                <a:tab pos="223210" algn="l"/>
+                <a:tab pos="446420" algn="l"/>
+                <a:tab pos="669630" algn="l"/>
+                <a:tab pos="892840" algn="l"/>
+                <a:tab pos="1116051" algn="l"/>
+                <a:tab pos="1339261" algn="l"/>
+                <a:tab pos="1562471" algn="l"/>
+                <a:tab pos="1785681" algn="l"/>
+                <a:tab pos="2008891" algn="l"/>
+                <a:tab pos="2232101" algn="l"/>
+                <a:tab pos="2455311" algn="l"/>
+                <a:tab pos="2678521" algn="l"/>
+              </a:tabLst>
+              <a:defRPr sz="2200">
+                <a:uFill>
+                  <a:solidFill>
+                    <a:srgbClr val="C33720"/>
+                  </a:solidFill>
+                </a:uFill>
+                <a:latin typeface="Menlo"/>
+                <a:ea typeface="Menlo"/>
+                <a:cs typeface="Menlo"/>
+                <a:sym typeface="Menlo"/>
+              </a:defRPr>
+            </a:pPr>
+            <a:r>
+              <a:rPr sz="1200" dirty="0">
+                <a:latin typeface="Hack"/>
+                <a:cs typeface="Hack"/>
+              </a:rPr>
+              <a:t>    } </a:t>
+            </a:r>
+            <a:r>
+              <a:rPr sz="1200" dirty="0">
+                <a:solidFill>
+                  <a:srgbClr val="5330E1"/>
+                </a:solidFill>
+                <a:latin typeface="Hack"/>
+                <a:cs typeface="Hack"/>
+              </a:rPr>
+              <a:t>else</a:t>
+            </a:r>
+            <a:r>
+              <a:rPr sz="1200" dirty="0">
+                <a:latin typeface="Hack"/>
+                <a:cs typeface="Hack"/>
+              </a:rPr>
+              <a:t> {</a:t>
+            </a:r>
+          </a:p>
+          <a:p>
+            <a:pPr defTabSz="286984">
+              <a:tabLst>
+                <a:tab pos="223210" algn="l"/>
+                <a:tab pos="446420" algn="l"/>
+                <a:tab pos="669630" algn="l"/>
+                <a:tab pos="892840" algn="l"/>
+                <a:tab pos="1116051" algn="l"/>
+                <a:tab pos="1339261" algn="l"/>
+                <a:tab pos="1562471" algn="l"/>
+                <a:tab pos="1785681" algn="l"/>
+                <a:tab pos="2008891" algn="l"/>
+                <a:tab pos="2232101" algn="l"/>
+                <a:tab pos="2455311" algn="l"/>
+                <a:tab pos="2678521" algn="l"/>
+              </a:tabLst>
+              <a:defRPr sz="2200">
+                <a:uFill>
+                  <a:solidFill>
+                    <a:srgbClr val="C33720"/>
+                  </a:solidFill>
+                </a:uFill>
+                <a:latin typeface="Menlo"/>
+                <a:ea typeface="Menlo"/>
+                <a:cs typeface="Menlo"/>
+                <a:sym typeface="Menlo"/>
+              </a:defRPr>
+            </a:pPr>
+            <a:r>
+              <a:rPr sz="1200" dirty="0">
+                <a:latin typeface="Hack"/>
+                <a:cs typeface="Hack"/>
+              </a:rPr>
+              <a:t>        do_default();</a:t>
+            </a:r>
+          </a:p>
+          <a:p>
+            <a:pPr defTabSz="286984">
+              <a:tabLst>
+                <a:tab pos="223210" algn="l"/>
+                <a:tab pos="446420" algn="l"/>
+                <a:tab pos="669630" algn="l"/>
+                <a:tab pos="892840" algn="l"/>
+                <a:tab pos="1116051" algn="l"/>
+                <a:tab pos="1339261" algn="l"/>
+                <a:tab pos="1562471" algn="l"/>
+                <a:tab pos="1785681" algn="l"/>
+                <a:tab pos="2008891" algn="l"/>
+                <a:tab pos="2232101" algn="l"/>
+                <a:tab pos="2455311" algn="l"/>
+                <a:tab pos="2678521" algn="l"/>
+              </a:tabLst>
+              <a:defRPr sz="2200">
+                <a:uFill>
+                  <a:solidFill>
+                    <a:srgbClr val="C33720"/>
+                  </a:solidFill>
+                </a:uFill>
+                <a:latin typeface="Menlo"/>
+                <a:ea typeface="Menlo"/>
+                <a:cs typeface="Menlo"/>
+                <a:sym typeface="Menlo"/>
+              </a:defRPr>
+            </a:pPr>
+            <a:r>
+              <a:rPr sz="1200" dirty="0">
+                <a:latin typeface="Hack"/>
+                <a:cs typeface="Hack"/>
+              </a:rPr>
+              <a:t>    }</a:t>
+            </a:r>
+          </a:p>
+          <a:p>
+            <a:pPr defTabSz="286984">
+              <a:tabLst>
+                <a:tab pos="223210" algn="l"/>
+                <a:tab pos="446420" algn="l"/>
+                <a:tab pos="669630" algn="l"/>
+                <a:tab pos="892840" algn="l"/>
+                <a:tab pos="1116051" algn="l"/>
+                <a:tab pos="1339261" algn="l"/>
+                <a:tab pos="1562471" algn="l"/>
+                <a:tab pos="1785681" algn="l"/>
+                <a:tab pos="2008891" algn="l"/>
+                <a:tab pos="2232101" algn="l"/>
+                <a:tab pos="2455311" algn="l"/>
+                <a:tab pos="2678521" algn="l"/>
+              </a:tabLst>
+              <a:defRPr sz="2200">
+                <a:uFill>
+                  <a:solidFill>
+                    <a:srgbClr val="C33720"/>
+                  </a:solidFill>
+                </a:uFill>
+                <a:latin typeface="Menlo"/>
+                <a:ea typeface="Menlo"/>
+                <a:cs typeface="Menlo"/>
+                <a:sym typeface="Menlo"/>
+              </a:defRPr>
+            </a:pPr>
+            <a:endParaRPr sz="1200" dirty="0">
+              <a:latin typeface="Hack"/>
+              <a:cs typeface="Hack"/>
+            </a:endParaRPr>
+          </a:p>
+          <a:p>
+            <a:pPr defTabSz="286984">
+              <a:tabLst>
+                <a:tab pos="223210" algn="l"/>
+                <a:tab pos="446420" algn="l"/>
+                <a:tab pos="669630" algn="l"/>
+                <a:tab pos="892840" algn="l"/>
+                <a:tab pos="1116051" algn="l"/>
+                <a:tab pos="1339261" algn="l"/>
+                <a:tab pos="1562471" algn="l"/>
+                <a:tab pos="1785681" algn="l"/>
+                <a:tab pos="2008891" algn="l"/>
+                <a:tab pos="2232101" algn="l"/>
+                <a:tab pos="2455311" algn="l"/>
+                <a:tab pos="2678521" algn="l"/>
+              </a:tabLst>
+              <a:defRPr sz="2200">
+                <a:solidFill>
+                  <a:srgbClr val="5330E1"/>
+                </a:solidFill>
+                <a:uFill>
+                  <a:solidFill>
+                    <a:srgbClr val="C33720"/>
+                  </a:solidFill>
+                </a:uFill>
+                <a:latin typeface="Menlo"/>
+                <a:ea typeface="Menlo"/>
+                <a:cs typeface="Menlo"/>
+                <a:sym typeface="Menlo"/>
+              </a:defRPr>
+            </a:pPr>
+            <a:r>
+              <a:rPr sz="1200" dirty="0">
+                <a:solidFill>
+                  <a:srgbClr val="000000"/>
+                </a:solidFill>
+                <a:latin typeface="Hack"/>
+                <a:cs typeface="Hack"/>
+              </a:rPr>
+              <a:t>    </a:t>
+            </a:r>
+            <a:r>
+              <a:rPr sz="1200" dirty="0">
+                <a:latin typeface="Hack"/>
+                <a:cs typeface="Hack"/>
+              </a:rPr>
+              <a:t>return</a:t>
+            </a:r>
+            <a:r>
+              <a:rPr sz="1200" dirty="0">
+                <a:solidFill>
+                  <a:srgbClr val="000000"/>
+                </a:solidFill>
+                <a:latin typeface="Hack"/>
+                <a:cs typeface="Hack"/>
+              </a:rPr>
+              <a:t> </a:t>
+            </a:r>
+            <a:r>
+              <a:rPr sz="1200" dirty="0">
+                <a:latin typeface="Hack"/>
+                <a:cs typeface="Hack"/>
+              </a:rPr>
+              <a:t>0</a:t>
+            </a:r>
+            <a:r>
+              <a:rPr sz="1200" dirty="0">
+                <a:solidFill>
+                  <a:srgbClr val="000000"/>
+                </a:solidFill>
+                <a:latin typeface="Hack"/>
+                <a:cs typeface="Hack"/>
+              </a:rPr>
+              <a:t>;</a:t>
+            </a:r>
+          </a:p>
+          <a:p>
+            <a:pPr defTabSz="286984">
+              <a:tabLst>
+                <a:tab pos="223210" algn="l"/>
+                <a:tab pos="446420" algn="l"/>
+                <a:tab pos="669630" algn="l"/>
+                <a:tab pos="892840" algn="l"/>
+                <a:tab pos="1116051" algn="l"/>
+                <a:tab pos="1339261" algn="l"/>
+                <a:tab pos="1562471" algn="l"/>
+                <a:tab pos="1785681" algn="l"/>
+                <a:tab pos="2008891" algn="l"/>
+                <a:tab pos="2232101" algn="l"/>
+                <a:tab pos="2455311" algn="l"/>
+                <a:tab pos="2678521" algn="l"/>
+              </a:tabLst>
+              <a:defRPr sz="2200">
+                <a:uFill>
+                  <a:solidFill>
+                    <a:srgbClr val="C33720"/>
+                  </a:solidFill>
+                </a:uFill>
+                <a:latin typeface="Menlo"/>
+                <a:ea typeface="Menlo"/>
+                <a:cs typeface="Menlo"/>
+                <a:sym typeface="Menlo"/>
+              </a:defRPr>
+            </a:pPr>
+            <a:r>
+              <a:rPr sz="1200" dirty="0">
+                <a:latin typeface="Hack"/>
+                <a:cs typeface="Hack"/>
+              </a:rPr>
+              <a:t>}</a:t>
+            </a:r>
+          </a:p>
+        </p:txBody>
+      </p:sp>
+    </p:spTree>
+    <p:extLst>
+      <p:ext uri="{BB962C8B-B14F-4D97-AF65-F5344CB8AC3E}">
+        <p14:creationId xmlns:p14="http://schemas.microsoft.com/office/powerpoint/2010/main" val="3028207602"/>
+      </p:ext>
+    </p:extLst>
+  </p:cSld>
+  <p:clrMapOvr>
+    <a:masterClrMapping/>
+  </p:clrMapOvr>
+</p:sld>
+</file>
+
+<file path=ppt/slides/slide51.xml><?xml version="1.0" encoding="utf-8"?>
+<p:sld xmlns:a="http://schemas.openxmlformats.org/drawingml/2006/main" xmlns:r="http://schemas.openxmlformats.org/officeDocument/2006/relationships" xmlns:p="http://schemas.openxmlformats.org/presentationml/2006/main">
+  <p:cSld>
+    <p:spTree>
+      <p:nvGrpSpPr>
+        <p:cNvPr id="1" name="Shape 301"/>
+        <p:cNvGrpSpPr/>
+        <p:nvPr/>
+      </p:nvGrpSpPr>
+      <p:grpSpPr>
+        <a:xfrm>
+          <a:off x="0" y="0"/>
+          <a:ext cx="0" cy="0"/>
+          <a:chOff x="0" y="0"/>
+          <a:chExt cx="0" cy="0"/>
+        </a:xfrm>
+      </p:grpSpPr>
+      <p:sp>
+        <p:nvSpPr>
+          <p:cNvPr id="2" name="Title 1"/>
+          <p:cNvSpPr>
+            <a:spLocks noGrp="1"/>
+          </p:cNvSpPr>
+          <p:nvPr>
+            <p:ph type="title"/>
+          </p:nvPr>
+        </p:nvSpPr>
+        <p:spPr/>
+        <p:txBody>
+          <a:bodyPr>
+            <a:normAutofit fontScale="90000"/>
+          </a:bodyPr>
+          <a:lstStyle/>
+          <a:p>
+            <a:r>
+              <a:rPr lang="en"/>
+              <a:t>Assisting Fuzzing with Symbolic Execution</a:t>
+            </a:r>
+            <a:endParaRPr lang="en-US" dirty="0"/>
+          </a:p>
+        </p:txBody>
+      </p:sp>
+      <p:sp>
+        <p:nvSpPr>
+          <p:cNvPr id="302" name="Shape 302"/>
+          <p:cNvSpPr txBox="1">
+            <a:spLocks noGrp="1"/>
+          </p:cNvSpPr>
+          <p:nvPr>
+            <p:ph idx="1"/>
+          </p:nvPr>
+        </p:nvSpPr>
+        <p:spPr/>
+        <p:txBody>
+          <a:bodyPr>
+            <a:normAutofit fontScale="92500" lnSpcReduction="10000"/>
+          </a:bodyPr>
+          <a:lstStyle/>
+          <a:p>
+            <a:pPr lvl="0"/>
+            <a:r>
+              <a:rPr lang="en" dirty="0"/>
+              <a:t>Monitors AFL checking for stagnant path discovery</a:t>
+            </a:r>
+          </a:p>
+          <a:p>
+            <a:pPr lvl="0"/>
+            <a:r>
+              <a:rPr lang="en" dirty="0"/>
+              <a:t>Discovers new paths by symbolically executing AFL’s path queue</a:t>
+            </a:r>
+          </a:p>
+          <a:p>
+            <a:pPr lvl="0"/>
+            <a:r>
+              <a:rPr lang="en" dirty="0"/>
+              <a:t>Dumps new inputs generated by angr into AFL’s ‘sync’ directory</a:t>
+            </a:r>
+          </a:p>
+          <a:p>
+            <a:endParaRPr lang="en" dirty="0"/>
+          </a:p>
+          <a:p>
+            <a:endParaRPr lang="en" dirty="0"/>
+          </a:p>
+          <a:p>
+            <a:endParaRPr lang="en" dirty="0"/>
+          </a:p>
+          <a:p>
+            <a:endParaRPr lang="en" dirty="0"/>
+          </a:p>
+          <a:p>
+            <a:endParaRPr lang="en" dirty="0"/>
+          </a:p>
+          <a:p>
+            <a:endParaRPr lang="en" dirty="0"/>
+          </a:p>
+          <a:p>
+            <a:endParaRPr lang="en" dirty="0"/>
+          </a:p>
+          <a:p>
+            <a:r>
+              <a:rPr lang="en" dirty="0"/>
+              <a:t>Responsible for ~20% additional vulnerabilities</a:t>
+            </a:r>
+          </a:p>
+          <a:p>
+            <a:pPr lvl="0"/>
+            <a:endParaRPr lang="en" dirty="0"/>
+          </a:p>
+        </p:txBody>
+      </p:sp>
+      <p:sp>
+        <p:nvSpPr>
+          <p:cNvPr id="303" name="Shape 303"/>
+          <p:cNvSpPr/>
+          <p:nvPr/>
+        </p:nvSpPr>
+        <p:spPr>
+          <a:xfrm>
+            <a:off x="3589850" y="2298694"/>
+            <a:ext cx="1227600" cy="565199"/>
+          </a:xfrm>
+          <a:prstGeom prst="roundRect">
+            <a:avLst>
+              <a:gd name="adj" fmla="val 16667"/>
+            </a:avLst>
+          </a:prstGeom>
+          <a:noFill/>
+          <a:ln w="19050" cap="flat" cmpd="sng">
+            <a:solidFill>
+              <a:srgbClr val="1155CC"/>
+            </a:solidFill>
+            <a:prstDash val="solid"/>
+            <a:round/>
+            <a:headEnd type="none" w="med" len="med"/>
+            <a:tailEnd type="none" w="med" len="med"/>
+          </a:ln>
+        </p:spPr>
+        <p:txBody>
+          <a:bodyPr lIns="91425" tIns="91425" rIns="91425" bIns="91425" anchor="ctr" anchorCtr="0">
+            <a:noAutofit/>
+          </a:bodyPr>
+          <a:lstStyle/>
+          <a:p>
+            <a:pPr algn="ctr">
+              <a:spcBef>
+                <a:spcPts val="0"/>
+              </a:spcBef>
+              <a:buNone/>
+            </a:pPr>
+            <a:r>
+              <a:rPr lang="en" sz="2400">
+                <a:latin typeface="Roboto Light"/>
+                <a:cs typeface="Roboto Light"/>
+              </a:rPr>
+              <a:t>AFL</a:t>
+            </a:r>
+          </a:p>
+        </p:txBody>
+      </p:sp>
+      <p:sp>
+        <p:nvSpPr>
+          <p:cNvPr id="304" name="Shape 304"/>
+          <p:cNvSpPr/>
+          <p:nvPr/>
+        </p:nvSpPr>
+        <p:spPr>
+          <a:xfrm>
+            <a:off x="3589850" y="3390901"/>
+            <a:ext cx="1227600" cy="565199"/>
+          </a:xfrm>
+          <a:prstGeom prst="roundRect">
+            <a:avLst>
+              <a:gd name="adj" fmla="val 16667"/>
+            </a:avLst>
+          </a:prstGeom>
+          <a:noFill/>
+          <a:ln w="19050" cap="flat" cmpd="sng">
+            <a:solidFill>
+              <a:srgbClr val="6AA84F"/>
+            </a:solidFill>
+            <a:prstDash val="solid"/>
+            <a:round/>
+            <a:headEnd type="none" w="med" len="med"/>
+            <a:tailEnd type="none" w="med" len="med"/>
+          </a:ln>
+        </p:spPr>
+        <p:txBody>
+          <a:bodyPr lIns="91425" tIns="91425" rIns="91425" bIns="91425" anchor="ctr" anchorCtr="0">
+            <a:noAutofit/>
+          </a:bodyPr>
+          <a:lstStyle/>
+          <a:p>
+            <a:pPr lvl="0" algn="ctr" rtl="0">
+              <a:spcBef>
+                <a:spcPts val="0"/>
+              </a:spcBef>
+              <a:buNone/>
+            </a:pPr>
+            <a:r>
+              <a:rPr lang="en" sz="2400">
+                <a:latin typeface="Roboto Light"/>
+                <a:cs typeface="Roboto Light"/>
+              </a:rPr>
+              <a:t>angr</a:t>
+            </a:r>
+          </a:p>
+        </p:txBody>
+      </p:sp>
+      <p:cxnSp>
+        <p:nvCxnSpPr>
+          <p:cNvPr id="305" name="Shape 305"/>
+          <p:cNvCxnSpPr>
+            <a:stCxn id="303" idx="1"/>
+            <a:endCxn id="304" idx="1"/>
+          </p:cNvCxnSpPr>
+          <p:nvPr/>
+        </p:nvCxnSpPr>
+        <p:spPr>
+          <a:xfrm>
+            <a:off x="3589850" y="2581293"/>
+            <a:ext cx="600" cy="1092150"/>
+          </a:xfrm>
+          <a:prstGeom prst="curvedConnector3">
+            <a:avLst>
+              <a:gd name="adj1" fmla="val -39687500"/>
+            </a:avLst>
+          </a:prstGeom>
+          <a:noFill/>
+          <a:ln w="28575" cap="flat" cmpd="sng">
+            <a:solidFill>
+              <a:srgbClr val="000000"/>
+            </a:solidFill>
+            <a:prstDash val="solid"/>
+            <a:round/>
+            <a:headEnd type="none" w="lg" len="lg"/>
+            <a:tailEnd type="triangle" w="lg" len="lg"/>
+          </a:ln>
+        </p:spPr>
+      </p:cxnSp>
+      <p:cxnSp>
+        <p:nvCxnSpPr>
+          <p:cNvPr id="306" name="Shape 306"/>
+          <p:cNvCxnSpPr>
+            <a:stCxn id="303" idx="3"/>
+            <a:endCxn id="304" idx="3"/>
+          </p:cNvCxnSpPr>
+          <p:nvPr/>
+        </p:nvCxnSpPr>
+        <p:spPr>
+          <a:xfrm>
+            <a:off x="4817450" y="2581293"/>
+            <a:ext cx="600" cy="1092150"/>
+          </a:xfrm>
+          <a:prstGeom prst="curvedConnector3">
+            <a:avLst>
+              <a:gd name="adj1" fmla="val 39687500"/>
+            </a:avLst>
+          </a:prstGeom>
+          <a:noFill/>
+          <a:ln w="28575" cap="flat" cmpd="sng">
+            <a:solidFill>
+              <a:srgbClr val="000000"/>
+            </a:solidFill>
+            <a:prstDash val="solid"/>
+            <a:round/>
+            <a:headEnd type="triangle" w="lg" len="lg"/>
+            <a:tailEnd type="none" w="lg" len="lg"/>
+          </a:ln>
+        </p:spPr>
+      </p:cxnSp>
+      <p:sp>
+        <p:nvSpPr>
+          <p:cNvPr id="307" name="Shape 307"/>
+          <p:cNvSpPr txBox="1"/>
+          <p:nvPr/>
+        </p:nvSpPr>
+        <p:spPr>
+          <a:xfrm>
+            <a:off x="1193801" y="2844807"/>
+            <a:ext cx="2396099" cy="457199"/>
+          </a:xfrm>
+          <a:prstGeom prst="rect">
+            <a:avLst/>
+          </a:prstGeom>
+          <a:noFill/>
+          <a:ln>
+            <a:noFill/>
+          </a:ln>
+        </p:spPr>
+        <p:txBody>
+          <a:bodyPr lIns="91425" tIns="91425" rIns="91425" bIns="91425" anchor="t" anchorCtr="0">
+            <a:noAutofit/>
+          </a:bodyPr>
+          <a:lstStyle/>
+          <a:p>
+            <a:pPr>
+              <a:spcBef>
+                <a:spcPts val="0"/>
+              </a:spcBef>
+              <a:buNone/>
+            </a:pPr>
+            <a:r>
+              <a:rPr lang="en" dirty="0">
+                <a:latin typeface="Roboto Light"/>
+                <a:cs typeface="Roboto Light"/>
+              </a:rPr>
+              <a:t>paths discovered through random mutation</a:t>
+            </a:r>
+          </a:p>
+        </p:txBody>
+      </p:sp>
+      <p:sp>
+        <p:nvSpPr>
+          <p:cNvPr id="308" name="Shape 308"/>
+          <p:cNvSpPr txBox="1"/>
+          <p:nvPr/>
+        </p:nvSpPr>
+        <p:spPr>
+          <a:xfrm>
+            <a:off x="5206926" y="2844807"/>
+            <a:ext cx="2396099" cy="457199"/>
+          </a:xfrm>
+          <a:prstGeom prst="rect">
+            <a:avLst/>
+          </a:prstGeom>
+          <a:noFill/>
+          <a:ln>
+            <a:noFill/>
+          </a:ln>
+        </p:spPr>
+        <p:txBody>
+          <a:bodyPr lIns="91425" tIns="91425" rIns="91425" bIns="91425" anchor="t" anchorCtr="0">
+            <a:noAutofit/>
+          </a:bodyPr>
+          <a:lstStyle/>
+          <a:p>
+            <a:pPr lvl="0" rtl="0">
+              <a:spcBef>
+                <a:spcPts val="0"/>
+              </a:spcBef>
+              <a:buNone/>
+            </a:pPr>
+            <a:r>
+              <a:rPr lang="en">
+                <a:latin typeface="Roboto Light"/>
+                <a:cs typeface="Roboto Light"/>
+              </a:rPr>
+              <a:t>paths discovered through symbolic execution</a:t>
+            </a:r>
+          </a:p>
+        </p:txBody>
+      </p:sp>
+    </p:spTree>
+    <p:extLst>
+      <p:ext uri="{BB962C8B-B14F-4D97-AF65-F5344CB8AC3E}">
+        <p14:creationId xmlns:p14="http://schemas.microsoft.com/office/powerpoint/2010/main" val="4248311138"/>
+      </p:ext>
+    </p:extLst>
+  </p:cSld>
+  <p:clrMapOvr>
+    <a:masterClrMapping/>
+  </p:clrMapOvr>
+</p:sld>
+</file>
+
+<file path=ppt/slides/slide52.xml><?xml version="1.0" encoding="utf-8"?>
 <p:sld xmlns:a="http://schemas.openxmlformats.org/drawingml/2006/main" xmlns:r="http://schemas.openxmlformats.org/officeDocument/2006/relationships" xmlns:p="http://schemas.openxmlformats.org/presentationml/2006/main">
   <p:cSld>
     <p:spTree>
@@ -29306,7 +29603,7 @@
 </p:sld>
 </file>
 
-<file path=ppt/slides/slide51.xml><?xml version="1.0" encoding="utf-8"?>
+<file path=ppt/slides/slide53.xml><?xml version="1.0" encoding="utf-8"?>
 <p:sld xmlns:a="http://schemas.openxmlformats.org/drawingml/2006/main" xmlns:r="http://schemas.openxmlformats.org/officeDocument/2006/relationships" xmlns:p="http://schemas.openxmlformats.org/presentationml/2006/main">
   <p:cSld>
     <p:spTree>
@@ -30332,7 +30629,7 @@
 </p:sld>
 </file>
 
-<file path=ppt/slides/slide52.xml><?xml version="1.0" encoding="utf-8"?>
+<file path=ppt/slides/slide54.xml><?xml version="1.0" encoding="utf-8"?>
 <p:sld xmlns:a="http://schemas.openxmlformats.org/drawingml/2006/main" xmlns:r="http://schemas.openxmlformats.org/officeDocument/2006/relationships" xmlns:p="http://schemas.openxmlformats.org/presentationml/2006/main">
   <p:cSld>
     <p:spTree>
@@ -31481,7 +31778,7 @@
 </p:sld>
 </file>
 
-<file path=ppt/slides/slide53.xml><?xml version="1.0" encoding="utf-8"?>
+<file path=ppt/slides/slide55.xml><?xml version="1.0" encoding="utf-8"?>
 <p:sld xmlns:a="http://schemas.openxmlformats.org/drawingml/2006/main" xmlns:r="http://schemas.openxmlformats.org/officeDocument/2006/relationships" xmlns:p="http://schemas.openxmlformats.org/presentationml/2006/main">
   <p:cSld>
     <p:spTree>
@@ -32718,7 +33015,7 @@
 </p:sld>
 </file>
 
-<file path=ppt/slides/slide54.xml><?xml version="1.0" encoding="utf-8"?>
+<file path=ppt/slides/slide56.xml><?xml version="1.0" encoding="utf-8"?>
 <p:sld xmlns:a="http://schemas.openxmlformats.org/drawingml/2006/main" xmlns:r="http://schemas.openxmlformats.org/officeDocument/2006/relationships" xmlns:p="http://schemas.openxmlformats.org/presentationml/2006/main">
   <p:cSld>
     <p:spTree>
@@ -34037,7 +34334,7 @@
 </p:sld>
 </file>
 
-<file path=ppt/slides/slide55.xml><?xml version="1.0" encoding="utf-8"?>
+<file path=ppt/slides/slide57.xml><?xml version="1.0" encoding="utf-8"?>
 <p:sld xmlns:a="http://schemas.openxmlformats.org/drawingml/2006/main" xmlns:r="http://schemas.openxmlformats.org/officeDocument/2006/relationships" xmlns:p="http://schemas.openxmlformats.org/presentationml/2006/main" show="0">
   <p:cSld>
     <p:spTree>
@@ -34146,7 +34443,7 @@
 </p:sld>
 </file>
 
-<file path=ppt/slides/slide56.xml><?xml version="1.0" encoding="utf-8"?>
+<file path=ppt/slides/slide58.xml><?xml version="1.0" encoding="utf-8"?>
 <p:sld xmlns:a="http://schemas.openxmlformats.org/drawingml/2006/main" xmlns:r="http://schemas.openxmlformats.org/officeDocument/2006/relationships" xmlns:p="http://schemas.openxmlformats.org/presentationml/2006/main" show="0">
   <p:cSld>
     <p:spTree>
@@ -34721,7 +35018,7 @@
 </p:sld>
 </file>
 
-<file path=ppt/slides/slide57.xml><?xml version="1.0" encoding="utf-8"?>
+<file path=ppt/slides/slide59.xml><?xml version="1.0" encoding="utf-8"?>
 <p:sld xmlns:a="http://schemas.openxmlformats.org/drawingml/2006/main" xmlns:r="http://schemas.openxmlformats.org/officeDocument/2006/relationships" xmlns:p="http://schemas.openxmlformats.org/presentationml/2006/main" show="0">
   <p:cSld>
     <p:spTree>
@@ -34800,208 +35097,6 @@
   <p:clrMapOvr>
     <a:masterClrMapping/>
   </p:clrMapOvr>
-</p:sld>
-</file>
-
-<file path=ppt/slides/slide58.xml><?xml version="1.0" encoding="utf-8"?>
-<p:sld xmlns:a="http://schemas.openxmlformats.org/drawingml/2006/main" xmlns:r="http://schemas.openxmlformats.org/officeDocument/2006/relationships" xmlns:p="http://schemas.openxmlformats.org/presentationml/2006/main" show="0">
-  <p:cSld>
-    <p:spTree>
-      <p:nvGrpSpPr>
-        <p:cNvPr id="1" name=""/>
-        <p:cNvGrpSpPr/>
-        <p:nvPr/>
-      </p:nvGrpSpPr>
-      <p:grpSpPr>
-        <a:xfrm>
-          <a:off x="0" y="0"/>
-          <a:ext cx="0" cy="0"/>
-          <a:chOff x="0" y="0"/>
-          <a:chExt cx="0" cy="0"/>
-        </a:xfrm>
-      </p:grpSpPr>
-      <p:sp>
-        <p:nvSpPr>
-          <p:cNvPr id="2" name="Title 1"/>
-          <p:cNvSpPr>
-            <a:spLocks noGrp="1"/>
-          </p:cNvSpPr>
-          <p:nvPr>
-            <p:ph type="title"/>
-          </p:nvPr>
-        </p:nvSpPr>
-        <p:spPr/>
-        <p:txBody>
-          <a:bodyPr/>
-          <a:lstStyle/>
-          <a:p>
-            <a:r>
-              <a:rPr lang="en-US" dirty="0"/>
-              <a:t>Widening </a:t>
-            </a:r>
-            <a:r>
-              <a:rPr lang="en-US"/>
-              <a:t>the Coverage</a:t>
-            </a:r>
-          </a:p>
-        </p:txBody>
-      </p:sp>
-      <p:pic>
-        <p:nvPicPr>
-          <p:cNvPr id="3" name="Picture 2" descr="bb_amplification.png"/>
-          <p:cNvPicPr>
-            <a:picLocks noChangeAspect="1"/>
-          </p:cNvPicPr>
-          <p:nvPr/>
-        </p:nvPicPr>
-        <p:blipFill>
-          <a:blip r:embed="rId2">
-            <a:extLst>
-              <a:ext uri="{28A0092B-C50C-407E-A947-70E740481C1C}">
-                <a14:useLocalDpi xmlns:a14="http://schemas.microsoft.com/office/drawing/2010/main" val="0"/>
-              </a:ext>
-            </a:extLst>
-          </a:blip>
-          <a:stretch>
-            <a:fillRect/>
-          </a:stretch>
-        </p:blipFill>
-        <p:spPr>
-          <a:xfrm>
-            <a:off x="2139488" y="1250960"/>
-            <a:ext cx="5154066" cy="3634708"/>
-          </a:xfrm>
-          <a:prstGeom prst="rect">
-            <a:avLst/>
-          </a:prstGeom>
-        </p:spPr>
-      </p:pic>
-    </p:spTree>
-    <p:extLst>
-      <p:ext uri="{BB962C8B-B14F-4D97-AF65-F5344CB8AC3E}">
-        <p14:creationId xmlns:p14="http://schemas.microsoft.com/office/powerpoint/2010/main" val="2921392090"/>
-      </p:ext>
-    </p:extLst>
-  </p:cSld>
-  <p:clrMapOvr>
-    <a:masterClrMapping/>
-  </p:clrMapOvr>
-</p:sld>
-</file>
-
-<file path=ppt/slides/slide59.xml><?xml version="1.0" encoding="utf-8"?>
-<p:sld xmlns:a="http://schemas.openxmlformats.org/drawingml/2006/main" xmlns:r="http://schemas.openxmlformats.org/officeDocument/2006/relationships" xmlns:p="http://schemas.openxmlformats.org/presentationml/2006/main">
-  <p:cSld>
-    <p:spTree>
-      <p:nvGrpSpPr>
-        <p:cNvPr id="1" name=""/>
-        <p:cNvGrpSpPr/>
-        <p:nvPr/>
-      </p:nvGrpSpPr>
-      <p:grpSpPr>
-        <a:xfrm>
-          <a:off x="0" y="0"/>
-          <a:ext cx="0" cy="0"/>
-          <a:chOff x="0" y="0"/>
-          <a:chExt cx="0" cy="0"/>
-        </a:xfrm>
-      </p:grpSpPr>
-      <p:sp>
-        <p:nvSpPr>
-          <p:cNvPr id="728" name="Shape 728"/>
-          <p:cNvSpPr>
-            <a:spLocks noGrp="1"/>
-          </p:cNvSpPr>
-          <p:nvPr>
-            <p:ph type="title"/>
-          </p:nvPr>
-        </p:nvSpPr>
-        <p:spPr/>
-        <p:txBody>
-          <a:bodyPr/>
-          <a:lstStyle/>
-          <a:p>
-            <a:r>
-              <a:rPr lang="en-US"/>
-              <a:t>Driller</a:t>
-            </a:r>
-          </a:p>
-        </p:txBody>
-      </p:sp>
-      <p:sp>
-        <p:nvSpPr>
-          <p:cNvPr id="729" name="Shape 729"/>
-          <p:cNvSpPr>
-            <a:spLocks noGrp="1"/>
-          </p:cNvSpPr>
-          <p:nvPr>
-            <p:ph type="body" idx="1"/>
-          </p:nvPr>
-        </p:nvSpPr>
-        <p:spPr/>
-        <p:txBody>
-          <a:bodyPr/>
-          <a:lstStyle/>
-          <a:p>
-            <a:r>
-              <a:rPr lang="en-US" dirty="0"/>
-              <a:t>Combining fuzzing and </a:t>
-            </a:r>
-            <a:r>
-              <a:rPr lang="en-US" dirty="0" err="1"/>
-              <a:t>concolic</a:t>
-            </a:r>
-            <a:r>
-              <a:rPr lang="en-US" dirty="0"/>
-              <a:t> execution improves vulnerability discovery over either technique in isolation</a:t>
-            </a:r>
-          </a:p>
-          <a:p>
-            <a:r>
-              <a:rPr lang="en-US" dirty="0"/>
-              <a:t>Selective </a:t>
-            </a:r>
-            <a:r>
-              <a:rPr lang="en-US" dirty="0" err="1"/>
-              <a:t>concolic</a:t>
-            </a:r>
-            <a:r>
-              <a:rPr lang="en-US" dirty="0"/>
-              <a:t> execution allows fuzzing to efficiently explore otherwise unreachable program compartments</a:t>
-            </a:r>
-          </a:p>
-          <a:p>
-            <a:r>
-              <a:rPr lang="en-US" dirty="0"/>
-              <a:t>Evaluated over DARPA CGC qualifier data set, discovering 77 crash bugs vs. 68 via fuzzing</a:t>
-            </a:r>
-          </a:p>
-          <a:p>
-            <a:r>
-              <a:rPr lang="en-US" dirty="0"/>
-              <a:t>Published at NDSS 2016</a:t>
-            </a:r>
-          </a:p>
-        </p:txBody>
-      </p:sp>
-    </p:spTree>
-    <p:extLst>
-      <p:ext uri="{BB962C8B-B14F-4D97-AF65-F5344CB8AC3E}">
-        <p14:creationId xmlns:p14="http://schemas.microsoft.com/office/powerpoint/2010/main" val="635818930"/>
-      </p:ext>
-    </p:extLst>
-  </p:cSld>
-  <p:clrMapOvr>
-    <a:masterClrMapping/>
-  </p:clrMapOvr>
-  <mc:AlternateContent xmlns:mc="http://schemas.openxmlformats.org/markup-compatibility/2006" xmlns:p14="http://schemas.microsoft.com/office/powerpoint/2010/main">
-    <mc:Choice Requires="p14">
-      <p:transition p14:dur="0"/>
-    </mc:Choice>
-    <mc:Fallback xmlns="">
-      <p:transition xmlns:p14="http://schemas.microsoft.com/office/powerpoint/2010/main"/>
-    </mc:Fallback>
-  </mc:AlternateContent>
 </p:sld>
 </file>
 
@@ -35147,7 +35242,7 @@
 </file>
 
 <file path=ppt/slides/slide60.xml><?xml version="1.0" encoding="utf-8"?>
-<p:sld xmlns:a="http://schemas.openxmlformats.org/drawingml/2006/main" xmlns:r="http://schemas.openxmlformats.org/officeDocument/2006/relationships" xmlns:p="http://schemas.openxmlformats.org/presentationml/2006/main">
+<p:sld xmlns:a="http://schemas.openxmlformats.org/drawingml/2006/main" xmlns:r="http://schemas.openxmlformats.org/officeDocument/2006/relationships" xmlns:p="http://schemas.openxmlformats.org/presentationml/2006/main" show="0">
   <p:cSld>
     <p:spTree>
       <p:nvGrpSpPr>
@@ -35163,33 +35258,9 @@
           <a:chExt cx="0" cy="0"/>
         </a:xfrm>
       </p:grpSpPr>
-      <p:pic>
-        <p:nvPicPr>
-          <p:cNvPr id="2" name="Picture 1"/>
-          <p:cNvPicPr>
-            <a:picLocks noChangeAspect="1"/>
-          </p:cNvPicPr>
-          <p:nvPr/>
-        </p:nvPicPr>
-        <p:blipFill>
-          <a:blip r:embed="rId3"/>
-          <a:stretch>
-            <a:fillRect/>
-          </a:stretch>
-        </p:blipFill>
-        <p:spPr>
-          <a:xfrm>
-            <a:off x="1546876" y="1077753"/>
-            <a:ext cx="5820385" cy="3897487"/>
-          </a:xfrm>
-          <a:prstGeom prst="rect">
-            <a:avLst/>
-          </a:prstGeom>
-        </p:spPr>
-      </p:pic>
-      <p:sp>
-        <p:nvSpPr>
-          <p:cNvPr id="3" name="Title 2"/>
+      <p:sp>
+        <p:nvSpPr>
+          <p:cNvPr id="2" name="Title 1"/>
           <p:cNvSpPr>
             <a:spLocks noGrp="1"/>
           </p:cNvSpPr>
@@ -35204,15 +35275,49 @@
           <a:p>
             <a:r>
               <a:rPr lang="en-US" dirty="0"/>
-              <a:t>Exploration Process</a:t>
-            </a:r>
-          </a:p>
-        </p:txBody>
-      </p:sp>
+              <a:t>Widening </a:t>
+            </a:r>
+            <a:r>
+              <a:rPr lang="en-US"/>
+              <a:t>the Coverage</a:t>
+            </a:r>
+          </a:p>
+        </p:txBody>
+      </p:sp>
+      <p:pic>
+        <p:nvPicPr>
+          <p:cNvPr id="3" name="Picture 2" descr="bb_amplification.png"/>
+          <p:cNvPicPr>
+            <a:picLocks noChangeAspect="1"/>
+          </p:cNvPicPr>
+          <p:nvPr/>
+        </p:nvPicPr>
+        <p:blipFill>
+          <a:blip r:embed="rId2">
+            <a:extLst>
+              <a:ext uri="{28A0092B-C50C-407E-A947-70E740481C1C}">
+                <a14:useLocalDpi xmlns:a14="http://schemas.microsoft.com/office/drawing/2010/main" val="0"/>
+              </a:ext>
+            </a:extLst>
+          </a:blip>
+          <a:stretch>
+            <a:fillRect/>
+          </a:stretch>
+        </p:blipFill>
+        <p:spPr>
+          <a:xfrm>
+            <a:off x="2139488" y="1250960"/>
+            <a:ext cx="5154066" cy="3634708"/>
+          </a:xfrm>
+          <a:prstGeom prst="rect">
+            <a:avLst/>
+          </a:prstGeom>
+        </p:spPr>
+      </p:pic>
     </p:spTree>
     <p:extLst>
       <p:ext uri="{BB962C8B-B14F-4D97-AF65-F5344CB8AC3E}">
-        <p14:creationId xmlns:p14="http://schemas.microsoft.com/office/powerpoint/2010/main" val="4281184717"/>
+        <p14:creationId xmlns:p14="http://schemas.microsoft.com/office/powerpoint/2010/main" val="2921392090"/>
       </p:ext>
     </p:extLst>
   </p:cSld>
@@ -35241,13 +35346,7 @@
       </p:grpSpPr>
       <p:sp>
         <p:nvSpPr>
-          <p:cNvPr id="3" name="Title 2">
-            <a:extLst>
-              <a:ext uri="{FF2B5EF4-FFF2-40B4-BE49-F238E27FC236}">
-                <a16:creationId xmlns:a16="http://schemas.microsoft.com/office/drawing/2014/main" id="{3083A37A-E487-AAD3-B602-264401AF7680}"/>
-              </a:ext>
-            </a:extLst>
-          </p:cNvPr>
+          <p:cNvPr id="728" name="Shape 728"/>
           <p:cNvSpPr>
             <a:spLocks noGrp="1"/>
           </p:cNvSpPr>
@@ -35255,32 +35354,21 @@
             <p:ph type="title"/>
           </p:nvPr>
         </p:nvSpPr>
-        <p:spPr>
-          <a:xfrm>
-            <a:off x="457200" y="205979"/>
-            <a:ext cx="8229600" cy="857250"/>
-          </a:xfrm>
-        </p:spPr>
+        <p:spPr/>
         <p:txBody>
           <a:bodyPr/>
           <a:lstStyle/>
           <a:p>
             <a:r>
-              <a:rPr lang="en-US" dirty="0"/>
-              <a:t>OSS-Fuzz</a:t>
-            </a:r>
-          </a:p>
-        </p:txBody>
-      </p:sp>
-      <p:sp>
-        <p:nvSpPr>
-          <p:cNvPr id="6" name="Text Placeholder 5">
-            <a:extLst>
-              <a:ext uri="{FF2B5EF4-FFF2-40B4-BE49-F238E27FC236}">
-                <a16:creationId xmlns:a16="http://schemas.microsoft.com/office/drawing/2014/main" id="{674B2FC9-ED63-AD6C-725A-8005E3D17758}"/>
-              </a:ext>
-            </a:extLst>
-          </p:cNvPr>
+              <a:rPr lang="en-US"/>
+              <a:t>Driller</a:t>
+            </a:r>
+          </a:p>
+        </p:txBody>
+      </p:sp>
+      <p:sp>
+        <p:nvSpPr>
+          <p:cNvPr id="729" name="Shape 729"/>
           <p:cNvSpPr>
             <a:spLocks noGrp="1"/>
           </p:cNvSpPr>
@@ -35288,60 +35376,48 @@
             <p:ph type="body" idx="1"/>
           </p:nvPr>
         </p:nvSpPr>
-        <p:spPr>
-          <a:xfrm>
-            <a:off x="457200" y="1200150"/>
-            <a:ext cx="8229600" cy="3753890"/>
-          </a:xfrm>
-        </p:spPr>
+        <p:spPr/>
         <p:txBody>
           <a:bodyPr/>
           <a:lstStyle/>
           <a:p>
             <a:r>
               <a:rPr lang="en-US" dirty="0"/>
-              <a:t>OSS-Fuzz is a Google project to continuously fuzz open-source software</a:t>
-            </a:r>
-          </a:p>
-          <a:p>
+              <a:t>Combining fuzzing and </a:t>
+            </a:r>
+            <a:r>
+              <a:rPr lang="en-US" dirty="0" err="1"/>
+              <a:t>concolic</a:t>
+            </a:r>
             <a:r>
               <a:rPr lang="en-US" dirty="0"/>
-              <a:t>OSS-Fuzz provides support for:</a:t>
-            </a:r>
-          </a:p>
-          <a:p>
-            <a:pPr lvl="1"/>
+              <a:t> execution improves vulnerability discovery over either technique in isolation</a:t>
+            </a:r>
+          </a:p>
+          <a:p>
+            <a:r>
+              <a:rPr lang="en-US" dirty="0"/>
+              <a:t>Selective </a:t>
+            </a:r>
             <a:r>
               <a:rPr lang="en-US" dirty="0" err="1"/>
-              <a:t>libFuzzer</a:t>
-            </a:r>
-            <a:endParaRPr lang="en-US" dirty="0"/>
-          </a:p>
-          <a:p>
-            <a:pPr lvl="1"/>
+              <a:t>concolic</a:t>
+            </a:r>
             <a:r>
               <a:rPr lang="en-US" dirty="0"/>
-              <a:t>AFL++</a:t>
-            </a:r>
-          </a:p>
-          <a:p>
-            <a:pPr lvl="1"/>
-            <a:r>
-              <a:rPr lang="en-US" dirty="0" err="1"/>
-              <a:t>Honggfuzz</a:t>
-            </a:r>
-            <a:endParaRPr lang="en-US" dirty="0"/>
+              <a:t> execution allows fuzzing to efficiently explore otherwise unreachable program compartments</a:t>
+            </a:r>
           </a:p>
           <a:p>
             <a:r>
               <a:rPr lang="en-US" dirty="0"/>
-              <a:t>Targets can be programs written in C/C++, Rust, Go, Python, Java/JVM, and JavaScript</a:t>
+              <a:t>Evaluated over DARPA CGC qualifier data set, discovering 77 crash bugs vs. 68 via fuzzing</a:t>
             </a:r>
           </a:p>
           <a:p>
             <a:r>
               <a:rPr lang="en-US" dirty="0"/>
-              <a:t>Supported architectures are x86_64 and i386</a:t>
+              <a:t>Published at NDSS 2016</a:t>
             </a:r>
           </a:p>
         </p:txBody>
@@ -35349,14 +35425,21 @@
     </p:spTree>
     <p:extLst>
       <p:ext uri="{BB962C8B-B14F-4D97-AF65-F5344CB8AC3E}">
-        <p14:creationId xmlns:p14="http://schemas.microsoft.com/office/powerpoint/2010/main" val="3696988602"/>
+        <p14:creationId xmlns:p14="http://schemas.microsoft.com/office/powerpoint/2010/main" val="635818930"/>
       </p:ext>
     </p:extLst>
   </p:cSld>
   <p:clrMapOvr>
     <a:masterClrMapping/>
   </p:clrMapOvr>
-  <p:transition spd="med"/>
+  <mc:AlternateContent xmlns:mc="http://schemas.openxmlformats.org/markup-compatibility/2006" xmlns:p14="http://schemas.microsoft.com/office/powerpoint/2010/main">
+    <mc:Choice Requires="p14">
+      <p:transition p14:dur="0"/>
+    </mc:Choice>
+    <mc:Fallback xmlns="">
+      <p:transition xmlns:p14="http://schemas.microsoft.com/office/powerpoint/2010/main"/>
+    </mc:Fallback>
+  </mc:AlternateContent>
 </p:sld>
 </file>
 
@@ -35377,15 +35460,33 @@
           <a:chExt cx="0" cy="0"/>
         </a:xfrm>
       </p:grpSpPr>
-      <p:sp>
-        <p:nvSpPr>
-          <p:cNvPr id="2" name="Title 1">
-            <a:extLst>
-              <a:ext uri="{FF2B5EF4-FFF2-40B4-BE49-F238E27FC236}">
-                <a16:creationId xmlns:a16="http://schemas.microsoft.com/office/drawing/2014/main" id="{3A1A3BBF-E012-EACC-77AC-8A7883512DD6}"/>
-              </a:ext>
-            </a:extLst>
-          </p:cNvPr>
+      <p:pic>
+        <p:nvPicPr>
+          <p:cNvPr id="2" name="Picture 1"/>
+          <p:cNvPicPr>
+            <a:picLocks noChangeAspect="1"/>
+          </p:cNvPicPr>
+          <p:nvPr/>
+        </p:nvPicPr>
+        <p:blipFill>
+          <a:blip r:embed="rId3"/>
+          <a:stretch>
+            <a:fillRect/>
+          </a:stretch>
+        </p:blipFill>
+        <p:spPr>
+          <a:xfrm>
+            <a:off x="1546876" y="1077753"/>
+            <a:ext cx="5820385" cy="3897487"/>
+          </a:xfrm>
+          <a:prstGeom prst="rect">
+            <a:avLst/>
+          </a:prstGeom>
+        </p:spPr>
+      </p:pic>
+      <p:sp>
+        <p:nvSpPr>
+          <p:cNvPr id="3" name="Title 2"/>
           <p:cNvSpPr>
             <a:spLocks noGrp="1"/>
           </p:cNvSpPr>
@@ -35400,107 +35501,7 @@
           <a:p>
             <a:r>
               <a:rPr lang="en-US" dirty="0"/>
-              <a:t>Integrating a Project with OSS-Fuzz</a:t>
-            </a:r>
-          </a:p>
-        </p:txBody>
-      </p:sp>
-      <p:sp>
-        <p:nvSpPr>
-          <p:cNvPr id="3" name="Text Placeholder 2">
-            <a:extLst>
-              <a:ext uri="{FF2B5EF4-FFF2-40B4-BE49-F238E27FC236}">
-                <a16:creationId xmlns:a16="http://schemas.microsoft.com/office/drawing/2014/main" id="{EA3A73F4-13A3-A0E4-45EB-5C22ED420881}"/>
-              </a:ext>
-            </a:extLst>
-          </p:cNvPr>
-          <p:cNvSpPr>
-            <a:spLocks noGrp="1"/>
-          </p:cNvSpPr>
-          <p:nvPr>
-            <p:ph type="body" idx="1"/>
-          </p:nvPr>
-        </p:nvSpPr>
-        <p:spPr/>
-        <p:txBody>
-          <a:bodyPr/>
-          <a:lstStyle/>
-          <a:p>
-            <a:r>
-              <a:rPr lang="en-US" dirty="0"/>
-              <a:t>Write a number of fuzz targets (see </a:t>
-            </a:r>
-            <a:r>
-              <a:rPr lang="en-US" dirty="0" err="1"/>
-              <a:t>libFuzzer</a:t>
-            </a:r>
-            <a:r>
-              <a:rPr lang="en-US" dirty="0"/>
-              <a:t>)</a:t>
-            </a:r>
-          </a:p>
-          <a:p>
-            <a:r>
-              <a:rPr lang="en-US" dirty="0"/>
-              <a:t>Set up the code to be fuzzed in a standard(</a:t>
-            </a:r>
-            <a:r>
-              <a:rPr lang="en-US" dirty="0" err="1"/>
-              <a:t>ish</a:t>
-            </a:r>
-            <a:r>
-              <a:rPr lang="en-US" dirty="0"/>
-              <a:t>) fashion so that it can be built with different </a:t>
-            </a:r>
-            <a:r>
-              <a:rPr lang="en-US" dirty="0" err="1"/>
-              <a:t>fuzzers</a:t>
-            </a:r>
-            <a:r>
-              <a:rPr lang="en-US" dirty="0"/>
-              <a:t> and sanitizers</a:t>
-            </a:r>
-          </a:p>
-          <a:p>
-            <a:r>
-              <a:rPr lang="en-US" dirty="0"/>
-              <a:t>Provide a high-quality seed corpus</a:t>
-            </a:r>
-          </a:p>
-          <a:p>
-            <a:r>
-              <a:rPr lang="en-US" dirty="0"/>
-              <a:t>Provide a dictionary (if applicable)</a:t>
-            </a:r>
-          </a:p>
-          <a:p>
-            <a:r>
-              <a:rPr lang="en-US" dirty="0"/>
-              <a:t>Example: https://</a:t>
-            </a:r>
-            <a:r>
-              <a:rPr lang="en-US" dirty="0" err="1"/>
-              <a:t>github.com</a:t>
-            </a:r>
-            <a:r>
-              <a:rPr lang="en-US" dirty="0"/>
-              <a:t>/google/</a:t>
-            </a:r>
-            <a:r>
-              <a:rPr lang="en-US" dirty="0" err="1"/>
-              <a:t>oss</a:t>
-            </a:r>
-            <a:r>
-              <a:rPr lang="en-US" dirty="0"/>
-              <a:t>-fuzz/tree/master/projects/example/my-</a:t>
-            </a:r>
-            <a:r>
-              <a:rPr lang="en-US" dirty="0" err="1"/>
-              <a:t>api</a:t>
-            </a:r>
-            <a:r>
-              <a:rPr lang="en-US" dirty="0"/>
-              <a:t>-repo</a:t>
+              <a:t>Exploration Process</a:t>
             </a:r>
           </a:p>
         </p:txBody>
@@ -35508,14 +35509,13 @@
     </p:spTree>
     <p:extLst>
       <p:ext uri="{BB962C8B-B14F-4D97-AF65-F5344CB8AC3E}">
-        <p14:creationId xmlns:p14="http://schemas.microsoft.com/office/powerpoint/2010/main" val="1427316061"/>
+        <p14:creationId xmlns:p14="http://schemas.microsoft.com/office/powerpoint/2010/main" val="4281184717"/>
       </p:ext>
     </p:extLst>
   </p:cSld>
   <p:clrMapOvr>
     <a:masterClrMapping/>
   </p:clrMapOvr>
-  <p:transition spd="med"/>
 </p:sld>
 </file>
 
